--- a/시퀀스 다이어 그램.pptx
+++ b/시퀀스 다이어 그램.pptx
@@ -15,10 +15,11 @@
     <p:sldId id="264" r:id="rId9"/>
     <p:sldId id="265" r:id="rId10"/>
     <p:sldId id="266" r:id="rId11"/>
-    <p:sldId id="267" r:id="rId12"/>
-    <p:sldId id="258" r:id="rId13"/>
-    <p:sldId id="268" r:id="rId14"/>
-    <p:sldId id="269" r:id="rId15"/>
+    <p:sldId id="270" r:id="rId12"/>
+    <p:sldId id="267" r:id="rId13"/>
+    <p:sldId id="258" r:id="rId14"/>
+    <p:sldId id="268" r:id="rId15"/>
+    <p:sldId id="269" r:id="rId16"/>
   </p:sldIdLst>
   <p:sldSz cx="12192000" cy="6858000"/>
   <p:notesSz cx="6858000" cy="9144000"/>
@@ -4907,6 +4908,1111 @@
           <p:cNvPr id="2" name="제목 1">
             <a:extLst>
               <a:ext uri="{FF2B5EF4-FFF2-40B4-BE49-F238E27FC236}">
+                <a16:creationId xmlns:a16="http://schemas.microsoft.com/office/drawing/2014/main" id="{0CC91C42-3178-4632-A79C-F82736819F85}"/>
+              </a:ext>
+            </a:extLst>
+          </p:cNvPr>
+          <p:cNvSpPr>
+            <a:spLocks noGrp="1"/>
+          </p:cNvSpPr>
+          <p:nvPr>
+            <p:ph type="title"/>
+          </p:nvPr>
+        </p:nvSpPr>
+        <p:spPr>
+          <a:xfrm>
+            <a:off x="0" y="-8197"/>
+            <a:ext cx="10515600" cy="1325563"/>
+          </a:xfrm>
+        </p:spPr>
+        <p:txBody>
+          <a:bodyPr/>
+          <a:lstStyle/>
+          <a:p>
+            <a:r>
+              <a:rPr lang="ko-KR" altLang="en-US" dirty="0"/>
+              <a:t>게임 서버 데이터 </a:t>
+            </a:r>
+            <a:r>
+              <a:rPr lang="ko-KR" altLang="en-US" dirty="0" err="1"/>
+              <a:t>레디스에서</a:t>
+            </a:r>
+            <a:r>
+              <a:rPr lang="ko-KR" altLang="en-US" dirty="0"/>
+              <a:t> 지우기</a:t>
+            </a:r>
+          </a:p>
+        </p:txBody>
+      </p:sp>
+      <p:grpSp>
+        <p:nvGrpSpPr>
+          <p:cNvPr id="4" name="그룹 3">
+            <a:extLst>
+              <a:ext uri="{FF2B5EF4-FFF2-40B4-BE49-F238E27FC236}">
+                <a16:creationId xmlns:a16="http://schemas.microsoft.com/office/drawing/2014/main" id="{C99D18B9-40CC-4D2E-B888-29D6BA07B889}"/>
+              </a:ext>
+            </a:extLst>
+          </p:cNvPr>
+          <p:cNvGrpSpPr/>
+          <p:nvPr/>
+        </p:nvGrpSpPr>
+        <p:grpSpPr>
+          <a:xfrm>
+            <a:off x="2770025" y="1600297"/>
+            <a:ext cx="6819900" cy="5019675"/>
+            <a:chOff x="0" y="0"/>
+            <a:chExt cx="6819900" cy="5019675"/>
+          </a:xfrm>
+        </p:grpSpPr>
+        <p:grpSp>
+          <p:nvGrpSpPr>
+            <p:cNvPr id="5" name="그룹 4">
+              <a:extLst>
+                <a:ext uri="{FF2B5EF4-FFF2-40B4-BE49-F238E27FC236}">
+                  <a16:creationId xmlns:a16="http://schemas.microsoft.com/office/drawing/2014/main" id="{B69E2C6B-39D4-40E4-AC08-2E1447A417CA}"/>
+                </a:ext>
+              </a:extLst>
+            </p:cNvPr>
+            <p:cNvGrpSpPr/>
+            <p:nvPr/>
+          </p:nvGrpSpPr>
+          <p:grpSpPr>
+            <a:xfrm>
+              <a:off x="0" y="142875"/>
+              <a:ext cx="1276350" cy="1257300"/>
+              <a:chOff x="0" y="142875"/>
+              <a:chExt cx="1276350" cy="1257300"/>
+            </a:xfrm>
+          </p:grpSpPr>
+          <p:sp>
+            <p:nvSpPr>
+              <p:cNvPr id="17" name="직사각형 16">
+                <a:extLst>
+                  <a:ext uri="{FF2B5EF4-FFF2-40B4-BE49-F238E27FC236}">
+                    <a16:creationId xmlns:a16="http://schemas.microsoft.com/office/drawing/2014/main" id="{6A9106D1-7385-45EC-9FFE-780EE5782977}"/>
+                  </a:ext>
+                </a:extLst>
+              </p:cNvPr>
+              <p:cNvSpPr/>
+              <p:nvPr/>
+            </p:nvSpPr>
+            <p:spPr>
+              <a:xfrm>
+                <a:off x="0" y="742950"/>
+                <a:ext cx="1276350" cy="657225"/>
+              </a:xfrm>
+              <a:prstGeom prst="rect">
+                <a:avLst/>
+              </a:prstGeom>
+            </p:spPr>
+            <p:style>
+              <a:lnRef idx="2">
+                <a:schemeClr val="accent1">
+                  <a:shade val="50000"/>
+                </a:schemeClr>
+              </a:lnRef>
+              <a:fillRef idx="1">
+                <a:schemeClr val="accent1"/>
+              </a:fillRef>
+              <a:effectRef idx="0">
+                <a:schemeClr val="accent1"/>
+              </a:effectRef>
+              <a:fontRef idx="minor">
+                <a:schemeClr val="lt1"/>
+              </a:fontRef>
+            </p:style>
+            <p:txBody>
+              <a:bodyPr rot="0" spcFirstLastPara="0" vert="horz" wrap="square" lIns="91440" tIns="45720" rIns="91440" bIns="45720" numCol="1" spcCol="0" rtlCol="0" fromWordArt="0" anchor="t" anchorCtr="0" forceAA="0" compatLnSpc="1">
+                <a:prstTxWarp prst="textNoShape">
+                  <a:avLst/>
+                </a:prstTxWarp>
+                <a:noAutofit/>
+              </a:bodyPr>
+              <a:lstStyle>
+                <a:lvl1pPr marL="0" indent="0">
+                  <a:defRPr sz="1100">
+                    <a:solidFill>
+                      <a:schemeClr val="lt1"/>
+                    </a:solidFill>
+                    <a:latin typeface="+mn-lt"/>
+                    <a:ea typeface="+mn-ea"/>
+                    <a:cs typeface="+mn-cs"/>
+                  </a:defRPr>
+                </a:lvl1pPr>
+                <a:lvl2pPr marL="457200" indent="0">
+                  <a:defRPr sz="1100">
+                    <a:solidFill>
+                      <a:schemeClr val="lt1"/>
+                    </a:solidFill>
+                    <a:latin typeface="+mn-lt"/>
+                    <a:ea typeface="+mn-ea"/>
+                    <a:cs typeface="+mn-cs"/>
+                  </a:defRPr>
+                </a:lvl2pPr>
+                <a:lvl3pPr marL="914400" indent="0">
+                  <a:defRPr sz="1100">
+                    <a:solidFill>
+                      <a:schemeClr val="lt1"/>
+                    </a:solidFill>
+                    <a:latin typeface="+mn-lt"/>
+                    <a:ea typeface="+mn-ea"/>
+                    <a:cs typeface="+mn-cs"/>
+                  </a:defRPr>
+                </a:lvl3pPr>
+                <a:lvl4pPr marL="1371600" indent="0">
+                  <a:defRPr sz="1100">
+                    <a:solidFill>
+                      <a:schemeClr val="lt1"/>
+                    </a:solidFill>
+                    <a:latin typeface="+mn-lt"/>
+                    <a:ea typeface="+mn-ea"/>
+                    <a:cs typeface="+mn-cs"/>
+                  </a:defRPr>
+                </a:lvl4pPr>
+                <a:lvl5pPr marL="1828800" indent="0">
+                  <a:defRPr sz="1100">
+                    <a:solidFill>
+                      <a:schemeClr val="lt1"/>
+                    </a:solidFill>
+                    <a:latin typeface="+mn-lt"/>
+                    <a:ea typeface="+mn-ea"/>
+                    <a:cs typeface="+mn-cs"/>
+                  </a:defRPr>
+                </a:lvl5pPr>
+                <a:lvl6pPr marL="2286000" indent="0">
+                  <a:defRPr sz="1100">
+                    <a:solidFill>
+                      <a:schemeClr val="lt1"/>
+                    </a:solidFill>
+                    <a:latin typeface="+mn-lt"/>
+                    <a:ea typeface="+mn-ea"/>
+                    <a:cs typeface="+mn-cs"/>
+                  </a:defRPr>
+                </a:lvl6pPr>
+                <a:lvl7pPr marL="2743200" indent="0">
+                  <a:defRPr sz="1100">
+                    <a:solidFill>
+                      <a:schemeClr val="lt1"/>
+                    </a:solidFill>
+                    <a:latin typeface="+mn-lt"/>
+                    <a:ea typeface="+mn-ea"/>
+                    <a:cs typeface="+mn-cs"/>
+                  </a:defRPr>
+                </a:lvl7pPr>
+                <a:lvl8pPr marL="3200400" indent="0">
+                  <a:defRPr sz="1100">
+                    <a:solidFill>
+                      <a:schemeClr val="lt1"/>
+                    </a:solidFill>
+                    <a:latin typeface="+mn-lt"/>
+                    <a:ea typeface="+mn-ea"/>
+                    <a:cs typeface="+mn-cs"/>
+                  </a:defRPr>
+                </a:lvl8pPr>
+                <a:lvl9pPr marL="3657600" indent="0">
+                  <a:defRPr sz="1100">
+                    <a:solidFill>
+                      <a:schemeClr val="lt1"/>
+                    </a:solidFill>
+                    <a:latin typeface="+mn-lt"/>
+                    <a:ea typeface="+mn-ea"/>
+                    <a:cs typeface="+mn-cs"/>
+                  </a:defRPr>
+                </a:lvl9pPr>
+              </a:lstStyle>
+              <a:p>
+                <a:pPr algn="ctr"/>
+                <a:r>
+                  <a:rPr lang="en-US" altLang="ko-KR" sz="2800">
+                    <a:solidFill>
+                      <a:srgbClr val="FF0000"/>
+                    </a:solidFill>
+                  </a:rPr>
+                  <a:t>Client</a:t>
+                </a:r>
+                <a:endParaRPr lang="ko-KR" altLang="en-US" sz="2800">
+                  <a:solidFill>
+                    <a:srgbClr val="FF0000"/>
+                  </a:solidFill>
+                </a:endParaRPr>
+              </a:p>
+            </p:txBody>
+          </p:sp>
+          <p:pic>
+            <p:nvPicPr>
+              <p:cNvPr id="18" name="그래픽 3" descr="컴퓨터">
+                <a:extLst>
+                  <a:ext uri="{FF2B5EF4-FFF2-40B4-BE49-F238E27FC236}">
+                    <a16:creationId xmlns:a16="http://schemas.microsoft.com/office/drawing/2014/main" id="{F99AFDD1-E1E6-4379-B652-A3483F82E6A4}"/>
+                  </a:ext>
+                </a:extLst>
+              </p:cNvPr>
+              <p:cNvPicPr>
+                <a:picLocks noChangeAspect="1"/>
+              </p:cNvPicPr>
+              <p:nvPr/>
+            </p:nvPicPr>
+            <p:blipFill>
+              <a:blip r:embed="rId2">
+                <a:extLst>
+                  <a:ext uri="{28A0092B-C50C-407E-A947-70E740481C1C}">
+                    <a14:useLocalDpi xmlns:a14="http://schemas.microsoft.com/office/drawing/2010/main" val="0"/>
+                  </a:ext>
+                  <a:ext uri="{96DAC541-7B7A-43D3-8B79-37D633B846F1}">
+                    <asvg:svgBlip xmlns:asvg="http://schemas.microsoft.com/office/drawing/2016/SVG/main" r:embed="rId3"/>
+                  </a:ext>
+                </a:extLst>
+              </a:blip>
+              <a:stretch>
+                <a:fillRect/>
+              </a:stretch>
+            </p:blipFill>
+            <p:spPr>
+              <a:xfrm>
+                <a:off x="190500" y="142875"/>
+                <a:ext cx="914400" cy="914400"/>
+              </a:xfrm>
+              <a:prstGeom prst="rect">
+                <a:avLst/>
+              </a:prstGeom>
+            </p:spPr>
+          </p:pic>
+        </p:grpSp>
+        <p:grpSp>
+          <p:nvGrpSpPr>
+            <p:cNvPr id="6" name="그룹 5">
+              <a:extLst>
+                <a:ext uri="{FF2B5EF4-FFF2-40B4-BE49-F238E27FC236}">
+                  <a16:creationId xmlns:a16="http://schemas.microsoft.com/office/drawing/2014/main" id="{9ED95ED3-B334-4819-9FCB-C09E5B08C147}"/>
+                </a:ext>
+              </a:extLst>
+            </p:cNvPr>
+            <p:cNvGrpSpPr/>
+            <p:nvPr/>
+          </p:nvGrpSpPr>
+          <p:grpSpPr>
+            <a:xfrm>
+              <a:off x="2714625" y="57150"/>
+              <a:ext cx="1276350" cy="1343025"/>
+              <a:chOff x="2714625" y="57150"/>
+              <a:chExt cx="1276350" cy="1343025"/>
+            </a:xfrm>
+          </p:grpSpPr>
+          <p:sp>
+            <p:nvSpPr>
+              <p:cNvPr id="15" name="직사각형 14">
+                <a:extLst>
+                  <a:ext uri="{FF2B5EF4-FFF2-40B4-BE49-F238E27FC236}">
+                    <a16:creationId xmlns:a16="http://schemas.microsoft.com/office/drawing/2014/main" id="{1A314912-8984-46EE-9F96-CCF4A505BE2F}"/>
+                  </a:ext>
+                </a:extLst>
+              </p:cNvPr>
+              <p:cNvSpPr/>
+              <p:nvPr/>
+            </p:nvSpPr>
+            <p:spPr>
+              <a:xfrm>
+                <a:off x="2714625" y="742950"/>
+                <a:ext cx="1276350" cy="657225"/>
+              </a:xfrm>
+              <a:prstGeom prst="rect">
+                <a:avLst/>
+              </a:prstGeom>
+            </p:spPr>
+            <p:style>
+              <a:lnRef idx="2">
+                <a:schemeClr val="accent1">
+                  <a:shade val="50000"/>
+                </a:schemeClr>
+              </a:lnRef>
+              <a:fillRef idx="1">
+                <a:schemeClr val="accent1"/>
+              </a:fillRef>
+              <a:effectRef idx="0">
+                <a:schemeClr val="accent1"/>
+              </a:effectRef>
+              <a:fontRef idx="minor">
+                <a:schemeClr val="lt1"/>
+              </a:fontRef>
+            </p:style>
+            <p:txBody>
+              <a:bodyPr rot="0" spcFirstLastPara="0" vert="horz" wrap="square" lIns="91440" tIns="45720" rIns="91440" bIns="45720" numCol="1" spcCol="0" rtlCol="0" fromWordArt="0" anchor="t" anchorCtr="0" forceAA="0" compatLnSpc="1">
+                <a:prstTxWarp prst="textNoShape">
+                  <a:avLst/>
+                </a:prstTxWarp>
+                <a:noAutofit/>
+              </a:bodyPr>
+              <a:lstStyle>
+                <a:lvl1pPr marL="0" indent="0">
+                  <a:defRPr sz="1100">
+                    <a:solidFill>
+                      <a:schemeClr val="lt1"/>
+                    </a:solidFill>
+                    <a:latin typeface="+mn-lt"/>
+                    <a:ea typeface="+mn-ea"/>
+                    <a:cs typeface="+mn-cs"/>
+                  </a:defRPr>
+                </a:lvl1pPr>
+                <a:lvl2pPr marL="457200" indent="0">
+                  <a:defRPr sz="1100">
+                    <a:solidFill>
+                      <a:schemeClr val="lt1"/>
+                    </a:solidFill>
+                    <a:latin typeface="+mn-lt"/>
+                    <a:ea typeface="+mn-ea"/>
+                    <a:cs typeface="+mn-cs"/>
+                  </a:defRPr>
+                </a:lvl2pPr>
+                <a:lvl3pPr marL="914400" indent="0">
+                  <a:defRPr sz="1100">
+                    <a:solidFill>
+                      <a:schemeClr val="lt1"/>
+                    </a:solidFill>
+                    <a:latin typeface="+mn-lt"/>
+                    <a:ea typeface="+mn-ea"/>
+                    <a:cs typeface="+mn-cs"/>
+                  </a:defRPr>
+                </a:lvl3pPr>
+                <a:lvl4pPr marL="1371600" indent="0">
+                  <a:defRPr sz="1100">
+                    <a:solidFill>
+                      <a:schemeClr val="lt1"/>
+                    </a:solidFill>
+                    <a:latin typeface="+mn-lt"/>
+                    <a:ea typeface="+mn-ea"/>
+                    <a:cs typeface="+mn-cs"/>
+                  </a:defRPr>
+                </a:lvl4pPr>
+                <a:lvl5pPr marL="1828800" indent="0">
+                  <a:defRPr sz="1100">
+                    <a:solidFill>
+                      <a:schemeClr val="lt1"/>
+                    </a:solidFill>
+                    <a:latin typeface="+mn-lt"/>
+                    <a:ea typeface="+mn-ea"/>
+                    <a:cs typeface="+mn-cs"/>
+                  </a:defRPr>
+                </a:lvl5pPr>
+                <a:lvl6pPr marL="2286000" indent="0">
+                  <a:defRPr sz="1100">
+                    <a:solidFill>
+                      <a:schemeClr val="lt1"/>
+                    </a:solidFill>
+                    <a:latin typeface="+mn-lt"/>
+                    <a:ea typeface="+mn-ea"/>
+                    <a:cs typeface="+mn-cs"/>
+                  </a:defRPr>
+                </a:lvl6pPr>
+                <a:lvl7pPr marL="2743200" indent="0">
+                  <a:defRPr sz="1100">
+                    <a:solidFill>
+                      <a:schemeClr val="lt1"/>
+                    </a:solidFill>
+                    <a:latin typeface="+mn-lt"/>
+                    <a:ea typeface="+mn-ea"/>
+                    <a:cs typeface="+mn-cs"/>
+                  </a:defRPr>
+                </a:lvl7pPr>
+                <a:lvl8pPr marL="3200400" indent="0">
+                  <a:defRPr sz="1100">
+                    <a:solidFill>
+                      <a:schemeClr val="lt1"/>
+                    </a:solidFill>
+                    <a:latin typeface="+mn-lt"/>
+                    <a:ea typeface="+mn-ea"/>
+                    <a:cs typeface="+mn-cs"/>
+                  </a:defRPr>
+                </a:lvl8pPr>
+                <a:lvl9pPr marL="3657600" indent="0">
+                  <a:defRPr sz="1100">
+                    <a:solidFill>
+                      <a:schemeClr val="lt1"/>
+                    </a:solidFill>
+                    <a:latin typeface="+mn-lt"/>
+                    <a:ea typeface="+mn-ea"/>
+                    <a:cs typeface="+mn-cs"/>
+                  </a:defRPr>
+                </a:lvl9pPr>
+              </a:lstStyle>
+              <a:p>
+                <a:pPr algn="ctr"/>
+                <a:r>
+                  <a:rPr lang="en-US" altLang="ko-KR" sz="1800">
+                    <a:solidFill>
+                      <a:srgbClr val="FF0000"/>
+                    </a:solidFill>
+                  </a:rPr>
+                  <a:t>Game</a:t>
+                </a:r>
+              </a:p>
+              <a:p>
+                <a:pPr algn="ctr"/>
+                <a:r>
+                  <a:rPr lang="en-US" altLang="ko-KR" sz="1800">
+                    <a:solidFill>
+                      <a:srgbClr val="FF0000"/>
+                    </a:solidFill>
+                  </a:rPr>
+                  <a:t>Server</a:t>
+                </a:r>
+                <a:endParaRPr lang="ko-KR" altLang="en-US" sz="1800">
+                  <a:solidFill>
+                    <a:srgbClr val="FF0000"/>
+                  </a:solidFill>
+                </a:endParaRPr>
+              </a:p>
+            </p:txBody>
+          </p:sp>
+          <p:pic>
+            <p:nvPicPr>
+              <p:cNvPr id="16" name="그래픽 6" descr="신문">
+                <a:extLst>
+                  <a:ext uri="{FF2B5EF4-FFF2-40B4-BE49-F238E27FC236}">
+                    <a16:creationId xmlns:a16="http://schemas.microsoft.com/office/drawing/2014/main" id="{B7048C4B-09C0-4F16-8DA2-FBA8506F07E6}"/>
+                  </a:ext>
+                </a:extLst>
+              </p:cNvPr>
+              <p:cNvPicPr>
+                <a:picLocks noChangeAspect="1"/>
+              </p:cNvPicPr>
+              <p:nvPr/>
+            </p:nvPicPr>
+            <p:blipFill>
+              <a:blip r:embed="rId4">
+                <a:extLst>
+                  <a:ext uri="{28A0092B-C50C-407E-A947-70E740481C1C}">
+                    <a14:useLocalDpi xmlns:a14="http://schemas.microsoft.com/office/drawing/2010/main" val="0"/>
+                  </a:ext>
+                  <a:ext uri="{96DAC541-7B7A-43D3-8B79-37D633B846F1}">
+                    <asvg:svgBlip xmlns:asvg="http://schemas.microsoft.com/office/drawing/2016/SVG/main" r:embed="rId5"/>
+                  </a:ext>
+                </a:extLst>
+              </a:blip>
+              <a:stretch>
+                <a:fillRect/>
+              </a:stretch>
+            </p:blipFill>
+            <p:spPr>
+              <a:xfrm>
+                <a:off x="2905125" y="57150"/>
+                <a:ext cx="914400" cy="914400"/>
+              </a:xfrm>
+              <a:prstGeom prst="rect">
+                <a:avLst/>
+              </a:prstGeom>
+            </p:spPr>
+          </p:pic>
+        </p:grpSp>
+        <p:sp>
+          <p:nvSpPr>
+            <p:cNvPr id="7" name="직사각형 6">
+              <a:extLst>
+                <a:ext uri="{FF2B5EF4-FFF2-40B4-BE49-F238E27FC236}">
+                  <a16:creationId xmlns:a16="http://schemas.microsoft.com/office/drawing/2014/main" id="{AE4A6623-1EEF-44B4-9DFF-E3E7B42BC12E}"/>
+                </a:ext>
+              </a:extLst>
+            </p:cNvPr>
+            <p:cNvSpPr/>
+            <p:nvPr/>
+          </p:nvSpPr>
+          <p:spPr>
+            <a:xfrm>
+              <a:off x="5476875" y="742950"/>
+              <a:ext cx="1276350" cy="657225"/>
+            </a:xfrm>
+            <a:prstGeom prst="rect">
+              <a:avLst/>
+            </a:prstGeom>
+          </p:spPr>
+          <p:style>
+            <a:lnRef idx="2">
+              <a:schemeClr val="accent1">
+                <a:shade val="50000"/>
+              </a:schemeClr>
+            </a:lnRef>
+            <a:fillRef idx="1">
+              <a:schemeClr val="accent1"/>
+            </a:fillRef>
+            <a:effectRef idx="0">
+              <a:schemeClr val="accent1"/>
+            </a:effectRef>
+            <a:fontRef idx="minor">
+              <a:schemeClr val="lt1"/>
+            </a:fontRef>
+          </p:style>
+          <p:txBody>
+            <a:bodyPr rot="0" spcFirstLastPara="0" vert="horz" wrap="square" lIns="91440" tIns="45720" rIns="91440" bIns="45720" numCol="1" spcCol="0" rtlCol="0" fromWordArt="0" anchor="t" anchorCtr="0" forceAA="0" compatLnSpc="1">
+              <a:prstTxWarp prst="textNoShape">
+                <a:avLst/>
+              </a:prstTxWarp>
+              <a:noAutofit/>
+            </a:bodyPr>
+            <a:lstStyle>
+              <a:lvl1pPr marL="0" indent="0">
+                <a:defRPr sz="1100">
+                  <a:solidFill>
+                    <a:schemeClr val="lt1"/>
+                  </a:solidFill>
+                  <a:latin typeface="+mn-lt"/>
+                  <a:ea typeface="+mn-ea"/>
+                  <a:cs typeface="+mn-cs"/>
+                </a:defRPr>
+              </a:lvl1pPr>
+              <a:lvl2pPr marL="457200" indent="0">
+                <a:defRPr sz="1100">
+                  <a:solidFill>
+                    <a:schemeClr val="lt1"/>
+                  </a:solidFill>
+                  <a:latin typeface="+mn-lt"/>
+                  <a:ea typeface="+mn-ea"/>
+                  <a:cs typeface="+mn-cs"/>
+                </a:defRPr>
+              </a:lvl2pPr>
+              <a:lvl3pPr marL="914400" indent="0">
+                <a:defRPr sz="1100">
+                  <a:solidFill>
+                    <a:schemeClr val="lt1"/>
+                  </a:solidFill>
+                  <a:latin typeface="+mn-lt"/>
+                  <a:ea typeface="+mn-ea"/>
+                  <a:cs typeface="+mn-cs"/>
+                </a:defRPr>
+              </a:lvl3pPr>
+              <a:lvl4pPr marL="1371600" indent="0">
+                <a:defRPr sz="1100">
+                  <a:solidFill>
+                    <a:schemeClr val="lt1"/>
+                  </a:solidFill>
+                  <a:latin typeface="+mn-lt"/>
+                  <a:ea typeface="+mn-ea"/>
+                  <a:cs typeface="+mn-cs"/>
+                </a:defRPr>
+              </a:lvl4pPr>
+              <a:lvl5pPr marL="1828800" indent="0">
+                <a:defRPr sz="1100">
+                  <a:solidFill>
+                    <a:schemeClr val="lt1"/>
+                  </a:solidFill>
+                  <a:latin typeface="+mn-lt"/>
+                  <a:ea typeface="+mn-ea"/>
+                  <a:cs typeface="+mn-cs"/>
+                </a:defRPr>
+              </a:lvl5pPr>
+              <a:lvl6pPr marL="2286000" indent="0">
+                <a:defRPr sz="1100">
+                  <a:solidFill>
+                    <a:schemeClr val="lt1"/>
+                  </a:solidFill>
+                  <a:latin typeface="+mn-lt"/>
+                  <a:ea typeface="+mn-ea"/>
+                  <a:cs typeface="+mn-cs"/>
+                </a:defRPr>
+              </a:lvl6pPr>
+              <a:lvl7pPr marL="2743200" indent="0">
+                <a:defRPr sz="1100">
+                  <a:solidFill>
+                    <a:schemeClr val="lt1"/>
+                  </a:solidFill>
+                  <a:latin typeface="+mn-lt"/>
+                  <a:ea typeface="+mn-ea"/>
+                  <a:cs typeface="+mn-cs"/>
+                </a:defRPr>
+              </a:lvl7pPr>
+              <a:lvl8pPr marL="3200400" indent="0">
+                <a:defRPr sz="1100">
+                  <a:solidFill>
+                    <a:schemeClr val="lt1"/>
+                  </a:solidFill>
+                  <a:latin typeface="+mn-lt"/>
+                  <a:ea typeface="+mn-ea"/>
+                  <a:cs typeface="+mn-cs"/>
+                </a:defRPr>
+              </a:lvl8pPr>
+              <a:lvl9pPr marL="3657600" indent="0">
+                <a:defRPr sz="1100">
+                  <a:solidFill>
+                    <a:schemeClr val="lt1"/>
+                  </a:solidFill>
+                  <a:latin typeface="+mn-lt"/>
+                  <a:ea typeface="+mn-ea"/>
+                  <a:cs typeface="+mn-cs"/>
+                </a:defRPr>
+              </a:lvl9pPr>
+            </a:lstStyle>
+            <a:p>
+              <a:pPr algn="ctr"/>
+              <a:r>
+                <a:rPr lang="en-US" altLang="ko-KR" sz="1800">
+                  <a:solidFill>
+                    <a:srgbClr val="FF0000"/>
+                  </a:solidFill>
+                </a:rPr>
+                <a:t>DB</a:t>
+              </a:r>
+            </a:p>
+            <a:p>
+              <a:pPr algn="ctr"/>
+              <a:r>
+                <a:rPr lang="en-US" altLang="ko-KR" sz="1800">
+                  <a:solidFill>
+                    <a:srgbClr val="FF0000"/>
+                  </a:solidFill>
+                </a:rPr>
+                <a:t>Server</a:t>
+              </a:r>
+              <a:endParaRPr lang="ko-KR" altLang="en-US" sz="1800">
+                <a:solidFill>
+                  <a:srgbClr val="FF0000"/>
+                </a:solidFill>
+              </a:endParaRPr>
+            </a:p>
+          </p:txBody>
+        </p:sp>
+        <p:grpSp>
+          <p:nvGrpSpPr>
+            <p:cNvPr id="8" name="그룹 7">
+              <a:extLst>
+                <a:ext uri="{FF2B5EF4-FFF2-40B4-BE49-F238E27FC236}">
+                  <a16:creationId xmlns:a16="http://schemas.microsoft.com/office/drawing/2014/main" id="{70234B7F-C24D-441E-8CAB-39FE00601B93}"/>
+                </a:ext>
+              </a:extLst>
+            </p:cNvPr>
+            <p:cNvGrpSpPr/>
+            <p:nvPr/>
+          </p:nvGrpSpPr>
+          <p:grpSpPr>
+            <a:xfrm>
+              <a:off x="5486400" y="0"/>
+              <a:ext cx="1333500" cy="971550"/>
+              <a:chOff x="5486400" y="0"/>
+              <a:chExt cx="1333500" cy="971550"/>
+            </a:xfrm>
+          </p:grpSpPr>
+          <p:pic>
+            <p:nvPicPr>
+              <p:cNvPr id="12" name="그래픽 9" descr="광 디스크">
+                <a:extLst>
+                  <a:ext uri="{FF2B5EF4-FFF2-40B4-BE49-F238E27FC236}">
+                    <a16:creationId xmlns:a16="http://schemas.microsoft.com/office/drawing/2014/main" id="{C3B492A7-6584-45C6-A0E0-C88E91E0EFBA}"/>
+                  </a:ext>
+                </a:extLst>
+              </p:cNvPr>
+              <p:cNvPicPr>
+                <a:picLocks noChangeAspect="1"/>
+              </p:cNvPicPr>
+              <p:nvPr/>
+            </p:nvPicPr>
+            <p:blipFill>
+              <a:blip r:embed="rId6">
+                <a:extLst>
+                  <a:ext uri="{28A0092B-C50C-407E-A947-70E740481C1C}">
+                    <a14:useLocalDpi xmlns:a14="http://schemas.microsoft.com/office/drawing/2010/main" val="0"/>
+                  </a:ext>
+                  <a:ext uri="{96DAC541-7B7A-43D3-8B79-37D633B846F1}">
+                    <asvg:svgBlip xmlns:asvg="http://schemas.microsoft.com/office/drawing/2016/SVG/main" r:embed="rId7"/>
+                  </a:ext>
+                </a:extLst>
+              </a:blip>
+              <a:stretch>
+                <a:fillRect/>
+              </a:stretch>
+            </p:blipFill>
+            <p:spPr>
+              <a:xfrm>
+                <a:off x="5695950" y="0"/>
+                <a:ext cx="914400" cy="914400"/>
+              </a:xfrm>
+              <a:prstGeom prst="rect">
+                <a:avLst/>
+              </a:prstGeom>
+            </p:spPr>
+          </p:pic>
+          <p:pic>
+            <p:nvPicPr>
+              <p:cNvPr id="13" name="그래픽 10" descr="광 디스크">
+                <a:extLst>
+                  <a:ext uri="{FF2B5EF4-FFF2-40B4-BE49-F238E27FC236}">
+                    <a16:creationId xmlns:a16="http://schemas.microsoft.com/office/drawing/2014/main" id="{65AB6DC4-026B-4948-BEB7-DEADF2FAEA0B}"/>
+                  </a:ext>
+                </a:extLst>
+              </p:cNvPr>
+              <p:cNvPicPr>
+                <a:picLocks noChangeAspect="1"/>
+              </p:cNvPicPr>
+              <p:nvPr/>
+            </p:nvPicPr>
+            <p:blipFill>
+              <a:blip r:embed="rId8">
+                <a:extLst>
+                  <a:ext uri="{28A0092B-C50C-407E-A947-70E740481C1C}">
+                    <a14:useLocalDpi xmlns:a14="http://schemas.microsoft.com/office/drawing/2010/main" val="0"/>
+                  </a:ext>
+                  <a:ext uri="{96DAC541-7B7A-43D3-8B79-37D633B846F1}">
+                    <asvg:svgBlip xmlns:asvg="http://schemas.microsoft.com/office/drawing/2016/SVG/main" r:embed="rId9"/>
+                  </a:ext>
+                </a:extLst>
+              </a:blip>
+              <a:stretch>
+                <a:fillRect/>
+              </a:stretch>
+            </p:blipFill>
+            <p:spPr>
+              <a:xfrm>
+                <a:off x="5486400" y="342900"/>
+                <a:ext cx="533400" cy="533400"/>
+              </a:xfrm>
+              <a:prstGeom prst="rect">
+                <a:avLst/>
+              </a:prstGeom>
+            </p:spPr>
+          </p:pic>
+          <p:pic>
+            <p:nvPicPr>
+              <p:cNvPr id="14" name="그래픽 11" descr="광 디스크">
+                <a:extLst>
+                  <a:ext uri="{FF2B5EF4-FFF2-40B4-BE49-F238E27FC236}">
+                    <a16:creationId xmlns:a16="http://schemas.microsoft.com/office/drawing/2014/main" id="{E660E0B9-A8BC-4676-B98D-4AFBCFEDEF2A}"/>
+                  </a:ext>
+                </a:extLst>
+              </p:cNvPr>
+              <p:cNvPicPr>
+                <a:picLocks noChangeAspect="1"/>
+              </p:cNvPicPr>
+              <p:nvPr/>
+            </p:nvPicPr>
+            <p:blipFill>
+              <a:blip r:embed="rId10">
+                <a:extLst>
+                  <a:ext uri="{28A0092B-C50C-407E-A947-70E740481C1C}">
+                    <a14:useLocalDpi xmlns:a14="http://schemas.microsoft.com/office/drawing/2010/main" val="0"/>
+                  </a:ext>
+                  <a:ext uri="{96DAC541-7B7A-43D3-8B79-37D633B846F1}">
+                    <asvg:svgBlip xmlns:asvg="http://schemas.microsoft.com/office/drawing/2016/SVG/main" r:embed="rId11"/>
+                  </a:ext>
+                </a:extLst>
+              </a:blip>
+              <a:stretch>
+                <a:fillRect/>
+              </a:stretch>
+            </p:blipFill>
+            <p:spPr>
+              <a:xfrm>
+                <a:off x="6038850" y="190500"/>
+                <a:ext cx="781050" cy="781050"/>
+              </a:xfrm>
+              <a:prstGeom prst="rect">
+                <a:avLst/>
+              </a:prstGeom>
+            </p:spPr>
+          </p:pic>
+        </p:grpSp>
+        <p:cxnSp>
+          <p:nvCxnSpPr>
+            <p:cNvPr id="9" name="직선 연결선 8">
+              <a:extLst>
+                <a:ext uri="{FF2B5EF4-FFF2-40B4-BE49-F238E27FC236}">
+                  <a16:creationId xmlns:a16="http://schemas.microsoft.com/office/drawing/2014/main" id="{0D990151-FE30-429D-8952-95EF3993B256}"/>
+                </a:ext>
+              </a:extLst>
+            </p:cNvPr>
+            <p:cNvCxnSpPr/>
+            <p:nvPr/>
+          </p:nvCxnSpPr>
+          <p:spPr>
+            <a:xfrm flipH="1">
+              <a:off x="628650" y="1409700"/>
+              <a:ext cx="9525" cy="3609975"/>
+            </a:xfrm>
+            <a:prstGeom prst="line">
+              <a:avLst/>
+            </a:prstGeom>
+            <a:ln w="57150"/>
+          </p:spPr>
+          <p:style>
+            <a:lnRef idx="1">
+              <a:schemeClr val="dk1"/>
+            </a:lnRef>
+            <a:fillRef idx="0">
+              <a:schemeClr val="dk1"/>
+            </a:fillRef>
+            <a:effectRef idx="0">
+              <a:schemeClr val="dk1"/>
+            </a:effectRef>
+            <a:fontRef idx="minor">
+              <a:schemeClr val="tx1"/>
+            </a:fontRef>
+          </p:style>
+        </p:cxnSp>
+        <p:cxnSp>
+          <p:nvCxnSpPr>
+            <p:cNvPr id="10" name="직선 연결선 9">
+              <a:extLst>
+                <a:ext uri="{FF2B5EF4-FFF2-40B4-BE49-F238E27FC236}">
+                  <a16:creationId xmlns:a16="http://schemas.microsoft.com/office/drawing/2014/main" id="{2EE3E663-DF7F-43B3-9609-23FCDC3D6C7D}"/>
+                </a:ext>
+              </a:extLst>
+            </p:cNvPr>
+            <p:cNvCxnSpPr/>
+            <p:nvPr/>
+          </p:nvCxnSpPr>
+          <p:spPr>
+            <a:xfrm flipH="1">
+              <a:off x="3362325" y="1400175"/>
+              <a:ext cx="9525" cy="3609975"/>
+            </a:xfrm>
+            <a:prstGeom prst="line">
+              <a:avLst/>
+            </a:prstGeom>
+            <a:ln w="57150"/>
+          </p:spPr>
+          <p:style>
+            <a:lnRef idx="1">
+              <a:schemeClr val="dk1"/>
+            </a:lnRef>
+            <a:fillRef idx="0">
+              <a:schemeClr val="dk1"/>
+            </a:fillRef>
+            <a:effectRef idx="0">
+              <a:schemeClr val="dk1"/>
+            </a:effectRef>
+            <a:fontRef idx="minor">
+              <a:schemeClr val="tx1"/>
+            </a:fontRef>
+          </p:style>
+        </p:cxnSp>
+        <p:cxnSp>
+          <p:nvCxnSpPr>
+            <p:cNvPr id="11" name="직선 연결선 10">
+              <a:extLst>
+                <a:ext uri="{FF2B5EF4-FFF2-40B4-BE49-F238E27FC236}">
+                  <a16:creationId xmlns:a16="http://schemas.microsoft.com/office/drawing/2014/main" id="{D817D94E-0665-4872-9CF6-66DEE9885701}"/>
+                </a:ext>
+              </a:extLst>
+            </p:cNvPr>
+            <p:cNvCxnSpPr/>
+            <p:nvPr/>
+          </p:nvCxnSpPr>
+          <p:spPr>
+            <a:xfrm flipH="1">
+              <a:off x="6086475" y="1409700"/>
+              <a:ext cx="9525" cy="3609975"/>
+            </a:xfrm>
+            <a:prstGeom prst="line">
+              <a:avLst/>
+            </a:prstGeom>
+            <a:ln w="57150"/>
+          </p:spPr>
+          <p:style>
+            <a:lnRef idx="1">
+              <a:schemeClr val="dk1"/>
+            </a:lnRef>
+            <a:fillRef idx="0">
+              <a:schemeClr val="dk1"/>
+            </a:fillRef>
+            <a:effectRef idx="0">
+              <a:schemeClr val="dk1"/>
+            </a:effectRef>
+            <a:fontRef idx="minor">
+              <a:schemeClr val="tx1"/>
+            </a:fontRef>
+          </p:style>
+        </p:cxnSp>
+      </p:grpSp>
+      <p:cxnSp>
+        <p:nvCxnSpPr>
+          <p:cNvPr id="19" name="직선 화살표 연결선 18">
+            <a:extLst>
+              <a:ext uri="{FF2B5EF4-FFF2-40B4-BE49-F238E27FC236}">
+                <a16:creationId xmlns:a16="http://schemas.microsoft.com/office/drawing/2014/main" id="{172AB9AE-8AE6-49E1-A747-8FBABF50A77C}"/>
+              </a:ext>
+            </a:extLst>
+          </p:cNvPr>
+          <p:cNvCxnSpPr/>
+          <p:nvPr/>
+        </p:nvCxnSpPr>
+        <p:spPr>
+          <a:xfrm flipH="1" flipV="1">
+            <a:off x="6132350" y="5574771"/>
+            <a:ext cx="2705100" cy="9525"/>
+          </a:xfrm>
+          <a:prstGeom prst="straightConnector1">
+            <a:avLst/>
+          </a:prstGeom>
+          <a:ln w="57150">
+            <a:tailEnd type="triangle"/>
+          </a:ln>
+        </p:spPr>
+        <p:style>
+          <a:lnRef idx="1">
+            <a:schemeClr val="accent1"/>
+          </a:lnRef>
+          <a:fillRef idx="0">
+            <a:schemeClr val="accent1"/>
+          </a:fillRef>
+          <a:effectRef idx="0">
+            <a:schemeClr val="accent1"/>
+          </a:effectRef>
+          <a:fontRef idx="minor">
+            <a:schemeClr val="tx1"/>
+          </a:fontRef>
+        </p:style>
+      </p:cxnSp>
+      <p:cxnSp>
+        <p:nvCxnSpPr>
+          <p:cNvPr id="20" name="직선 화살표 연결선 19">
+            <a:extLst>
+              <a:ext uri="{FF2B5EF4-FFF2-40B4-BE49-F238E27FC236}">
+                <a16:creationId xmlns:a16="http://schemas.microsoft.com/office/drawing/2014/main" id="{4D175E8A-B71E-4547-943B-536D48C3FB55}"/>
+              </a:ext>
+            </a:extLst>
+          </p:cNvPr>
+          <p:cNvCxnSpPr/>
+          <p:nvPr/>
+        </p:nvCxnSpPr>
+        <p:spPr>
+          <a:xfrm>
+            <a:off x="6122825" y="3653896"/>
+            <a:ext cx="2743200" cy="0"/>
+          </a:xfrm>
+          <a:prstGeom prst="straightConnector1">
+            <a:avLst/>
+          </a:prstGeom>
+          <a:ln w="57150">
+            <a:tailEnd type="triangle"/>
+          </a:ln>
+        </p:spPr>
+        <p:style>
+          <a:lnRef idx="1">
+            <a:schemeClr val="accent1"/>
+          </a:lnRef>
+          <a:fillRef idx="0">
+            <a:schemeClr val="accent1"/>
+          </a:fillRef>
+          <a:effectRef idx="0">
+            <a:schemeClr val="accent1"/>
+          </a:effectRef>
+          <a:fontRef idx="minor">
+            <a:schemeClr val="tx1"/>
+          </a:fontRef>
+        </p:style>
+      </p:cxnSp>
+      <p:sp>
+        <p:nvSpPr>
+          <p:cNvPr id="3" name="직사각형 2">
+            <a:extLst>
+              <a:ext uri="{FF2B5EF4-FFF2-40B4-BE49-F238E27FC236}">
+                <a16:creationId xmlns:a16="http://schemas.microsoft.com/office/drawing/2014/main" id="{954938F4-5901-40AD-8017-59C98231C5B4}"/>
+              </a:ext>
+            </a:extLst>
+          </p:cNvPr>
+          <p:cNvSpPr/>
+          <p:nvPr/>
+        </p:nvSpPr>
+        <p:spPr>
+          <a:xfrm>
+            <a:off x="6293027" y="3746068"/>
+            <a:ext cx="2230098" cy="261610"/>
+          </a:xfrm>
+          <a:prstGeom prst="rect">
+            <a:avLst/>
+          </a:prstGeom>
+        </p:spPr>
+        <p:txBody>
+          <a:bodyPr wrap="none">
+            <a:spAutoFit/>
+          </a:bodyPr>
+          <a:lstStyle/>
+          <a:p>
+            <a:r>
+              <a:rPr lang="en-US" altLang="ko-KR" sz="1100" dirty="0">
+                <a:solidFill>
+                  <a:srgbClr val="000000"/>
+                </a:solidFill>
+                <a:latin typeface="돋움체" panose="020B0609000101010101" pitchFamily="49" charset="-127"/>
+                <a:ea typeface="돋움체" panose="020B0609000101010101" pitchFamily="49" charset="-127"/>
+              </a:rPr>
+              <a:t>RE_REQ_REMOVE_GAMESERVER_DATA</a:t>
+            </a:r>
+            <a:endParaRPr lang="ko-KR" altLang="en-US" sz="1100" dirty="0"/>
+          </a:p>
+        </p:txBody>
+      </p:sp>
+      <p:sp>
+        <p:nvSpPr>
+          <p:cNvPr id="21" name="직사각형 20">
+            <a:extLst>
+              <a:ext uri="{FF2B5EF4-FFF2-40B4-BE49-F238E27FC236}">
+                <a16:creationId xmlns:a16="http://schemas.microsoft.com/office/drawing/2014/main" id="{FCFFC6F6-6BEB-4E0F-AA81-26A5EA419441}"/>
+              </a:ext>
+            </a:extLst>
+          </p:cNvPr>
+          <p:cNvSpPr/>
+          <p:nvPr/>
+        </p:nvSpPr>
+        <p:spPr>
+          <a:xfrm>
+            <a:off x="6293027" y="5652896"/>
+            <a:ext cx="2230098" cy="261610"/>
+          </a:xfrm>
+          <a:prstGeom prst="rect">
+            <a:avLst/>
+          </a:prstGeom>
+        </p:spPr>
+        <p:txBody>
+          <a:bodyPr wrap="none">
+            <a:spAutoFit/>
+          </a:bodyPr>
+          <a:lstStyle/>
+          <a:p>
+            <a:r>
+              <a:rPr lang="en-US" altLang="ko-KR" sz="1100" dirty="0">
+                <a:solidFill>
+                  <a:srgbClr val="000000"/>
+                </a:solidFill>
+                <a:latin typeface="돋움체" panose="020B0609000101010101" pitchFamily="49" charset="-127"/>
+                <a:ea typeface="돋움체" panose="020B0609000101010101" pitchFamily="49" charset="-127"/>
+              </a:rPr>
+              <a:t>RE_RES_REMOVE_GAMESERVER_DATA</a:t>
+            </a:r>
+            <a:endParaRPr lang="ko-KR" altLang="en-US" sz="1100" dirty="0"/>
+          </a:p>
+        </p:txBody>
+      </p:sp>
+    </p:spTree>
+    <p:extLst>
+      <p:ext uri="{BB962C8B-B14F-4D97-AF65-F5344CB8AC3E}">
+        <p14:creationId xmlns:p14="http://schemas.microsoft.com/office/powerpoint/2010/main" val="4086361017"/>
+      </p:ext>
+    </p:extLst>
+  </p:cSld>
+  <p:clrMapOvr>
+    <a:masterClrMapping/>
+  </p:clrMapOvr>
+</p:sld>
+</file>
+
+<file path=ppt/slides/slide12.xml><?xml version="1.0" encoding="utf-8"?>
+<p:sld xmlns:a="http://schemas.openxmlformats.org/drawingml/2006/main" xmlns:r="http://schemas.openxmlformats.org/officeDocument/2006/relationships" xmlns:p="http://schemas.openxmlformats.org/presentationml/2006/main">
+  <p:cSld>
+    <p:spTree>
+      <p:nvGrpSpPr>
+        <p:cNvPr id="1" name=""/>
+        <p:cNvGrpSpPr/>
+        <p:nvPr/>
+      </p:nvGrpSpPr>
+      <p:grpSpPr>
+        <a:xfrm>
+          <a:off x="0" y="0"/>
+          <a:ext cx="0" cy="0"/>
+          <a:chOff x="0" y="0"/>
+          <a:chExt cx="0" cy="0"/>
+        </a:xfrm>
+      </p:grpSpPr>
+      <p:sp>
+        <p:nvSpPr>
+          <p:cNvPr id="2" name="제목 1">
+            <a:extLst>
+              <a:ext uri="{FF2B5EF4-FFF2-40B4-BE49-F238E27FC236}">
                 <a16:creationId xmlns:a16="http://schemas.microsoft.com/office/drawing/2014/main" id="{30FEC8F1-9E03-4DBB-B89F-12367D8F054C}"/>
               </a:ext>
             </a:extLst>
@@ -4948,7 +6054,7 @@
 </p:sld>
 </file>
 
-<file path=ppt/slides/slide12.xml><?xml version="1.0" encoding="utf-8"?>
+<file path=ppt/slides/slide13.xml><?xml version="1.0" encoding="utf-8"?>
 <p:sld xmlns:a="http://schemas.openxmlformats.org/drawingml/2006/main" xmlns:r="http://schemas.openxmlformats.org/officeDocument/2006/relationships" xmlns:p="http://schemas.openxmlformats.org/presentationml/2006/main">
   <p:cSld>
     <p:spTree>
@@ -6208,7 +7314,7 @@
 </p:sld>
 </file>
 
-<file path=ppt/slides/slide13.xml><?xml version="1.0" encoding="utf-8"?>
+<file path=ppt/slides/slide14.xml><?xml version="1.0" encoding="utf-8"?>
 <p:sld xmlns:a="http://schemas.openxmlformats.org/drawingml/2006/main" xmlns:r="http://schemas.openxmlformats.org/officeDocument/2006/relationships" xmlns:p="http://schemas.openxmlformats.org/presentationml/2006/main">
   <p:cSld>
     <p:spTree>
@@ -7220,7 +8326,7 @@
 </p:sld>
 </file>
 
-<file path=ppt/slides/slide14.xml><?xml version="1.0" encoding="utf-8"?>
+<file path=ppt/slides/slide15.xml><?xml version="1.0" encoding="utf-8"?>
 <p:sld xmlns:a="http://schemas.openxmlformats.org/drawingml/2006/main" xmlns:r="http://schemas.openxmlformats.org/officeDocument/2006/relationships" xmlns:p="http://schemas.openxmlformats.org/presentationml/2006/main">
   <p:cSld>
     <p:spTree>
@@ -11421,7 +12527,7 @@
           <p:spPr>
             <a:xfrm>
               <a:off x="3400425" y="2324100"/>
-              <a:ext cx="2691827" cy="264560"/>
+              <a:ext cx="1784463" cy="261610"/>
             </a:xfrm>
             <a:prstGeom prst="rect">
               <a:avLst/>
@@ -11540,7 +12646,7 @@
             </a:lstStyle>
             <a:p>
               <a:r>
-                <a:rPr lang="en-US" altLang="ko-KR" sz="1100">
+                <a:rPr lang="en-US" altLang="ko-KR" sz="1100" dirty="0">
                   <a:solidFill>
                     <a:schemeClr val="tx1"/>
                   </a:solidFill>
@@ -11548,9 +12654,13 @@
                   <a:ea typeface="+mn-ea"/>
                   <a:cs typeface="+mn-cs"/>
                 </a:rPr>
-                <a:t>DB_REQ_GET_USER_ACCOUNT_AND_DATA</a:t>
+                <a:t>DB_REQ_GET_USER_</a:t>
               </a:r>
-              <a:endParaRPr lang="ko-KR" altLang="en-US" sz="1100"/>
+              <a:r>
+                <a:rPr lang="en-US" altLang="ko-KR" dirty="0"/>
+                <a:t>INFO</a:t>
+              </a:r>
+              <a:endParaRPr lang="ko-KR" altLang="en-US" sz="1100" dirty="0"/>
             </a:p>
           </p:txBody>
         </p:sp>
@@ -11569,7 +12679,7 @@
           <p:spPr>
             <a:xfrm>
               <a:off x="3343275" y="3557105"/>
-              <a:ext cx="2661754" cy="264560"/>
+              <a:ext cx="1752403" cy="261610"/>
             </a:xfrm>
             <a:prstGeom prst="rect">
               <a:avLst/>
@@ -11688,7 +12798,7 @@
             </a:lstStyle>
             <a:p>
               <a:r>
-                <a:rPr lang="en-US" altLang="ko-KR" sz="1100">
+                <a:rPr lang="en-US" altLang="ko-KR" sz="1100" dirty="0">
                   <a:solidFill>
                     <a:schemeClr val="tx1"/>
                   </a:solidFill>
@@ -11696,21 +12806,9 @@
                   <a:ea typeface="+mn-ea"/>
                   <a:cs typeface="+mn-cs"/>
                 </a:rPr>
-                <a:t>DB_RES_GET_USER_</a:t>
+                <a:t>DB_RES_GET_USER_INFO</a:t>
               </a:r>
-              <a:r>
-                <a:rPr lang="en-US" altLang="ko-KR" sz="1100">
-                  <a:solidFill>
-                    <a:schemeClr val="tx1"/>
-                  </a:solidFill>
-                  <a:effectLst/>
-                  <a:latin typeface="+mn-lt"/>
-                  <a:ea typeface="+mn-ea"/>
-                  <a:cs typeface="+mn-cs"/>
-                </a:rPr>
-                <a:t>ACCOUNT_AND_DATA</a:t>
-              </a:r>
-              <a:endParaRPr lang="ko-KR" altLang="en-US" sz="1100"/>
+              <a:endParaRPr lang="ko-KR" altLang="en-US" sz="1100" dirty="0"/>
             </a:p>
           </p:txBody>
         </p:sp>
@@ -14050,7 +15148,7 @@
           <a:p>
             <a:r>
               <a:rPr lang="en-US" altLang="ko-KR" dirty="0"/>
-              <a:t>RE_REQ_GET_USER_AUTHKEY</a:t>
+              <a:t>RE_REQ_GET_USER_AUTH</a:t>
             </a:r>
             <a:endParaRPr lang="ko-KR" altLang="en-US" sz="1100" dirty="0"/>
           </a:p>
@@ -14071,7 +15169,7 @@
         <p:spPr>
           <a:xfrm>
             <a:off x="6404211" y="3537020"/>
-            <a:ext cx="2012089" cy="261610"/>
+            <a:ext cx="1774845" cy="261610"/>
           </a:xfrm>
           <a:prstGeom prst="rect">
             <a:avLst/>
@@ -14191,7 +15289,7 @@
           <a:p>
             <a:r>
               <a:rPr lang="en-US" altLang="ko-KR" dirty="0"/>
-              <a:t>RE_RES_GET_USER_AUTHKEY</a:t>
+              <a:t>RE_RES_GET_USER_AUTH</a:t>
             </a:r>
             <a:endParaRPr lang="ko-KR" altLang="en-US" sz="1100" dirty="0"/>
           </a:p>
@@ -14552,366 +15650,6 @@
             <a:r>
               <a:rPr lang="en-US" altLang="ko-KR" dirty="0"/>
               <a:t>RE_REQ_SET_GAMSERVER_USER_NUMBER</a:t>
-            </a:r>
-            <a:endParaRPr lang="ko-KR" altLang="en-US" sz="1100" dirty="0"/>
-          </a:p>
-        </p:txBody>
-      </p:sp>
-      <p:cxnSp>
-        <p:nvCxnSpPr>
-          <p:cNvPr id="36" name="직선 화살표 연결선 35">
-            <a:extLst>
-              <a:ext uri="{FF2B5EF4-FFF2-40B4-BE49-F238E27FC236}">
-                <a16:creationId xmlns:a16="http://schemas.microsoft.com/office/drawing/2014/main" id="{67CA8524-6B11-4F64-9C9E-3DEFA933791D}"/>
-              </a:ext>
-            </a:extLst>
-          </p:cNvPr>
-          <p:cNvCxnSpPr/>
-          <p:nvPr/>
-        </p:nvCxnSpPr>
-        <p:spPr>
-          <a:xfrm>
-            <a:off x="6085967" y="4266128"/>
-            <a:ext cx="2743200" cy="0"/>
-          </a:xfrm>
-          <a:prstGeom prst="straightConnector1">
-            <a:avLst/>
-          </a:prstGeom>
-          <a:ln w="57150">
-            <a:tailEnd type="triangle"/>
-          </a:ln>
-        </p:spPr>
-        <p:style>
-          <a:lnRef idx="1">
-            <a:schemeClr val="accent1"/>
-          </a:lnRef>
-          <a:fillRef idx="0">
-            <a:schemeClr val="accent1"/>
-          </a:fillRef>
-          <a:effectRef idx="0">
-            <a:schemeClr val="accent1"/>
-          </a:effectRef>
-          <a:fontRef idx="minor">
-            <a:schemeClr val="tx1"/>
-          </a:fontRef>
-        </p:style>
-      </p:cxnSp>
-      <p:cxnSp>
-        <p:nvCxnSpPr>
-          <p:cNvPr id="37" name="직선 화살표 연결선 36">
-            <a:extLst>
-              <a:ext uri="{FF2B5EF4-FFF2-40B4-BE49-F238E27FC236}">
-                <a16:creationId xmlns:a16="http://schemas.microsoft.com/office/drawing/2014/main" id="{CD82DE30-9DB5-4CF2-8AE0-3B3EA7150115}"/>
-              </a:ext>
-            </a:extLst>
-          </p:cNvPr>
-          <p:cNvCxnSpPr/>
-          <p:nvPr/>
-        </p:nvCxnSpPr>
-        <p:spPr>
-          <a:xfrm flipH="1" flipV="1">
-            <a:off x="6076561" y="4664924"/>
-            <a:ext cx="2705100" cy="9525"/>
-          </a:xfrm>
-          <a:prstGeom prst="straightConnector1">
-            <a:avLst/>
-          </a:prstGeom>
-          <a:ln w="57150">
-            <a:tailEnd type="triangle"/>
-          </a:ln>
-        </p:spPr>
-        <p:style>
-          <a:lnRef idx="1">
-            <a:schemeClr val="accent1"/>
-          </a:lnRef>
-          <a:fillRef idx="0">
-            <a:schemeClr val="accent1"/>
-          </a:fillRef>
-          <a:effectRef idx="0">
-            <a:schemeClr val="accent1"/>
-          </a:effectRef>
-          <a:fontRef idx="minor">
-            <a:schemeClr val="tx1"/>
-          </a:fontRef>
-        </p:style>
-      </p:cxnSp>
-      <p:sp>
-        <p:nvSpPr>
-          <p:cNvPr id="38" name="TextBox 18">
-            <a:extLst>
-              <a:ext uri="{FF2B5EF4-FFF2-40B4-BE49-F238E27FC236}">
-                <a16:creationId xmlns:a16="http://schemas.microsoft.com/office/drawing/2014/main" id="{1ED80E47-CA0C-4638-BB75-38CA90FE2AA4}"/>
-              </a:ext>
-            </a:extLst>
-          </p:cNvPr>
-          <p:cNvSpPr txBox="1"/>
-          <p:nvPr/>
-        </p:nvSpPr>
-        <p:spPr>
-          <a:xfrm>
-            <a:off x="6138774" y="4001186"/>
-            <a:ext cx="2571538" cy="261610"/>
-          </a:xfrm>
-          <a:prstGeom prst="rect">
-            <a:avLst/>
-          </a:prstGeom>
-          <a:noFill/>
-        </p:spPr>
-        <p:style>
-          <a:lnRef idx="0">
-            <a:scrgbClr r="0" g="0" b="0"/>
-          </a:lnRef>
-          <a:fillRef idx="0">
-            <a:scrgbClr r="0" g="0" b="0"/>
-          </a:fillRef>
-          <a:effectRef idx="0">
-            <a:scrgbClr r="0" g="0" b="0"/>
-          </a:effectRef>
-          <a:fontRef idx="minor">
-            <a:schemeClr val="tx1"/>
-          </a:fontRef>
-        </p:style>
-        <p:txBody>
-          <a:bodyPr wrap="none" rtlCol="0" anchor="t">
-            <a:spAutoFit/>
-          </a:bodyPr>
-          <a:lstStyle>
-            <a:lvl1pPr marL="0" indent="0">
-              <a:defRPr sz="1100">
-                <a:solidFill>
-                  <a:schemeClr val="tx1"/>
-                </a:solidFill>
-                <a:latin typeface="+mn-lt"/>
-                <a:ea typeface="+mn-ea"/>
-                <a:cs typeface="+mn-cs"/>
-              </a:defRPr>
-            </a:lvl1pPr>
-            <a:lvl2pPr marL="457200" indent="0">
-              <a:defRPr sz="1100">
-                <a:solidFill>
-                  <a:schemeClr val="tx1"/>
-                </a:solidFill>
-                <a:latin typeface="+mn-lt"/>
-                <a:ea typeface="+mn-ea"/>
-                <a:cs typeface="+mn-cs"/>
-              </a:defRPr>
-            </a:lvl2pPr>
-            <a:lvl3pPr marL="914400" indent="0">
-              <a:defRPr sz="1100">
-                <a:solidFill>
-                  <a:schemeClr val="tx1"/>
-                </a:solidFill>
-                <a:latin typeface="+mn-lt"/>
-                <a:ea typeface="+mn-ea"/>
-                <a:cs typeface="+mn-cs"/>
-              </a:defRPr>
-            </a:lvl3pPr>
-            <a:lvl4pPr marL="1371600" indent="0">
-              <a:defRPr sz="1100">
-                <a:solidFill>
-                  <a:schemeClr val="tx1"/>
-                </a:solidFill>
-                <a:latin typeface="+mn-lt"/>
-                <a:ea typeface="+mn-ea"/>
-                <a:cs typeface="+mn-cs"/>
-              </a:defRPr>
-            </a:lvl4pPr>
-            <a:lvl5pPr marL="1828800" indent="0">
-              <a:defRPr sz="1100">
-                <a:solidFill>
-                  <a:schemeClr val="tx1"/>
-                </a:solidFill>
-                <a:latin typeface="+mn-lt"/>
-                <a:ea typeface="+mn-ea"/>
-                <a:cs typeface="+mn-cs"/>
-              </a:defRPr>
-            </a:lvl5pPr>
-            <a:lvl6pPr marL="2286000" indent="0">
-              <a:defRPr sz="1100">
-                <a:solidFill>
-                  <a:schemeClr val="tx1"/>
-                </a:solidFill>
-                <a:latin typeface="+mn-lt"/>
-                <a:ea typeface="+mn-ea"/>
-                <a:cs typeface="+mn-cs"/>
-              </a:defRPr>
-            </a:lvl6pPr>
-            <a:lvl7pPr marL="2743200" indent="0">
-              <a:defRPr sz="1100">
-                <a:solidFill>
-                  <a:schemeClr val="tx1"/>
-                </a:solidFill>
-                <a:latin typeface="+mn-lt"/>
-                <a:ea typeface="+mn-ea"/>
-                <a:cs typeface="+mn-cs"/>
-              </a:defRPr>
-            </a:lvl7pPr>
-            <a:lvl8pPr marL="3200400" indent="0">
-              <a:defRPr sz="1100">
-                <a:solidFill>
-                  <a:schemeClr val="tx1"/>
-                </a:solidFill>
-                <a:latin typeface="+mn-lt"/>
-                <a:ea typeface="+mn-ea"/>
-                <a:cs typeface="+mn-cs"/>
-              </a:defRPr>
-            </a:lvl8pPr>
-            <a:lvl9pPr marL="3657600" indent="0">
-              <a:defRPr sz="1100">
-                <a:solidFill>
-                  <a:schemeClr val="tx1"/>
-                </a:solidFill>
-                <a:latin typeface="+mn-lt"/>
-                <a:ea typeface="+mn-ea"/>
-                <a:cs typeface="+mn-cs"/>
-              </a:defRPr>
-            </a:lvl9pPr>
-          </a:lstStyle>
-          <a:p>
-            <a:r>
-              <a:rPr lang="en-US" altLang="ko-KR" dirty="0"/>
-              <a:t>RE_REQ_GET_USER_GAMSERVERINFO</a:t>
-            </a:r>
-            <a:endParaRPr lang="ko-KR" altLang="en-US" sz="1100" dirty="0"/>
-          </a:p>
-        </p:txBody>
-      </p:sp>
-      <p:sp>
-        <p:nvSpPr>
-          <p:cNvPr id="39" name="TextBox 18">
-            <a:extLst>
-              <a:ext uri="{FF2B5EF4-FFF2-40B4-BE49-F238E27FC236}">
-                <a16:creationId xmlns:a16="http://schemas.microsoft.com/office/drawing/2014/main" id="{1EFC94DD-B3D0-49D3-9137-D1FB42AA64A2}"/>
-              </a:ext>
-            </a:extLst>
-          </p:cNvPr>
-          <p:cNvSpPr txBox="1"/>
-          <p:nvPr/>
-        </p:nvSpPr>
-        <p:spPr>
-          <a:xfrm>
-            <a:off x="6191657" y="4406646"/>
-            <a:ext cx="2539478" cy="261610"/>
-          </a:xfrm>
-          <a:prstGeom prst="rect">
-            <a:avLst/>
-          </a:prstGeom>
-          <a:noFill/>
-        </p:spPr>
-        <p:style>
-          <a:lnRef idx="0">
-            <a:scrgbClr r="0" g="0" b="0"/>
-          </a:lnRef>
-          <a:fillRef idx="0">
-            <a:scrgbClr r="0" g="0" b="0"/>
-          </a:fillRef>
-          <a:effectRef idx="0">
-            <a:scrgbClr r="0" g="0" b="0"/>
-          </a:effectRef>
-          <a:fontRef idx="minor">
-            <a:schemeClr val="tx1"/>
-          </a:fontRef>
-        </p:style>
-        <p:txBody>
-          <a:bodyPr wrap="none" rtlCol="0" anchor="t">
-            <a:spAutoFit/>
-          </a:bodyPr>
-          <a:lstStyle>
-            <a:lvl1pPr marL="0" indent="0">
-              <a:defRPr sz="1100">
-                <a:solidFill>
-                  <a:schemeClr val="tx1"/>
-                </a:solidFill>
-                <a:latin typeface="+mn-lt"/>
-                <a:ea typeface="+mn-ea"/>
-                <a:cs typeface="+mn-cs"/>
-              </a:defRPr>
-            </a:lvl1pPr>
-            <a:lvl2pPr marL="457200" indent="0">
-              <a:defRPr sz="1100">
-                <a:solidFill>
-                  <a:schemeClr val="tx1"/>
-                </a:solidFill>
-                <a:latin typeface="+mn-lt"/>
-                <a:ea typeface="+mn-ea"/>
-                <a:cs typeface="+mn-cs"/>
-              </a:defRPr>
-            </a:lvl2pPr>
-            <a:lvl3pPr marL="914400" indent="0">
-              <a:defRPr sz="1100">
-                <a:solidFill>
-                  <a:schemeClr val="tx1"/>
-                </a:solidFill>
-                <a:latin typeface="+mn-lt"/>
-                <a:ea typeface="+mn-ea"/>
-                <a:cs typeface="+mn-cs"/>
-              </a:defRPr>
-            </a:lvl3pPr>
-            <a:lvl4pPr marL="1371600" indent="0">
-              <a:defRPr sz="1100">
-                <a:solidFill>
-                  <a:schemeClr val="tx1"/>
-                </a:solidFill>
-                <a:latin typeface="+mn-lt"/>
-                <a:ea typeface="+mn-ea"/>
-                <a:cs typeface="+mn-cs"/>
-              </a:defRPr>
-            </a:lvl4pPr>
-            <a:lvl5pPr marL="1828800" indent="0">
-              <a:defRPr sz="1100">
-                <a:solidFill>
-                  <a:schemeClr val="tx1"/>
-                </a:solidFill>
-                <a:latin typeface="+mn-lt"/>
-                <a:ea typeface="+mn-ea"/>
-                <a:cs typeface="+mn-cs"/>
-              </a:defRPr>
-            </a:lvl5pPr>
-            <a:lvl6pPr marL="2286000" indent="0">
-              <a:defRPr sz="1100">
-                <a:solidFill>
-                  <a:schemeClr val="tx1"/>
-                </a:solidFill>
-                <a:latin typeface="+mn-lt"/>
-                <a:ea typeface="+mn-ea"/>
-                <a:cs typeface="+mn-cs"/>
-              </a:defRPr>
-            </a:lvl6pPr>
-            <a:lvl7pPr marL="2743200" indent="0">
-              <a:defRPr sz="1100">
-                <a:solidFill>
-                  <a:schemeClr val="tx1"/>
-                </a:solidFill>
-                <a:latin typeface="+mn-lt"/>
-                <a:ea typeface="+mn-ea"/>
-                <a:cs typeface="+mn-cs"/>
-              </a:defRPr>
-            </a:lvl7pPr>
-            <a:lvl8pPr marL="3200400" indent="0">
-              <a:defRPr sz="1100">
-                <a:solidFill>
-                  <a:schemeClr val="tx1"/>
-                </a:solidFill>
-                <a:latin typeface="+mn-lt"/>
-                <a:ea typeface="+mn-ea"/>
-                <a:cs typeface="+mn-cs"/>
-              </a:defRPr>
-            </a:lvl8pPr>
-            <a:lvl9pPr marL="3657600" indent="0">
-              <a:defRPr sz="1100">
-                <a:solidFill>
-                  <a:schemeClr val="tx1"/>
-                </a:solidFill>
-                <a:latin typeface="+mn-lt"/>
-                <a:ea typeface="+mn-ea"/>
-                <a:cs typeface="+mn-cs"/>
-              </a:defRPr>
-            </a:lvl9pPr>
-          </a:lstStyle>
-          <a:p>
-            <a:r>
-              <a:rPr lang="en-US" altLang="ko-KR" dirty="0"/>
-              <a:t>RE_RES_GET_USER_GAMSERVERINFO</a:t>
             </a:r>
             <a:endParaRPr lang="ko-KR" altLang="en-US" sz="1100" dirty="0"/>
           </a:p>

--- a/시퀀스 다이어 그램.pptx
+++ b/시퀀스 다이어 그램.pptx
@@ -6041,6 +6041,60 @@
           </a:p>
         </p:txBody>
       </p:sp>
+      <p:sp>
+        <p:nvSpPr>
+          <p:cNvPr id="3" name="TextBox 2">
+            <a:extLst>
+              <a:ext uri="{FF2B5EF4-FFF2-40B4-BE49-F238E27FC236}">
+                <a16:creationId xmlns:a16="http://schemas.microsoft.com/office/drawing/2014/main" id="{6B5D9E38-F1B7-48DD-ADDE-E95AA48B5974}"/>
+              </a:ext>
+            </a:extLst>
+          </p:cNvPr>
+          <p:cNvSpPr txBox="1"/>
+          <p:nvPr/>
+        </p:nvSpPr>
+        <p:spPr>
+          <a:xfrm>
+            <a:off x="7924800" y="1219200"/>
+            <a:ext cx="3974165" cy="923330"/>
+          </a:xfrm>
+          <a:prstGeom prst="rect">
+            <a:avLst/>
+          </a:prstGeom>
+          <a:noFill/>
+        </p:spPr>
+        <p:txBody>
+          <a:bodyPr wrap="none" rtlCol="0">
+            <a:spAutoFit/>
+          </a:bodyPr>
+          <a:lstStyle/>
+          <a:p>
+            <a:r>
+              <a:rPr lang="ko-KR" altLang="en-US" dirty="0"/>
+              <a:t>로그아웃은 게임서버에게 요청하고</a:t>
+            </a:r>
+            <a:endParaRPr lang="en-US" altLang="ko-KR" dirty="0"/>
+          </a:p>
+          <a:p>
+            <a:r>
+              <a:rPr lang="ko-KR" altLang="en-US" dirty="0"/>
+              <a:t>데이터를 정리하는 것도 게임 서버가</a:t>
+            </a:r>
+            <a:endParaRPr lang="en-US" altLang="ko-KR" dirty="0"/>
+          </a:p>
+          <a:p>
+            <a:r>
+              <a:rPr lang="ko-KR" altLang="en-US" dirty="0"/>
+              <a:t>한다</a:t>
+            </a:r>
+            <a:r>
+              <a:rPr lang="en-US" altLang="ko-KR" dirty="0"/>
+              <a:t>.</a:t>
+            </a:r>
+            <a:endParaRPr lang="ko-KR" altLang="en-US" dirty="0"/>
+          </a:p>
+        </p:txBody>
+      </p:sp>
     </p:spTree>
     <p:extLst>
       <p:ext uri="{BB962C8B-B14F-4D97-AF65-F5344CB8AC3E}">

--- a/시퀀스 다이어 그램.pptx
+++ b/시퀀스 다이어 그램.pptx
@@ -5978,6 +5978,42 @@
           </a:p>
         </p:txBody>
       </p:sp>
+      <p:sp>
+        <p:nvSpPr>
+          <p:cNvPr id="22" name="TextBox 21">
+            <a:extLst>
+              <a:ext uri="{FF2B5EF4-FFF2-40B4-BE49-F238E27FC236}">
+                <a16:creationId xmlns:a16="http://schemas.microsoft.com/office/drawing/2014/main" id="{4CAAB9BA-7166-4F7A-88EC-92422C6F202C}"/>
+              </a:ext>
+            </a:extLst>
+          </p:cNvPr>
+          <p:cNvSpPr txBox="1"/>
+          <p:nvPr/>
+        </p:nvSpPr>
+        <p:spPr>
+          <a:xfrm>
+            <a:off x="9589925" y="4521200"/>
+            <a:ext cx="854401" cy="369332"/>
+          </a:xfrm>
+          <a:prstGeom prst="rect">
+            <a:avLst/>
+          </a:prstGeom>
+          <a:noFill/>
+        </p:spPr>
+        <p:txBody>
+          <a:bodyPr wrap="none" rtlCol="0">
+            <a:spAutoFit/>
+          </a:bodyPr>
+          <a:lstStyle/>
+          <a:p>
+            <a:r>
+              <a:rPr lang="en-US" altLang="ko-KR" dirty="0"/>
+              <a:t>Delete</a:t>
+            </a:r>
+            <a:endParaRPr lang="ko-KR" altLang="en-US" dirty="0"/>
+          </a:p>
+        </p:txBody>
+      </p:sp>
     </p:spTree>
     <p:extLst>
       <p:ext uri="{BB962C8B-B14F-4D97-AF65-F5344CB8AC3E}">
@@ -11310,6 +11346,52 @@
           </a:p>
         </p:txBody>
       </p:sp>
+      <p:sp>
+        <p:nvSpPr>
+          <p:cNvPr id="30" name="TextBox 29">
+            <a:extLst>
+              <a:ext uri="{FF2B5EF4-FFF2-40B4-BE49-F238E27FC236}">
+                <a16:creationId xmlns:a16="http://schemas.microsoft.com/office/drawing/2014/main" id="{6E26BA01-35D1-4929-AC47-73149D30528E}"/>
+              </a:ext>
+            </a:extLst>
+          </p:cNvPr>
+          <p:cNvSpPr txBox="1"/>
+          <p:nvPr/>
+        </p:nvSpPr>
+        <p:spPr>
+          <a:xfrm>
+            <a:off x="10151008" y="2642518"/>
+            <a:ext cx="1710725" cy="923330"/>
+          </a:xfrm>
+          <a:prstGeom prst="rect">
+            <a:avLst/>
+          </a:prstGeom>
+          <a:noFill/>
+        </p:spPr>
+        <p:txBody>
+          <a:bodyPr wrap="none" rtlCol="0">
+            <a:spAutoFit/>
+          </a:bodyPr>
+          <a:lstStyle/>
+          <a:p>
+            <a:r>
+              <a:rPr lang="en-US" altLang="ko-KR" dirty="0" err="1"/>
+              <a:t>Adduser</a:t>
+            </a:r>
+            <a:endParaRPr lang="en-US" altLang="ko-KR" dirty="0"/>
+          </a:p>
+          <a:p>
+            <a:endParaRPr lang="en-US" altLang="ko-KR" dirty="0"/>
+          </a:p>
+          <a:p>
+            <a:r>
+              <a:rPr lang="en-US" altLang="ko-KR" dirty="0" err="1"/>
+              <a:t>AddGameData</a:t>
+            </a:r>
+            <a:endParaRPr lang="ko-KR" altLang="en-US" dirty="0"/>
+          </a:p>
+        </p:txBody>
+      </p:sp>
     </p:spTree>
     <p:extLst>
       <p:ext uri="{BB962C8B-B14F-4D97-AF65-F5344CB8AC3E}">
@@ -12322,7 +12404,7 @@
           </p:nvCxnSpPr>
           <p:spPr>
             <a:xfrm flipH="1" flipV="1">
-              <a:off x="3362325" y="3458646"/>
+              <a:off x="3377519" y="2602473"/>
               <a:ext cx="2705100" cy="9525"/>
             </a:xfrm>
             <a:prstGeom prst="straightConnector1">
@@ -12361,7 +12443,7 @@
           </p:nvCxnSpPr>
           <p:spPr>
             <a:xfrm>
-              <a:off x="3381375" y="2247900"/>
+              <a:off x="3406094" y="2082889"/>
               <a:ext cx="2743200" cy="0"/>
             </a:xfrm>
             <a:prstGeom prst="straightConnector1">
@@ -12580,7 +12662,7 @@
           </p:nvSpPr>
           <p:spPr>
             <a:xfrm>
-              <a:off x="3400425" y="2324100"/>
+              <a:off x="3342438" y="2099121"/>
               <a:ext cx="1784463" cy="261610"/>
             </a:xfrm>
             <a:prstGeom prst="rect">
@@ -12732,7 +12814,7 @@
           </p:nvSpPr>
           <p:spPr>
             <a:xfrm>
-              <a:off x="3343275" y="3557105"/>
+              <a:off x="3358469" y="2700932"/>
               <a:ext cx="1752403" cy="261610"/>
             </a:xfrm>
             <a:prstGeom prst="rect">
@@ -13255,6 +13337,62 @@
           </p:txBody>
         </p:sp>
       </p:grpSp>
+      <p:sp>
+        <p:nvSpPr>
+          <p:cNvPr id="3" name="TextBox 2">
+            <a:extLst>
+              <a:ext uri="{FF2B5EF4-FFF2-40B4-BE49-F238E27FC236}">
+                <a16:creationId xmlns:a16="http://schemas.microsoft.com/office/drawing/2014/main" id="{45F5AF88-E502-45F0-87F0-E7121254607C}"/>
+              </a:ext>
+            </a:extLst>
+          </p:cNvPr>
+          <p:cNvSpPr txBox="1"/>
+          <p:nvPr/>
+        </p:nvSpPr>
+        <p:spPr>
+          <a:xfrm>
+            <a:off x="9664700" y="1338069"/>
+            <a:ext cx="1645002" cy="1477328"/>
+          </a:xfrm>
+          <a:prstGeom prst="rect">
+            <a:avLst/>
+          </a:prstGeom>
+          <a:noFill/>
+        </p:spPr>
+        <p:txBody>
+          <a:bodyPr wrap="none" rtlCol="0">
+            <a:spAutoFit/>
+          </a:bodyPr>
+          <a:lstStyle/>
+          <a:p>
+            <a:r>
+              <a:rPr lang="en-US" altLang="ko-KR" dirty="0" err="1"/>
+              <a:t>GetUser</a:t>
+            </a:r>
+            <a:endParaRPr lang="en-US" altLang="ko-KR" dirty="0"/>
+          </a:p>
+          <a:p>
+            <a:endParaRPr lang="en-US" altLang="ko-KR" dirty="0"/>
+          </a:p>
+          <a:p>
+            <a:r>
+              <a:rPr lang="en-US" altLang="ko-KR" dirty="0" err="1"/>
+              <a:t>GetGameData</a:t>
+            </a:r>
+            <a:endParaRPr lang="en-US" altLang="ko-KR" dirty="0"/>
+          </a:p>
+          <a:p>
+            <a:endParaRPr lang="en-US" altLang="ko-KR" dirty="0"/>
+          </a:p>
+          <a:p>
+            <a:r>
+              <a:rPr lang="en-US" altLang="ko-KR" dirty="0" err="1"/>
+              <a:t>AddAuth</a:t>
+            </a:r>
+            <a:endParaRPr lang="ko-KR" altLang="en-US" dirty="0"/>
+          </a:p>
+        </p:txBody>
+      </p:sp>
     </p:spTree>
     <p:extLst>
       <p:ext uri="{BB962C8B-B14F-4D97-AF65-F5344CB8AC3E}">
@@ -15756,6 +15894,60 @@
           </a:p>
         </p:txBody>
       </p:sp>
+      <p:sp>
+        <p:nvSpPr>
+          <p:cNvPr id="41" name="직사각형 40">
+            <a:extLst>
+              <a:ext uri="{FF2B5EF4-FFF2-40B4-BE49-F238E27FC236}">
+                <a16:creationId xmlns:a16="http://schemas.microsoft.com/office/drawing/2014/main" id="{443BAC8F-6D3F-49E7-9572-3814D94CB5B5}"/>
+              </a:ext>
+            </a:extLst>
+          </p:cNvPr>
+          <p:cNvSpPr/>
+          <p:nvPr/>
+        </p:nvSpPr>
+        <p:spPr>
+          <a:xfrm>
+            <a:off x="8586276" y="827988"/>
+            <a:ext cx="2757999" cy="1200329"/>
+          </a:xfrm>
+          <a:prstGeom prst="rect">
+            <a:avLst/>
+          </a:prstGeom>
+        </p:spPr>
+        <p:txBody>
+          <a:bodyPr wrap="none">
+            <a:spAutoFit/>
+          </a:bodyPr>
+          <a:lstStyle/>
+          <a:p>
+            <a:r>
+              <a:rPr lang="en-US" altLang="ko-KR" dirty="0" err="1"/>
+              <a:t>checkAuth</a:t>
+            </a:r>
+            <a:endParaRPr lang="ko-KR" altLang="en-US" dirty="0"/>
+          </a:p>
+          <a:p>
+            <a:endParaRPr lang="en-US" altLang="ko-KR" dirty="0">
+              <a:solidFill>
+                <a:srgbClr val="000000"/>
+              </a:solidFill>
+              <a:latin typeface="돋움체" panose="020B0609000101010101" pitchFamily="49" charset="-127"/>
+              <a:ea typeface="돋움체" panose="020B0609000101010101" pitchFamily="49" charset="-127"/>
+            </a:endParaRPr>
+          </a:p>
+          <a:p>
+            <a:r>
+              <a:rPr lang="en-US" altLang="ko-KR" dirty="0" err="1"/>
+              <a:t>SetGameServerUserNum</a:t>
+            </a:r>
+            <a:endParaRPr lang="en-US" altLang="ko-KR" dirty="0"/>
+          </a:p>
+          <a:p>
+            <a:endParaRPr lang="en-US" altLang="ko-KR" dirty="0"/>
+          </a:p>
+        </p:txBody>
+      </p:sp>
     </p:spTree>
     <p:extLst>
       <p:ext uri="{BB962C8B-B14F-4D97-AF65-F5344CB8AC3E}">
@@ -17337,7 +17529,7 @@
             <a:p>
               <a:r>
                 <a:rPr lang="en-US" altLang="ko-KR" dirty="0"/>
-                <a:t>RE_REQ_GET_USER_AUTHKEY</a:t>
+                <a:t>RE_REQ_GET_USER_AUTH</a:t>
               </a:r>
               <a:endParaRPr lang="ko-KR" altLang="en-US" sz="1100" dirty="0"/>
             </a:p>
@@ -17358,7 +17550,7 @@
           <p:spPr>
             <a:xfrm>
               <a:off x="6404211" y="3537020"/>
-              <a:ext cx="2012089" cy="261610"/>
+              <a:ext cx="1824538" cy="261610"/>
             </a:xfrm>
             <a:prstGeom prst="rect">
               <a:avLst/>
@@ -17478,7 +17670,7 @@
             <a:p>
               <a:r>
                 <a:rPr lang="en-US" altLang="ko-KR" dirty="0"/>
-                <a:t>RE_RES_GET_USER_AUTHKEY</a:t>
+                <a:t>RE_RES_GET_USER_ AUTH</a:t>
               </a:r>
               <a:endParaRPr lang="ko-KR" altLang="en-US" sz="1100" dirty="0"/>
             </a:p>
@@ -19252,7 +19444,7 @@
             <a:p>
               <a:r>
                 <a:rPr lang="en-US" altLang="ko-KR" dirty="0"/>
-                <a:t>RE_REQ_GET_USER_AUTHKEY</a:t>
+                <a:t>RE_REQ_GET_USER_ AUTH</a:t>
               </a:r>
               <a:endParaRPr lang="ko-KR" altLang="en-US" sz="1100" dirty="0"/>
             </a:p>
@@ -19273,7 +19465,7 @@
           <p:spPr>
             <a:xfrm>
               <a:off x="6202347" y="3695523"/>
-              <a:ext cx="2012089" cy="261610"/>
+              <a:ext cx="1824538" cy="261610"/>
             </a:xfrm>
             <a:prstGeom prst="rect">
               <a:avLst/>
@@ -19393,7 +19585,7 @@
             <a:p>
               <a:r>
                 <a:rPr lang="en-US" altLang="ko-KR" dirty="0"/>
-                <a:t>RE_RES_GET_USER_AUTHKEY</a:t>
+                <a:t>RE_RES_GET_USER_ AUTH</a:t>
               </a:r>
               <a:endParaRPr lang="ko-KR" altLang="en-US" sz="1100" dirty="0"/>
             </a:p>
@@ -19704,7 +19896,7 @@
             <a:p>
               <a:r>
                 <a:rPr lang="en-US" altLang="ko-KR" dirty="0"/>
-                <a:t>RE_REQ_GET_USER_AUTHKEY</a:t>
+                <a:t>RE_REQ_GET_USER_ AUTH</a:t>
               </a:r>
               <a:endParaRPr lang="ko-KR" altLang="en-US" sz="1100" dirty="0"/>
             </a:p>
@@ -19725,7 +19917,7 @@
           <p:spPr>
             <a:xfrm>
               <a:off x="6202347" y="3695523"/>
-              <a:ext cx="2012089" cy="261610"/>
+              <a:ext cx="1824538" cy="261610"/>
             </a:xfrm>
             <a:prstGeom prst="rect">
               <a:avLst/>
@@ -19845,7 +20037,7 @@
             <a:p>
               <a:r>
                 <a:rPr lang="en-US" altLang="ko-KR" dirty="0"/>
-                <a:t>RE_RES_GET_USER_AUTHKEY</a:t>
+                <a:t>RE_RES_GET_USER_ AUTH</a:t>
               </a:r>
               <a:endParaRPr lang="ko-KR" altLang="en-US" sz="1100" dirty="0"/>
             </a:p>
@@ -22910,7 +23102,7 @@
             <a:p>
               <a:r>
                 <a:rPr lang="en-US" altLang="ko-KR" dirty="0"/>
-                <a:t>RE_REQ_GET_USER_AUTHKEY</a:t>
+                <a:t>RE_REQ_GET_USER_ AUTH</a:t>
               </a:r>
               <a:endParaRPr lang="ko-KR" altLang="en-US" sz="1100" dirty="0"/>
             </a:p>
@@ -22931,7 +23123,7 @@
           <p:spPr>
             <a:xfrm>
               <a:off x="6202347" y="3695523"/>
-              <a:ext cx="2012089" cy="261610"/>
+              <a:ext cx="1824538" cy="261610"/>
             </a:xfrm>
             <a:prstGeom prst="rect">
               <a:avLst/>
@@ -23051,7 +23243,7 @@
             <a:p>
               <a:r>
                 <a:rPr lang="en-US" altLang="ko-KR" dirty="0"/>
-                <a:t>RE_RES_GET_USER_AUTHKEY</a:t>
+                <a:t>RE_RES_GET_USER_ AUTH</a:t>
               </a:r>
               <a:endParaRPr lang="ko-KR" altLang="en-US" sz="1100" dirty="0"/>
             </a:p>
@@ -24249,6 +24441,42 @@
           </a:p>
         </p:txBody>
       </p:sp>
+      <p:sp>
+        <p:nvSpPr>
+          <p:cNvPr id="65" name="TextBox 64">
+            <a:extLst>
+              <a:ext uri="{FF2B5EF4-FFF2-40B4-BE49-F238E27FC236}">
+                <a16:creationId xmlns:a16="http://schemas.microsoft.com/office/drawing/2014/main" id="{1F524BDE-7B91-43E3-8D97-F58CBADD1C7A}"/>
+              </a:ext>
+            </a:extLst>
+          </p:cNvPr>
+          <p:cNvSpPr txBox="1"/>
+          <p:nvPr/>
+        </p:nvSpPr>
+        <p:spPr>
+          <a:xfrm>
+            <a:off x="9829800" y="3525641"/>
+            <a:ext cx="2040623" cy="369332"/>
+          </a:xfrm>
+          <a:prstGeom prst="rect">
+            <a:avLst/>
+          </a:prstGeom>
+          <a:noFill/>
+        </p:spPr>
+        <p:txBody>
+          <a:bodyPr wrap="none" rtlCol="0">
+            <a:spAutoFit/>
+          </a:bodyPr>
+          <a:lstStyle/>
+          <a:p>
+            <a:r>
+              <a:rPr lang="en-US" altLang="ko-KR" dirty="0" err="1"/>
+              <a:t>UpdateGameData</a:t>
+            </a:r>
+            <a:endParaRPr lang="ko-KR" altLang="en-US" dirty="0"/>
+          </a:p>
+        </p:txBody>
+      </p:sp>
     </p:spTree>
     <p:extLst>
       <p:ext uri="{BB962C8B-B14F-4D97-AF65-F5344CB8AC3E}">
@@ -25575,7 +25803,7 @@
             <a:p>
               <a:r>
                 <a:rPr lang="en-US" altLang="ko-KR" dirty="0"/>
-                <a:t>RE_REQ_GET_USER_AUTHKEY</a:t>
+                <a:t>RE_REQ_GET_USER_ AUTH</a:t>
               </a:r>
               <a:endParaRPr lang="ko-KR" altLang="en-US" sz="1100" dirty="0"/>
             </a:p>
@@ -25596,7 +25824,7 @@
           <p:spPr>
             <a:xfrm>
               <a:off x="6202347" y="3695523"/>
-              <a:ext cx="2012089" cy="261610"/>
+              <a:ext cx="1824538" cy="261610"/>
             </a:xfrm>
             <a:prstGeom prst="rect">
               <a:avLst/>
@@ -25716,7 +25944,7 @@
             <a:p>
               <a:r>
                 <a:rPr lang="en-US" altLang="ko-KR" dirty="0"/>
-                <a:t>RE_RES_GET_USER_AUTHKEY</a:t>
+                <a:t>RE_RES_GET_USER_ AUTH</a:t>
               </a:r>
               <a:endParaRPr lang="ko-KR" altLang="en-US" sz="1100" dirty="0"/>
             </a:p>
@@ -26405,7 +26633,7 @@
             <a:p>
               <a:r>
                 <a:rPr lang="en-US" altLang="ko-KR" dirty="0"/>
-                <a:t>RE_REQ_REMOVE_USER_AUTHKEY</a:t>
+                <a:t>RE_REQ_REMOVE_USER_ AUTH</a:t>
               </a:r>
               <a:endParaRPr lang="ko-KR" altLang="en-US" sz="1100" dirty="0"/>
             </a:p>
@@ -26546,7 +26774,7 @@
             <a:p>
               <a:r>
                 <a:rPr lang="en-US" altLang="ko-KR" dirty="0"/>
-                <a:t>RE_RES_ REMOVE _USER_AUTHKEY</a:t>
+                <a:t>RE_RES_ REMOVE _USER_ AUTH</a:t>
               </a:r>
               <a:endParaRPr lang="ko-KR" altLang="en-US" sz="1100" dirty="0"/>
             </a:p>
@@ -26640,6 +26868,42 @@
               <a:rPr lang="ko-KR" altLang="en-US" dirty="0"/>
               <a:t> 다음을 수행</a:t>
             </a:r>
+          </a:p>
+        </p:txBody>
+      </p:sp>
+      <p:sp>
+        <p:nvSpPr>
+          <p:cNvPr id="39" name="TextBox 38">
+            <a:extLst>
+              <a:ext uri="{FF2B5EF4-FFF2-40B4-BE49-F238E27FC236}">
+                <a16:creationId xmlns:a16="http://schemas.microsoft.com/office/drawing/2014/main" id="{E3978906-3F56-451A-AA57-90783F1A90E4}"/>
+              </a:ext>
+            </a:extLst>
+          </p:cNvPr>
+          <p:cNvSpPr txBox="1"/>
+          <p:nvPr/>
+        </p:nvSpPr>
+        <p:spPr>
+          <a:xfrm>
+            <a:off x="9804400" y="4813300"/>
+            <a:ext cx="854401" cy="369332"/>
+          </a:xfrm>
+          <a:prstGeom prst="rect">
+            <a:avLst/>
+          </a:prstGeom>
+          <a:noFill/>
+        </p:spPr>
+        <p:txBody>
+          <a:bodyPr wrap="none" rtlCol="0">
+            <a:spAutoFit/>
+          </a:bodyPr>
+          <a:lstStyle/>
+          <a:p>
+            <a:r>
+              <a:rPr lang="en-US" altLang="ko-KR" dirty="0"/>
+              <a:t>Delete</a:t>
+            </a:r>
+            <a:endParaRPr lang="ko-KR" altLang="en-US" dirty="0"/>
           </a:p>
         </p:txBody>
       </p:sp>

--- a/시퀀스 다이어 그램.pptx
+++ b/시퀀스 다이어 그램.pptx
@@ -16,10 +16,9 @@
     <p:sldId id="265" r:id="rId10"/>
     <p:sldId id="266" r:id="rId11"/>
     <p:sldId id="270" r:id="rId12"/>
-    <p:sldId id="267" r:id="rId13"/>
-    <p:sldId id="258" r:id="rId14"/>
-    <p:sldId id="268" r:id="rId15"/>
-    <p:sldId id="269" r:id="rId16"/>
+    <p:sldId id="258" r:id="rId13"/>
+    <p:sldId id="268" r:id="rId14"/>
+    <p:sldId id="269" r:id="rId15"/>
   </p:sldIdLst>
   <p:sldSz cx="12192000" cy="6858000"/>
   <p:notesSz cx="6858000" cy="9144000"/>
@@ -118,7 +117,16 @@
       </a:defRPr>
     </a:lvl9pPr>
   </p:defaultTextStyle>
+  <p:extLst>
+    <p:ext uri="{EFAFB233-063F-42B5-8137-9DF3F51BA10A}">
+      <p15:sldGuideLst xmlns:p15="http://schemas.microsoft.com/office/powerpoint/2012/main"/>
+    </p:ext>
+  </p:extLst>
 </p:presentation>
+</file>
+
+<file path=ppt/revisionInfo.xml><?xml version="1.0" encoding="utf-8"?>
+<p1510:revInfo xmlns:a="http://schemas.openxmlformats.org/drawingml/2006/main" xmlns:r="http://schemas.openxmlformats.org/officeDocument/2006/relationships" xmlns:p1510="http://schemas.microsoft.com/office/powerpoint/2015/10/main"/>
 </file>
 
 <file path=ppt/slideLayouts/slideLayout1.xml><?xml version="1.0" encoding="utf-8"?>
@@ -268,7 +276,7 @@
           <a:p>
             <a:fld id="{9DE3C8B6-0A1B-4CEC-AFD3-DFB3462955B7}" type="datetimeFigureOut">
               <a:rPr lang="ko-KR" altLang="en-US" smtClean="0"/>
-              <a:t>2017-08-31</a:t>
+              <a:t>2017-09-05</a:t>
             </a:fld>
             <a:endParaRPr lang="ko-KR" altLang="en-US"/>
           </a:p>
@@ -466,7 +474,7 @@
           <a:p>
             <a:fld id="{9DE3C8B6-0A1B-4CEC-AFD3-DFB3462955B7}" type="datetimeFigureOut">
               <a:rPr lang="ko-KR" altLang="en-US" smtClean="0"/>
-              <a:t>2017-08-31</a:t>
+              <a:t>2017-09-05</a:t>
             </a:fld>
             <a:endParaRPr lang="ko-KR" altLang="en-US"/>
           </a:p>
@@ -674,7 +682,7 @@
           <a:p>
             <a:fld id="{9DE3C8B6-0A1B-4CEC-AFD3-DFB3462955B7}" type="datetimeFigureOut">
               <a:rPr lang="ko-KR" altLang="en-US" smtClean="0"/>
-              <a:t>2017-08-31</a:t>
+              <a:t>2017-09-05</a:t>
             </a:fld>
             <a:endParaRPr lang="ko-KR" altLang="en-US"/>
           </a:p>
@@ -872,7 +880,7 @@
           <a:p>
             <a:fld id="{9DE3C8B6-0A1B-4CEC-AFD3-DFB3462955B7}" type="datetimeFigureOut">
               <a:rPr lang="ko-KR" altLang="en-US" smtClean="0"/>
-              <a:t>2017-08-31</a:t>
+              <a:t>2017-09-05</a:t>
             </a:fld>
             <a:endParaRPr lang="ko-KR" altLang="en-US"/>
           </a:p>
@@ -1147,7 +1155,7 @@
           <a:p>
             <a:fld id="{9DE3C8B6-0A1B-4CEC-AFD3-DFB3462955B7}" type="datetimeFigureOut">
               <a:rPr lang="ko-KR" altLang="en-US" smtClean="0"/>
-              <a:t>2017-08-31</a:t>
+              <a:t>2017-09-05</a:t>
             </a:fld>
             <a:endParaRPr lang="ko-KR" altLang="en-US"/>
           </a:p>
@@ -1412,7 +1420,7 @@
           <a:p>
             <a:fld id="{9DE3C8B6-0A1B-4CEC-AFD3-DFB3462955B7}" type="datetimeFigureOut">
               <a:rPr lang="ko-KR" altLang="en-US" smtClean="0"/>
-              <a:t>2017-08-31</a:t>
+              <a:t>2017-09-05</a:t>
             </a:fld>
             <a:endParaRPr lang="ko-KR" altLang="en-US"/>
           </a:p>
@@ -1824,7 +1832,7 @@
           <a:p>
             <a:fld id="{9DE3C8B6-0A1B-4CEC-AFD3-DFB3462955B7}" type="datetimeFigureOut">
               <a:rPr lang="ko-KR" altLang="en-US" smtClean="0"/>
-              <a:t>2017-08-31</a:t>
+              <a:t>2017-09-05</a:t>
             </a:fld>
             <a:endParaRPr lang="ko-KR" altLang="en-US"/>
           </a:p>
@@ -1965,7 +1973,7 @@
           <a:p>
             <a:fld id="{9DE3C8B6-0A1B-4CEC-AFD3-DFB3462955B7}" type="datetimeFigureOut">
               <a:rPr lang="ko-KR" altLang="en-US" smtClean="0"/>
-              <a:t>2017-08-31</a:t>
+              <a:t>2017-09-05</a:t>
             </a:fld>
             <a:endParaRPr lang="ko-KR" altLang="en-US"/>
           </a:p>
@@ -2078,7 +2086,7 @@
           <a:p>
             <a:fld id="{9DE3C8B6-0A1B-4CEC-AFD3-DFB3462955B7}" type="datetimeFigureOut">
               <a:rPr lang="ko-KR" altLang="en-US" smtClean="0"/>
-              <a:t>2017-08-31</a:t>
+              <a:t>2017-09-05</a:t>
             </a:fld>
             <a:endParaRPr lang="ko-KR" altLang="en-US"/>
           </a:p>
@@ -2389,7 +2397,7 @@
           <a:p>
             <a:fld id="{9DE3C8B6-0A1B-4CEC-AFD3-DFB3462955B7}" type="datetimeFigureOut">
               <a:rPr lang="ko-KR" altLang="en-US" smtClean="0"/>
-              <a:t>2017-08-31</a:t>
+              <a:t>2017-09-05</a:t>
             </a:fld>
             <a:endParaRPr lang="ko-KR" altLang="en-US"/>
           </a:p>
@@ -2677,7 +2685,7 @@
           <a:p>
             <a:fld id="{9DE3C8B6-0A1B-4CEC-AFD3-DFB3462955B7}" type="datetimeFigureOut">
               <a:rPr lang="ko-KR" altLang="en-US" smtClean="0"/>
-              <a:t>2017-08-31</a:t>
+              <a:t>2017-09-05</a:t>
             </a:fld>
             <a:endParaRPr lang="ko-KR" altLang="en-US"/>
           </a:p>
@@ -2918,7 +2926,7 @@
           <a:p>
             <a:fld id="{9DE3C8B6-0A1B-4CEC-AFD3-DFB3462955B7}" type="datetimeFigureOut">
               <a:rPr lang="ko-KR" altLang="en-US" smtClean="0"/>
-              <a:t>2017-08-31</a:t>
+              <a:t>2017-09-05</a:t>
             </a:fld>
             <a:endParaRPr lang="ko-KR" altLang="en-US"/>
           </a:p>
@@ -6072,123 +6080,6 @@
           <a:p>
             <a:r>
               <a:rPr lang="ko-KR" altLang="en-US" dirty="0"/>
-              <a:t>로그아웃</a:t>
-            </a:r>
-          </a:p>
-        </p:txBody>
-      </p:sp>
-      <p:sp>
-        <p:nvSpPr>
-          <p:cNvPr id="3" name="TextBox 2">
-            <a:extLst>
-              <a:ext uri="{FF2B5EF4-FFF2-40B4-BE49-F238E27FC236}">
-                <a16:creationId xmlns:a16="http://schemas.microsoft.com/office/drawing/2014/main" id="{6B5D9E38-F1B7-48DD-ADDE-E95AA48B5974}"/>
-              </a:ext>
-            </a:extLst>
-          </p:cNvPr>
-          <p:cNvSpPr txBox="1"/>
-          <p:nvPr/>
-        </p:nvSpPr>
-        <p:spPr>
-          <a:xfrm>
-            <a:off x="7924800" y="1219200"/>
-            <a:ext cx="3974165" cy="923330"/>
-          </a:xfrm>
-          <a:prstGeom prst="rect">
-            <a:avLst/>
-          </a:prstGeom>
-          <a:noFill/>
-        </p:spPr>
-        <p:txBody>
-          <a:bodyPr wrap="none" rtlCol="0">
-            <a:spAutoFit/>
-          </a:bodyPr>
-          <a:lstStyle/>
-          <a:p>
-            <a:r>
-              <a:rPr lang="ko-KR" altLang="en-US" dirty="0"/>
-              <a:t>로그아웃은 게임서버에게 요청하고</a:t>
-            </a:r>
-            <a:endParaRPr lang="en-US" altLang="ko-KR" dirty="0"/>
-          </a:p>
-          <a:p>
-            <a:r>
-              <a:rPr lang="ko-KR" altLang="en-US" dirty="0"/>
-              <a:t>데이터를 정리하는 것도 게임 서버가</a:t>
-            </a:r>
-            <a:endParaRPr lang="en-US" altLang="ko-KR" dirty="0"/>
-          </a:p>
-          <a:p>
-            <a:r>
-              <a:rPr lang="ko-KR" altLang="en-US" dirty="0"/>
-              <a:t>한다</a:t>
-            </a:r>
-            <a:r>
-              <a:rPr lang="en-US" altLang="ko-KR" dirty="0"/>
-              <a:t>.</a:t>
-            </a:r>
-            <a:endParaRPr lang="ko-KR" altLang="en-US" dirty="0"/>
-          </a:p>
-        </p:txBody>
-      </p:sp>
-    </p:spTree>
-    <p:extLst>
-      <p:ext uri="{BB962C8B-B14F-4D97-AF65-F5344CB8AC3E}">
-        <p14:creationId xmlns:p14="http://schemas.microsoft.com/office/powerpoint/2010/main" val="800176025"/>
-      </p:ext>
-    </p:extLst>
-  </p:cSld>
-  <p:clrMapOvr>
-    <a:masterClrMapping/>
-  </p:clrMapOvr>
-</p:sld>
-</file>
-
-<file path=ppt/slides/slide13.xml><?xml version="1.0" encoding="utf-8"?>
-<p:sld xmlns:a="http://schemas.openxmlformats.org/drawingml/2006/main" xmlns:r="http://schemas.openxmlformats.org/officeDocument/2006/relationships" xmlns:p="http://schemas.openxmlformats.org/presentationml/2006/main">
-  <p:cSld>
-    <p:spTree>
-      <p:nvGrpSpPr>
-        <p:cNvPr id="1" name=""/>
-        <p:cNvGrpSpPr/>
-        <p:nvPr/>
-      </p:nvGrpSpPr>
-      <p:grpSpPr>
-        <a:xfrm>
-          <a:off x="0" y="0"/>
-          <a:ext cx="0" cy="0"/>
-          <a:chOff x="0" y="0"/>
-          <a:chExt cx="0" cy="0"/>
-        </a:xfrm>
-      </p:grpSpPr>
-      <p:sp>
-        <p:nvSpPr>
-          <p:cNvPr id="2" name="제목 1">
-            <a:extLst>
-              <a:ext uri="{FF2B5EF4-FFF2-40B4-BE49-F238E27FC236}">
-                <a16:creationId xmlns:a16="http://schemas.microsoft.com/office/drawing/2014/main" id="{30FEC8F1-9E03-4DBB-B89F-12367D8F054C}"/>
-              </a:ext>
-            </a:extLst>
-          </p:cNvPr>
-          <p:cNvSpPr>
-            <a:spLocks noGrp="1"/>
-          </p:cNvSpPr>
-          <p:nvPr>
-            <p:ph type="title"/>
-          </p:nvPr>
-        </p:nvSpPr>
-        <p:spPr>
-          <a:xfrm>
-            <a:off x="0" y="12506"/>
-            <a:ext cx="10515600" cy="1325563"/>
-          </a:xfrm>
-        </p:spPr>
-        <p:txBody>
-          <a:bodyPr/>
-          <a:lstStyle/>
-          <a:p>
-            <a:r>
-              <a:rPr lang="ko-KR" altLang="en-US" dirty="0"/>
               <a:t>게임서버의 정보 저장과 갱신</a:t>
             </a:r>
           </a:p>
@@ -7404,7 +7295,7 @@
 </p:sld>
 </file>
 
-<file path=ppt/slides/slide14.xml><?xml version="1.0" encoding="utf-8"?>
+<file path=ppt/slides/slide13.xml><?xml version="1.0" encoding="utf-8"?>
 <p:sld xmlns:a="http://schemas.openxmlformats.org/drawingml/2006/main" xmlns:r="http://schemas.openxmlformats.org/officeDocument/2006/relationships" xmlns:p="http://schemas.openxmlformats.org/presentationml/2006/main">
   <p:cSld>
     <p:spTree>
@@ -7447,7 +7338,10 @@
           <a:bodyPr/>
           <a:lstStyle/>
           <a:p>
-            <a:endParaRPr lang="ko-KR" altLang="en-US"/>
+            <a:r>
+              <a:rPr lang="ko-KR" altLang="en-US" dirty="0"/>
+              <a:t>로그아웃</a:t>
+            </a:r>
           </a:p>
         </p:txBody>
       </p:sp>
@@ -8339,7 +8233,7 @@
         </p:nvCxnSpPr>
         <p:spPr>
           <a:xfrm flipH="1" flipV="1">
-            <a:off x="8789825" y="469371"/>
+            <a:off x="6178917" y="5019224"/>
             <a:ext cx="2705100" cy="9525"/>
           </a:xfrm>
           <a:prstGeom prst="straightConnector1">
@@ -8378,7 +8272,7 @@
         </p:nvCxnSpPr>
         <p:spPr>
           <a:xfrm>
-            <a:off x="8827925" y="936096"/>
+            <a:off x="6151400" y="3764743"/>
             <a:ext cx="2743200" cy="0"/>
           </a:xfrm>
           <a:prstGeom prst="straightConnector1">
@@ -8403,6 +8297,721 @@
           </a:fontRef>
         </p:style>
       </p:cxnSp>
+      <p:cxnSp>
+        <p:nvCxnSpPr>
+          <p:cNvPr id="21" name="직선 화살표 연결선 20">
+            <a:extLst>
+              <a:ext uri="{FF2B5EF4-FFF2-40B4-BE49-F238E27FC236}">
+                <a16:creationId xmlns:a16="http://schemas.microsoft.com/office/drawing/2014/main" id="{1CA0C692-4AEF-4D2B-A670-B9BBE14BF39E}"/>
+              </a:ext>
+            </a:extLst>
+          </p:cNvPr>
+          <p:cNvCxnSpPr/>
+          <p:nvPr/>
+        </p:nvCxnSpPr>
+        <p:spPr>
+          <a:xfrm>
+            <a:off x="3408200" y="3574118"/>
+            <a:ext cx="2743200" cy="0"/>
+          </a:xfrm>
+          <a:prstGeom prst="straightConnector1">
+            <a:avLst/>
+          </a:prstGeom>
+          <a:ln w="57150">
+            <a:tailEnd type="triangle"/>
+          </a:ln>
+        </p:spPr>
+        <p:style>
+          <a:lnRef idx="1">
+            <a:schemeClr val="accent1"/>
+          </a:lnRef>
+          <a:fillRef idx="0">
+            <a:schemeClr val="accent1"/>
+          </a:fillRef>
+          <a:effectRef idx="0">
+            <a:schemeClr val="accent1"/>
+          </a:effectRef>
+          <a:fontRef idx="minor">
+            <a:schemeClr val="tx1"/>
+          </a:fontRef>
+        </p:style>
+      </p:cxnSp>
+      <p:sp>
+        <p:nvSpPr>
+          <p:cNvPr id="22" name="TextBox 18">
+            <a:extLst>
+              <a:ext uri="{FF2B5EF4-FFF2-40B4-BE49-F238E27FC236}">
+                <a16:creationId xmlns:a16="http://schemas.microsoft.com/office/drawing/2014/main" id="{77894EFC-9140-4219-860F-1989AAF6121E}"/>
+              </a:ext>
+            </a:extLst>
+          </p:cNvPr>
+          <p:cNvSpPr txBox="1"/>
+          <p:nvPr/>
+        </p:nvSpPr>
+        <p:spPr>
+          <a:xfrm>
+            <a:off x="3482283" y="3212567"/>
+            <a:ext cx="2640542" cy="261610"/>
+          </a:xfrm>
+          <a:prstGeom prst="rect">
+            <a:avLst/>
+          </a:prstGeom>
+          <a:noFill/>
+        </p:spPr>
+        <p:style>
+          <a:lnRef idx="0">
+            <a:scrgbClr r="0" g="0" b="0"/>
+          </a:lnRef>
+          <a:fillRef idx="0">
+            <a:scrgbClr r="0" g="0" b="0"/>
+          </a:fillRef>
+          <a:effectRef idx="0">
+            <a:scrgbClr r="0" g="0" b="0"/>
+          </a:effectRef>
+          <a:fontRef idx="minor">
+            <a:schemeClr val="tx1"/>
+          </a:fontRef>
+        </p:style>
+        <p:txBody>
+          <a:bodyPr wrap="square" rtlCol="0" anchor="t">
+            <a:spAutoFit/>
+          </a:bodyPr>
+          <a:lstStyle>
+            <a:lvl1pPr marL="0" indent="0">
+              <a:defRPr sz="1100">
+                <a:solidFill>
+                  <a:schemeClr val="tx1"/>
+                </a:solidFill>
+                <a:latin typeface="+mn-lt"/>
+                <a:ea typeface="+mn-ea"/>
+                <a:cs typeface="+mn-cs"/>
+              </a:defRPr>
+            </a:lvl1pPr>
+            <a:lvl2pPr marL="457200" indent="0">
+              <a:defRPr sz="1100">
+                <a:solidFill>
+                  <a:schemeClr val="tx1"/>
+                </a:solidFill>
+                <a:latin typeface="+mn-lt"/>
+                <a:ea typeface="+mn-ea"/>
+                <a:cs typeface="+mn-cs"/>
+              </a:defRPr>
+            </a:lvl2pPr>
+            <a:lvl3pPr marL="914400" indent="0">
+              <a:defRPr sz="1100">
+                <a:solidFill>
+                  <a:schemeClr val="tx1"/>
+                </a:solidFill>
+                <a:latin typeface="+mn-lt"/>
+                <a:ea typeface="+mn-ea"/>
+                <a:cs typeface="+mn-cs"/>
+              </a:defRPr>
+            </a:lvl3pPr>
+            <a:lvl4pPr marL="1371600" indent="0">
+              <a:defRPr sz="1100">
+                <a:solidFill>
+                  <a:schemeClr val="tx1"/>
+                </a:solidFill>
+                <a:latin typeface="+mn-lt"/>
+                <a:ea typeface="+mn-ea"/>
+                <a:cs typeface="+mn-cs"/>
+              </a:defRPr>
+            </a:lvl4pPr>
+            <a:lvl5pPr marL="1828800" indent="0">
+              <a:defRPr sz="1100">
+                <a:solidFill>
+                  <a:schemeClr val="tx1"/>
+                </a:solidFill>
+                <a:latin typeface="+mn-lt"/>
+                <a:ea typeface="+mn-ea"/>
+                <a:cs typeface="+mn-cs"/>
+              </a:defRPr>
+            </a:lvl5pPr>
+            <a:lvl6pPr marL="2286000" indent="0">
+              <a:defRPr sz="1100">
+                <a:solidFill>
+                  <a:schemeClr val="tx1"/>
+                </a:solidFill>
+                <a:latin typeface="+mn-lt"/>
+                <a:ea typeface="+mn-ea"/>
+                <a:cs typeface="+mn-cs"/>
+              </a:defRPr>
+            </a:lvl6pPr>
+            <a:lvl7pPr marL="2743200" indent="0">
+              <a:defRPr sz="1100">
+                <a:solidFill>
+                  <a:schemeClr val="tx1"/>
+                </a:solidFill>
+                <a:latin typeface="+mn-lt"/>
+                <a:ea typeface="+mn-ea"/>
+                <a:cs typeface="+mn-cs"/>
+              </a:defRPr>
+            </a:lvl7pPr>
+            <a:lvl8pPr marL="3200400" indent="0">
+              <a:defRPr sz="1100">
+                <a:solidFill>
+                  <a:schemeClr val="tx1"/>
+                </a:solidFill>
+                <a:latin typeface="+mn-lt"/>
+                <a:ea typeface="+mn-ea"/>
+                <a:cs typeface="+mn-cs"/>
+              </a:defRPr>
+            </a:lvl8pPr>
+            <a:lvl9pPr marL="3657600" indent="0">
+              <a:defRPr sz="1100">
+                <a:solidFill>
+                  <a:schemeClr val="tx1"/>
+                </a:solidFill>
+                <a:latin typeface="+mn-lt"/>
+                <a:ea typeface="+mn-ea"/>
+                <a:cs typeface="+mn-cs"/>
+              </a:defRPr>
+            </a:lvl9pPr>
+          </a:lstStyle>
+          <a:p>
+            <a:r>
+              <a:rPr lang="en-US" altLang="ko-KR" dirty="0"/>
+              <a:t>GAMSERVER_REQ_USER_LOGOUT</a:t>
+            </a:r>
+            <a:endParaRPr lang="ko-KR" altLang="en-US" sz="1100" dirty="0"/>
+          </a:p>
+        </p:txBody>
+      </p:sp>
+      <p:cxnSp>
+        <p:nvCxnSpPr>
+          <p:cNvPr id="23" name="직선 화살표 연결선 22">
+            <a:extLst>
+              <a:ext uri="{FF2B5EF4-FFF2-40B4-BE49-F238E27FC236}">
+                <a16:creationId xmlns:a16="http://schemas.microsoft.com/office/drawing/2014/main" id="{73CAF348-82BF-4983-B2B9-FAD0C6D47453}"/>
+              </a:ext>
+            </a:extLst>
+          </p:cNvPr>
+          <p:cNvCxnSpPr/>
+          <p:nvPr/>
+        </p:nvCxnSpPr>
+        <p:spPr>
+          <a:xfrm flipH="1" flipV="1">
+            <a:off x="3417725" y="5567259"/>
+            <a:ext cx="2705100" cy="9525"/>
+          </a:xfrm>
+          <a:prstGeom prst="straightConnector1">
+            <a:avLst/>
+          </a:prstGeom>
+          <a:ln w="57150">
+            <a:tailEnd type="triangle"/>
+          </a:ln>
+        </p:spPr>
+        <p:style>
+          <a:lnRef idx="1">
+            <a:schemeClr val="accent1"/>
+          </a:lnRef>
+          <a:fillRef idx="0">
+            <a:schemeClr val="accent1"/>
+          </a:fillRef>
+          <a:effectRef idx="0">
+            <a:schemeClr val="accent1"/>
+          </a:effectRef>
+          <a:fontRef idx="minor">
+            <a:schemeClr val="tx1"/>
+          </a:fontRef>
+        </p:style>
+      </p:cxnSp>
+      <p:sp>
+        <p:nvSpPr>
+          <p:cNvPr id="24" name="직사각형 23">
+            <a:extLst>
+              <a:ext uri="{FF2B5EF4-FFF2-40B4-BE49-F238E27FC236}">
+                <a16:creationId xmlns:a16="http://schemas.microsoft.com/office/drawing/2014/main" id="{3A946E76-EBE0-4802-BFCD-D85FB99B0934}"/>
+              </a:ext>
+            </a:extLst>
+          </p:cNvPr>
+          <p:cNvSpPr/>
+          <p:nvPr/>
+        </p:nvSpPr>
+        <p:spPr>
+          <a:xfrm>
+            <a:off x="6449520" y="3824563"/>
+            <a:ext cx="1806905" cy="261610"/>
+          </a:xfrm>
+          <a:prstGeom prst="rect">
+            <a:avLst/>
+          </a:prstGeom>
+        </p:spPr>
+        <p:txBody>
+          <a:bodyPr wrap="none">
+            <a:spAutoFit/>
+          </a:bodyPr>
+          <a:lstStyle/>
+          <a:p>
+            <a:r>
+              <a:rPr lang="en-US" altLang="ko-KR" sz="1100" dirty="0">
+                <a:solidFill>
+                  <a:srgbClr val="000000"/>
+                </a:solidFill>
+                <a:latin typeface="돋움체" panose="020B0609000101010101" pitchFamily="49" charset="-127"/>
+                <a:ea typeface="돋움체" panose="020B0609000101010101" pitchFamily="49" charset="-127"/>
+              </a:rPr>
+              <a:t>RE_REQ_REMOVE_USER_DATA</a:t>
+            </a:r>
+            <a:endParaRPr lang="ko-KR" altLang="en-US" sz="1100" dirty="0"/>
+          </a:p>
+        </p:txBody>
+      </p:sp>
+      <p:sp>
+        <p:nvSpPr>
+          <p:cNvPr id="25" name="TextBox 18">
+            <a:extLst>
+              <a:ext uri="{FF2B5EF4-FFF2-40B4-BE49-F238E27FC236}">
+                <a16:creationId xmlns:a16="http://schemas.microsoft.com/office/drawing/2014/main" id="{5724233E-ECE3-4C1C-9F0F-B928CCB29EC0}"/>
+              </a:ext>
+            </a:extLst>
+          </p:cNvPr>
+          <p:cNvSpPr txBox="1"/>
+          <p:nvPr/>
+        </p:nvSpPr>
+        <p:spPr>
+          <a:xfrm>
+            <a:off x="3538375" y="5104949"/>
+            <a:ext cx="2640542" cy="261610"/>
+          </a:xfrm>
+          <a:prstGeom prst="rect">
+            <a:avLst/>
+          </a:prstGeom>
+          <a:noFill/>
+        </p:spPr>
+        <p:style>
+          <a:lnRef idx="0">
+            <a:scrgbClr r="0" g="0" b="0"/>
+          </a:lnRef>
+          <a:fillRef idx="0">
+            <a:scrgbClr r="0" g="0" b="0"/>
+          </a:fillRef>
+          <a:effectRef idx="0">
+            <a:scrgbClr r="0" g="0" b="0"/>
+          </a:effectRef>
+          <a:fontRef idx="minor">
+            <a:schemeClr val="tx1"/>
+          </a:fontRef>
+        </p:style>
+        <p:txBody>
+          <a:bodyPr wrap="square" rtlCol="0" anchor="t">
+            <a:spAutoFit/>
+          </a:bodyPr>
+          <a:lstStyle>
+            <a:lvl1pPr marL="0" indent="0">
+              <a:defRPr sz="1100">
+                <a:solidFill>
+                  <a:schemeClr val="tx1"/>
+                </a:solidFill>
+                <a:latin typeface="+mn-lt"/>
+                <a:ea typeface="+mn-ea"/>
+                <a:cs typeface="+mn-cs"/>
+              </a:defRPr>
+            </a:lvl1pPr>
+            <a:lvl2pPr marL="457200" indent="0">
+              <a:defRPr sz="1100">
+                <a:solidFill>
+                  <a:schemeClr val="tx1"/>
+                </a:solidFill>
+                <a:latin typeface="+mn-lt"/>
+                <a:ea typeface="+mn-ea"/>
+                <a:cs typeface="+mn-cs"/>
+              </a:defRPr>
+            </a:lvl2pPr>
+            <a:lvl3pPr marL="914400" indent="0">
+              <a:defRPr sz="1100">
+                <a:solidFill>
+                  <a:schemeClr val="tx1"/>
+                </a:solidFill>
+                <a:latin typeface="+mn-lt"/>
+                <a:ea typeface="+mn-ea"/>
+                <a:cs typeface="+mn-cs"/>
+              </a:defRPr>
+            </a:lvl3pPr>
+            <a:lvl4pPr marL="1371600" indent="0">
+              <a:defRPr sz="1100">
+                <a:solidFill>
+                  <a:schemeClr val="tx1"/>
+                </a:solidFill>
+                <a:latin typeface="+mn-lt"/>
+                <a:ea typeface="+mn-ea"/>
+                <a:cs typeface="+mn-cs"/>
+              </a:defRPr>
+            </a:lvl4pPr>
+            <a:lvl5pPr marL="1828800" indent="0">
+              <a:defRPr sz="1100">
+                <a:solidFill>
+                  <a:schemeClr val="tx1"/>
+                </a:solidFill>
+                <a:latin typeface="+mn-lt"/>
+                <a:ea typeface="+mn-ea"/>
+                <a:cs typeface="+mn-cs"/>
+              </a:defRPr>
+            </a:lvl5pPr>
+            <a:lvl6pPr marL="2286000" indent="0">
+              <a:defRPr sz="1100">
+                <a:solidFill>
+                  <a:schemeClr val="tx1"/>
+                </a:solidFill>
+                <a:latin typeface="+mn-lt"/>
+                <a:ea typeface="+mn-ea"/>
+                <a:cs typeface="+mn-cs"/>
+              </a:defRPr>
+            </a:lvl6pPr>
+            <a:lvl7pPr marL="2743200" indent="0">
+              <a:defRPr sz="1100">
+                <a:solidFill>
+                  <a:schemeClr val="tx1"/>
+                </a:solidFill>
+                <a:latin typeface="+mn-lt"/>
+                <a:ea typeface="+mn-ea"/>
+                <a:cs typeface="+mn-cs"/>
+              </a:defRPr>
+            </a:lvl7pPr>
+            <a:lvl8pPr marL="3200400" indent="0">
+              <a:defRPr sz="1100">
+                <a:solidFill>
+                  <a:schemeClr val="tx1"/>
+                </a:solidFill>
+                <a:latin typeface="+mn-lt"/>
+                <a:ea typeface="+mn-ea"/>
+                <a:cs typeface="+mn-cs"/>
+              </a:defRPr>
+            </a:lvl8pPr>
+            <a:lvl9pPr marL="3657600" indent="0">
+              <a:defRPr sz="1100">
+                <a:solidFill>
+                  <a:schemeClr val="tx1"/>
+                </a:solidFill>
+                <a:latin typeface="+mn-lt"/>
+                <a:ea typeface="+mn-ea"/>
+                <a:cs typeface="+mn-cs"/>
+              </a:defRPr>
+            </a:lvl9pPr>
+          </a:lstStyle>
+          <a:p>
+            <a:r>
+              <a:rPr lang="en-US" altLang="ko-KR" dirty="0"/>
+              <a:t>GAMSERVER_RES_USER_LOGIN</a:t>
+            </a:r>
+            <a:endParaRPr lang="ko-KR" altLang="en-US" sz="1100" dirty="0"/>
+          </a:p>
+        </p:txBody>
+      </p:sp>
+      <p:sp>
+        <p:nvSpPr>
+          <p:cNvPr id="26" name="TextBox 18">
+            <a:extLst>
+              <a:ext uri="{FF2B5EF4-FFF2-40B4-BE49-F238E27FC236}">
+                <a16:creationId xmlns:a16="http://schemas.microsoft.com/office/drawing/2014/main" id="{E81F5DB5-6CAA-40F8-A45F-F5278B3A0789}"/>
+              </a:ext>
+            </a:extLst>
+          </p:cNvPr>
+          <p:cNvSpPr txBox="1"/>
+          <p:nvPr/>
+        </p:nvSpPr>
+        <p:spPr>
+          <a:xfrm>
+            <a:off x="3501432" y="5795184"/>
+            <a:ext cx="2640542" cy="261610"/>
+          </a:xfrm>
+          <a:prstGeom prst="rect">
+            <a:avLst/>
+          </a:prstGeom>
+          <a:noFill/>
+        </p:spPr>
+        <p:style>
+          <a:lnRef idx="0">
+            <a:scrgbClr r="0" g="0" b="0"/>
+          </a:lnRef>
+          <a:fillRef idx="0">
+            <a:scrgbClr r="0" g="0" b="0"/>
+          </a:fillRef>
+          <a:effectRef idx="0">
+            <a:scrgbClr r="0" g="0" b="0"/>
+          </a:effectRef>
+          <a:fontRef idx="minor">
+            <a:schemeClr val="tx1"/>
+          </a:fontRef>
+        </p:style>
+        <p:txBody>
+          <a:bodyPr wrap="square" rtlCol="0" anchor="t">
+            <a:spAutoFit/>
+          </a:bodyPr>
+          <a:lstStyle>
+            <a:lvl1pPr marL="0" indent="0">
+              <a:defRPr sz="1100">
+                <a:solidFill>
+                  <a:schemeClr val="tx1"/>
+                </a:solidFill>
+                <a:latin typeface="+mn-lt"/>
+                <a:ea typeface="+mn-ea"/>
+                <a:cs typeface="+mn-cs"/>
+              </a:defRPr>
+            </a:lvl1pPr>
+            <a:lvl2pPr marL="457200" indent="0">
+              <a:defRPr sz="1100">
+                <a:solidFill>
+                  <a:schemeClr val="tx1"/>
+                </a:solidFill>
+                <a:latin typeface="+mn-lt"/>
+                <a:ea typeface="+mn-ea"/>
+                <a:cs typeface="+mn-cs"/>
+              </a:defRPr>
+            </a:lvl2pPr>
+            <a:lvl3pPr marL="914400" indent="0">
+              <a:defRPr sz="1100">
+                <a:solidFill>
+                  <a:schemeClr val="tx1"/>
+                </a:solidFill>
+                <a:latin typeface="+mn-lt"/>
+                <a:ea typeface="+mn-ea"/>
+                <a:cs typeface="+mn-cs"/>
+              </a:defRPr>
+            </a:lvl3pPr>
+            <a:lvl4pPr marL="1371600" indent="0">
+              <a:defRPr sz="1100">
+                <a:solidFill>
+                  <a:schemeClr val="tx1"/>
+                </a:solidFill>
+                <a:latin typeface="+mn-lt"/>
+                <a:ea typeface="+mn-ea"/>
+                <a:cs typeface="+mn-cs"/>
+              </a:defRPr>
+            </a:lvl4pPr>
+            <a:lvl5pPr marL="1828800" indent="0">
+              <a:defRPr sz="1100">
+                <a:solidFill>
+                  <a:schemeClr val="tx1"/>
+                </a:solidFill>
+                <a:latin typeface="+mn-lt"/>
+                <a:ea typeface="+mn-ea"/>
+                <a:cs typeface="+mn-cs"/>
+              </a:defRPr>
+            </a:lvl5pPr>
+            <a:lvl6pPr marL="2286000" indent="0">
+              <a:defRPr sz="1100">
+                <a:solidFill>
+                  <a:schemeClr val="tx1"/>
+                </a:solidFill>
+                <a:latin typeface="+mn-lt"/>
+                <a:ea typeface="+mn-ea"/>
+                <a:cs typeface="+mn-cs"/>
+              </a:defRPr>
+            </a:lvl6pPr>
+            <a:lvl7pPr marL="2743200" indent="0">
+              <a:defRPr sz="1100">
+                <a:solidFill>
+                  <a:schemeClr val="tx1"/>
+                </a:solidFill>
+                <a:latin typeface="+mn-lt"/>
+                <a:ea typeface="+mn-ea"/>
+                <a:cs typeface="+mn-cs"/>
+              </a:defRPr>
+            </a:lvl7pPr>
+            <a:lvl8pPr marL="3200400" indent="0">
+              <a:defRPr sz="1100">
+                <a:solidFill>
+                  <a:schemeClr val="tx1"/>
+                </a:solidFill>
+                <a:latin typeface="+mn-lt"/>
+                <a:ea typeface="+mn-ea"/>
+                <a:cs typeface="+mn-cs"/>
+              </a:defRPr>
+            </a:lvl8pPr>
+            <a:lvl9pPr marL="3657600" indent="0">
+              <a:defRPr sz="1100">
+                <a:solidFill>
+                  <a:schemeClr val="tx1"/>
+                </a:solidFill>
+                <a:latin typeface="+mn-lt"/>
+                <a:ea typeface="+mn-ea"/>
+                <a:cs typeface="+mn-cs"/>
+              </a:defRPr>
+            </a:lvl9pPr>
+          </a:lstStyle>
+          <a:p>
+            <a:r>
+              <a:rPr lang="en-US" altLang="ko-KR" dirty="0"/>
+              <a:t>GAMSERVER_NTF_USER_LOGOUT</a:t>
+            </a:r>
+            <a:endParaRPr lang="ko-KR" altLang="en-US" sz="1100" dirty="0"/>
+          </a:p>
+        </p:txBody>
+      </p:sp>
+      <p:cxnSp>
+        <p:nvCxnSpPr>
+          <p:cNvPr id="27" name="직선 화살표 연결선 26">
+            <a:extLst>
+              <a:ext uri="{FF2B5EF4-FFF2-40B4-BE49-F238E27FC236}">
+                <a16:creationId xmlns:a16="http://schemas.microsoft.com/office/drawing/2014/main" id="{B55B0275-7ED6-4EF7-833F-9216EDAED66F}"/>
+              </a:ext>
+            </a:extLst>
+          </p:cNvPr>
+          <p:cNvCxnSpPr/>
+          <p:nvPr/>
+        </p:nvCxnSpPr>
+        <p:spPr>
+          <a:xfrm flipH="1" flipV="1">
+            <a:off x="3351050" y="6073250"/>
+            <a:ext cx="2705100" cy="9525"/>
+          </a:xfrm>
+          <a:prstGeom prst="straightConnector1">
+            <a:avLst/>
+          </a:prstGeom>
+          <a:ln w="57150">
+            <a:tailEnd type="triangle"/>
+          </a:ln>
+        </p:spPr>
+        <p:style>
+          <a:lnRef idx="1">
+            <a:schemeClr val="accent1"/>
+          </a:lnRef>
+          <a:fillRef idx="0">
+            <a:schemeClr val="accent1"/>
+          </a:fillRef>
+          <a:effectRef idx="0">
+            <a:schemeClr val="accent1"/>
+          </a:effectRef>
+          <a:fontRef idx="minor">
+            <a:schemeClr val="tx1"/>
+          </a:fontRef>
+        </p:style>
+      </p:cxnSp>
+      <p:sp>
+        <p:nvSpPr>
+          <p:cNvPr id="28" name="직사각형 27">
+            <a:extLst>
+              <a:ext uri="{FF2B5EF4-FFF2-40B4-BE49-F238E27FC236}">
+                <a16:creationId xmlns:a16="http://schemas.microsoft.com/office/drawing/2014/main" id="{5D320F4D-6A83-4E1D-B849-217F7962DF1A}"/>
+              </a:ext>
+            </a:extLst>
+          </p:cNvPr>
+          <p:cNvSpPr/>
+          <p:nvPr/>
+        </p:nvSpPr>
+        <p:spPr>
+          <a:xfrm>
+            <a:off x="6548761" y="5067203"/>
+            <a:ext cx="1806905" cy="261610"/>
+          </a:xfrm>
+          <a:prstGeom prst="rect">
+            <a:avLst/>
+          </a:prstGeom>
+        </p:spPr>
+        <p:txBody>
+          <a:bodyPr wrap="none">
+            <a:spAutoFit/>
+          </a:bodyPr>
+          <a:lstStyle/>
+          <a:p>
+            <a:r>
+              <a:rPr lang="en-US" altLang="ko-KR" sz="1100" dirty="0">
+                <a:solidFill>
+                  <a:srgbClr val="000000"/>
+                </a:solidFill>
+                <a:latin typeface="돋움체" panose="020B0609000101010101" pitchFamily="49" charset="-127"/>
+                <a:ea typeface="돋움체" panose="020B0609000101010101" pitchFamily="49" charset="-127"/>
+              </a:rPr>
+              <a:t>RE_RES_REMOVE_USER_DATA</a:t>
+            </a:r>
+            <a:endParaRPr lang="ko-KR" altLang="en-US" sz="1100" dirty="0"/>
+          </a:p>
+        </p:txBody>
+      </p:sp>
+      <p:sp>
+        <p:nvSpPr>
+          <p:cNvPr id="3" name="TextBox 2">
+            <a:extLst>
+              <a:ext uri="{FF2B5EF4-FFF2-40B4-BE49-F238E27FC236}">
+                <a16:creationId xmlns:a16="http://schemas.microsoft.com/office/drawing/2014/main" id="{A5EAD5C1-29F1-4775-AF7B-8AEBE4003C26}"/>
+              </a:ext>
+            </a:extLst>
+          </p:cNvPr>
+          <p:cNvSpPr txBox="1"/>
+          <p:nvPr/>
+        </p:nvSpPr>
+        <p:spPr>
+          <a:xfrm>
+            <a:off x="9323100" y="3469028"/>
+            <a:ext cx="2343911" cy="2308324"/>
+          </a:xfrm>
+          <a:prstGeom prst="rect">
+            <a:avLst/>
+          </a:prstGeom>
+          <a:noFill/>
+        </p:spPr>
+        <p:txBody>
+          <a:bodyPr wrap="none" rtlCol="0">
+            <a:spAutoFit/>
+          </a:bodyPr>
+          <a:lstStyle/>
+          <a:p>
+            <a:r>
+              <a:rPr lang="ko-KR" altLang="en-US" dirty="0"/>
+              <a:t>로그 아웃을</a:t>
+            </a:r>
+            <a:endParaRPr lang="en-US" altLang="ko-KR" dirty="0"/>
+          </a:p>
+          <a:p>
+            <a:r>
+              <a:rPr lang="ko-KR" altLang="en-US" dirty="0"/>
+              <a:t>요청하면 </a:t>
+            </a:r>
+            <a:r>
+              <a:rPr lang="ko-KR" altLang="en-US" dirty="0" err="1"/>
+              <a:t>레디스에서</a:t>
+            </a:r>
+            <a:endParaRPr lang="en-US" altLang="ko-KR" dirty="0"/>
+          </a:p>
+          <a:p>
+            <a:r>
+              <a:rPr lang="ko-KR" altLang="en-US" dirty="0"/>
+              <a:t>유저 정보를 지우</a:t>
+            </a:r>
+            <a:endParaRPr lang="en-US" altLang="ko-KR" dirty="0"/>
+          </a:p>
+          <a:p>
+            <a:r>
+              <a:rPr lang="ko-KR" altLang="en-US" dirty="0"/>
+              <a:t>도록 하고</a:t>
+            </a:r>
+            <a:endParaRPr lang="en-US" altLang="ko-KR" dirty="0"/>
+          </a:p>
+          <a:p>
+            <a:r>
+              <a:rPr lang="ko-KR" altLang="en-US" dirty="0"/>
+              <a:t>답변을 보내고</a:t>
+            </a:r>
+            <a:endParaRPr lang="en-US" altLang="ko-KR" dirty="0"/>
+          </a:p>
+          <a:p>
+            <a:r>
+              <a:rPr lang="ko-KR" altLang="en-US" dirty="0"/>
+              <a:t>나머지 사람들에게 </a:t>
+            </a:r>
+            <a:endParaRPr lang="en-US" altLang="ko-KR" dirty="0"/>
+          </a:p>
+          <a:p>
+            <a:r>
+              <a:rPr lang="ko-KR" altLang="en-US" dirty="0"/>
+              <a:t>알린다</a:t>
+            </a:r>
+            <a:r>
+              <a:rPr lang="en-US" altLang="ko-KR" dirty="0"/>
+              <a:t>.</a:t>
+            </a:r>
+            <a:r>
+              <a:rPr lang="ko-KR" altLang="en-US" dirty="0"/>
+              <a:t> </a:t>
+            </a:r>
+            <a:endParaRPr lang="en-US" altLang="ko-KR" dirty="0"/>
+          </a:p>
+          <a:p>
+            <a:endParaRPr lang="ko-KR" altLang="en-US" dirty="0"/>
+          </a:p>
+        </p:txBody>
+      </p:sp>
     </p:spTree>
     <p:extLst>
       <p:ext uri="{BB962C8B-B14F-4D97-AF65-F5344CB8AC3E}">
@@ -8416,7 +9025,7 @@
 </p:sld>
 </file>
 
-<file path=ppt/slides/slide15.xml><?xml version="1.0" encoding="utf-8"?>
+<file path=ppt/slides/slide14.xml><?xml version="1.0" encoding="utf-8"?>
 <p:sld xmlns:a="http://schemas.openxmlformats.org/drawingml/2006/main" xmlns:r="http://schemas.openxmlformats.org/officeDocument/2006/relationships" xmlns:p="http://schemas.openxmlformats.org/presentationml/2006/main">
   <p:cSld>
     <p:spTree>
@@ -17147,10 +17756,10 @@
             </a:lstStyle>
             <a:p>
               <a:r>
-                <a:rPr lang="en-US" altLang="ko-KR" sz="1100"/>
+                <a:rPr lang="en-US" altLang="ko-KR" sz="1100" dirty="0"/>
                 <a:t>GAMESEVER_REQ_GAMESERVER_INFO</a:t>
               </a:r>
-              <a:endParaRPr lang="ko-KR" altLang="en-US" sz="1100"/>
+              <a:endParaRPr lang="ko-KR" altLang="en-US" sz="1100" dirty="0"/>
             </a:p>
           </p:txBody>
         </p:sp>
@@ -17288,10 +17897,10 @@
             </a:lstStyle>
             <a:p>
               <a:r>
-                <a:rPr lang="en-US" altLang="ko-KR" sz="1100"/>
+                <a:rPr lang="en-US" altLang="ko-KR" sz="1100" dirty="0"/>
                 <a:t>GAMESEVER_RES_GAMESERVER_INFO</a:t>
               </a:r>
-              <a:endParaRPr lang="ko-KR" altLang="en-US" sz="1100"/>
+              <a:endParaRPr lang="ko-KR" altLang="en-US" sz="1100" dirty="0"/>
             </a:p>
           </p:txBody>
         </p:sp>
@@ -18846,11 +19455,11 @@
             </a:lstStyle>
             <a:p>
               <a:r>
-                <a:rPr lang="en-US" altLang="ko-KR" sz="1100"/>
+                <a:rPr lang="en-US" altLang="ko-KR" sz="1100" dirty="0"/>
                 <a:t>GAMESEVER_REQ_SHIP_</a:t>
               </a:r>
               <a:r>
-                <a:rPr lang="en-US" altLang="ko-KR" sz="1100" b="0" i="0">
+                <a:rPr lang="en-US" altLang="ko-KR" sz="1100" b="0" i="0" dirty="0">
                   <a:solidFill>
                     <a:schemeClr val="tx1"/>
                   </a:solidFill>
@@ -18861,7 +19470,7 @@
                 </a:rPr>
                 <a:t>DEPLOY_INFO</a:t>
               </a:r>
-              <a:endParaRPr lang="ko-KR" altLang="en-US" sz="1100"/>
+              <a:endParaRPr lang="ko-KR" altLang="en-US" sz="1100" dirty="0"/>
             </a:p>
           </p:txBody>
         </p:sp>
@@ -18999,11 +19608,11 @@
             </a:lstStyle>
             <a:p>
               <a:r>
-                <a:rPr lang="en-US" altLang="ko-KR" sz="1100"/>
+                <a:rPr lang="en-US" altLang="ko-KR" sz="1100" dirty="0"/>
                 <a:t>GAMESEVER_RES_SHIP_</a:t>
               </a:r>
               <a:r>
-                <a:rPr lang="en-US" altLang="ko-KR" sz="1100" b="0" i="0">
+                <a:rPr lang="en-US" altLang="ko-KR" sz="1100" b="0" i="0" dirty="0">
                   <a:solidFill>
                     <a:schemeClr val="tx1"/>
                   </a:solidFill>
@@ -19014,7 +19623,7 @@
                 </a:rPr>
                 <a:t>DEPLOY_INFO</a:t>
               </a:r>
-              <a:endParaRPr lang="ko-KR" altLang="en-US" sz="1100"/>
+              <a:endParaRPr lang="ko-KR" altLang="en-US" sz="1100" dirty="0"/>
             </a:p>
           </p:txBody>
         </p:sp>

--- a/시퀀스 다이어 그램.pptx
+++ b/시퀀스 다이어 그램.pptx
@@ -13,11 +13,11 @@
     <p:sldId id="262" r:id="rId7"/>
     <p:sldId id="263" r:id="rId8"/>
     <p:sldId id="264" r:id="rId9"/>
-    <p:sldId id="265" r:id="rId10"/>
-    <p:sldId id="266" r:id="rId11"/>
-    <p:sldId id="270" r:id="rId12"/>
-    <p:sldId id="258" r:id="rId13"/>
-    <p:sldId id="268" r:id="rId14"/>
+    <p:sldId id="268" r:id="rId10"/>
+    <p:sldId id="265" r:id="rId11"/>
+    <p:sldId id="266" r:id="rId12"/>
+    <p:sldId id="270" r:id="rId13"/>
+    <p:sldId id="258" r:id="rId14"/>
     <p:sldId id="269" r:id="rId15"/>
   </p:sldIdLst>
   <p:sldSz cx="12192000" cy="6858000"/>
@@ -276,7 +276,7 @@
           <a:p>
             <a:fld id="{9DE3C8B6-0A1B-4CEC-AFD3-DFB3462955B7}" type="datetimeFigureOut">
               <a:rPr lang="ko-KR" altLang="en-US" smtClean="0"/>
-              <a:t>2017-09-05</a:t>
+              <a:t>2017-09-11</a:t>
             </a:fld>
             <a:endParaRPr lang="ko-KR" altLang="en-US"/>
           </a:p>
@@ -474,7 +474,7 @@
           <a:p>
             <a:fld id="{9DE3C8B6-0A1B-4CEC-AFD3-DFB3462955B7}" type="datetimeFigureOut">
               <a:rPr lang="ko-KR" altLang="en-US" smtClean="0"/>
-              <a:t>2017-09-05</a:t>
+              <a:t>2017-09-11</a:t>
             </a:fld>
             <a:endParaRPr lang="ko-KR" altLang="en-US"/>
           </a:p>
@@ -682,7 +682,7 @@
           <a:p>
             <a:fld id="{9DE3C8B6-0A1B-4CEC-AFD3-DFB3462955B7}" type="datetimeFigureOut">
               <a:rPr lang="ko-KR" altLang="en-US" smtClean="0"/>
-              <a:t>2017-09-05</a:t>
+              <a:t>2017-09-11</a:t>
             </a:fld>
             <a:endParaRPr lang="ko-KR" altLang="en-US"/>
           </a:p>
@@ -880,7 +880,7 @@
           <a:p>
             <a:fld id="{9DE3C8B6-0A1B-4CEC-AFD3-DFB3462955B7}" type="datetimeFigureOut">
               <a:rPr lang="ko-KR" altLang="en-US" smtClean="0"/>
-              <a:t>2017-09-05</a:t>
+              <a:t>2017-09-11</a:t>
             </a:fld>
             <a:endParaRPr lang="ko-KR" altLang="en-US"/>
           </a:p>
@@ -1155,7 +1155,7 @@
           <a:p>
             <a:fld id="{9DE3C8B6-0A1B-4CEC-AFD3-DFB3462955B7}" type="datetimeFigureOut">
               <a:rPr lang="ko-KR" altLang="en-US" smtClean="0"/>
-              <a:t>2017-09-05</a:t>
+              <a:t>2017-09-11</a:t>
             </a:fld>
             <a:endParaRPr lang="ko-KR" altLang="en-US"/>
           </a:p>
@@ -1420,7 +1420,7 @@
           <a:p>
             <a:fld id="{9DE3C8B6-0A1B-4CEC-AFD3-DFB3462955B7}" type="datetimeFigureOut">
               <a:rPr lang="ko-KR" altLang="en-US" smtClean="0"/>
-              <a:t>2017-09-05</a:t>
+              <a:t>2017-09-11</a:t>
             </a:fld>
             <a:endParaRPr lang="ko-KR" altLang="en-US"/>
           </a:p>
@@ -1832,7 +1832,7 @@
           <a:p>
             <a:fld id="{9DE3C8B6-0A1B-4CEC-AFD3-DFB3462955B7}" type="datetimeFigureOut">
               <a:rPr lang="ko-KR" altLang="en-US" smtClean="0"/>
-              <a:t>2017-09-05</a:t>
+              <a:t>2017-09-11</a:t>
             </a:fld>
             <a:endParaRPr lang="ko-KR" altLang="en-US"/>
           </a:p>
@@ -1973,7 +1973,7 @@
           <a:p>
             <a:fld id="{9DE3C8B6-0A1B-4CEC-AFD3-DFB3462955B7}" type="datetimeFigureOut">
               <a:rPr lang="ko-KR" altLang="en-US" smtClean="0"/>
-              <a:t>2017-09-05</a:t>
+              <a:t>2017-09-11</a:t>
             </a:fld>
             <a:endParaRPr lang="ko-KR" altLang="en-US"/>
           </a:p>
@@ -2086,7 +2086,7 @@
           <a:p>
             <a:fld id="{9DE3C8B6-0A1B-4CEC-AFD3-DFB3462955B7}" type="datetimeFigureOut">
               <a:rPr lang="ko-KR" altLang="en-US" smtClean="0"/>
-              <a:t>2017-09-05</a:t>
+              <a:t>2017-09-11</a:t>
             </a:fld>
             <a:endParaRPr lang="ko-KR" altLang="en-US"/>
           </a:p>
@@ -2397,7 +2397,7 @@
           <a:p>
             <a:fld id="{9DE3C8B6-0A1B-4CEC-AFD3-DFB3462955B7}" type="datetimeFigureOut">
               <a:rPr lang="ko-KR" altLang="en-US" smtClean="0"/>
-              <a:t>2017-09-05</a:t>
+              <a:t>2017-09-11</a:t>
             </a:fld>
             <a:endParaRPr lang="ko-KR" altLang="en-US"/>
           </a:p>
@@ -2685,7 +2685,7 @@
           <a:p>
             <a:fld id="{9DE3C8B6-0A1B-4CEC-AFD3-DFB3462955B7}" type="datetimeFigureOut">
               <a:rPr lang="ko-KR" altLang="en-US" smtClean="0"/>
-              <a:t>2017-09-05</a:t>
+              <a:t>2017-09-11</a:t>
             </a:fld>
             <a:endParaRPr lang="ko-KR" altLang="en-US"/>
           </a:p>
@@ -2926,7 +2926,7 @@
           <a:p>
             <a:fld id="{9DE3C8B6-0A1B-4CEC-AFD3-DFB3462955B7}" type="datetimeFigureOut">
               <a:rPr lang="ko-KR" altLang="en-US" smtClean="0"/>
-              <a:t>2017-09-05</a:t>
+              <a:t>2017-09-11</a:t>
             </a:fld>
             <a:endParaRPr lang="ko-KR" altLang="en-US"/>
           </a:p>
@@ -3451,6 +3451,2448 @@
           <a:p>
             <a:r>
               <a:rPr lang="ko-KR" altLang="en-US" dirty="0"/>
+              <a:t>유저 하트비트</a:t>
+            </a:r>
+          </a:p>
+        </p:txBody>
+      </p:sp>
+      <p:grpSp>
+        <p:nvGrpSpPr>
+          <p:cNvPr id="3" name="그룹 2">
+            <a:extLst>
+              <a:ext uri="{FF2B5EF4-FFF2-40B4-BE49-F238E27FC236}">
+                <a16:creationId xmlns:a16="http://schemas.microsoft.com/office/drawing/2014/main" id="{A62670BC-4CED-4AF4-A6A9-E96E7418E50A}"/>
+              </a:ext>
+            </a:extLst>
+          </p:cNvPr>
+          <p:cNvGrpSpPr/>
+          <p:nvPr/>
+        </p:nvGrpSpPr>
+        <p:grpSpPr>
+          <a:xfrm>
+            <a:off x="2686050" y="1338069"/>
+            <a:ext cx="6819900" cy="5019675"/>
+            <a:chOff x="0" y="0"/>
+            <a:chExt cx="6819900" cy="5019675"/>
+          </a:xfrm>
+        </p:grpSpPr>
+        <p:grpSp>
+          <p:nvGrpSpPr>
+            <p:cNvPr id="5" name="그룹 4">
+              <a:extLst>
+                <a:ext uri="{FF2B5EF4-FFF2-40B4-BE49-F238E27FC236}">
+                  <a16:creationId xmlns:a16="http://schemas.microsoft.com/office/drawing/2014/main" id="{D5B32FA4-D39A-44B8-8B6A-4A06D5C06ECC}"/>
+                </a:ext>
+              </a:extLst>
+            </p:cNvPr>
+            <p:cNvGrpSpPr/>
+            <p:nvPr/>
+          </p:nvGrpSpPr>
+          <p:grpSpPr>
+            <a:xfrm>
+              <a:off x="0" y="142875"/>
+              <a:ext cx="1276350" cy="1257300"/>
+              <a:chOff x="0" y="142875"/>
+              <a:chExt cx="1276350" cy="1257300"/>
+            </a:xfrm>
+          </p:grpSpPr>
+          <p:sp>
+            <p:nvSpPr>
+              <p:cNvPr id="17" name="직사각형 16">
+                <a:extLst>
+                  <a:ext uri="{FF2B5EF4-FFF2-40B4-BE49-F238E27FC236}">
+                    <a16:creationId xmlns:a16="http://schemas.microsoft.com/office/drawing/2014/main" id="{529FF828-EB79-4FEB-89B3-ACD2AEFDF0C4}"/>
+                  </a:ext>
+                </a:extLst>
+              </p:cNvPr>
+              <p:cNvSpPr/>
+              <p:nvPr/>
+            </p:nvSpPr>
+            <p:spPr>
+              <a:xfrm>
+                <a:off x="0" y="742950"/>
+                <a:ext cx="1276350" cy="657225"/>
+              </a:xfrm>
+              <a:prstGeom prst="rect">
+                <a:avLst/>
+              </a:prstGeom>
+            </p:spPr>
+            <p:style>
+              <a:lnRef idx="2">
+                <a:schemeClr val="accent1">
+                  <a:shade val="50000"/>
+                </a:schemeClr>
+              </a:lnRef>
+              <a:fillRef idx="1">
+                <a:schemeClr val="accent1"/>
+              </a:fillRef>
+              <a:effectRef idx="0">
+                <a:schemeClr val="accent1"/>
+              </a:effectRef>
+              <a:fontRef idx="minor">
+                <a:schemeClr val="lt1"/>
+              </a:fontRef>
+            </p:style>
+            <p:txBody>
+              <a:bodyPr rot="0" spcFirstLastPara="0" vert="horz" wrap="square" lIns="91440" tIns="45720" rIns="91440" bIns="45720" numCol="1" spcCol="0" rtlCol="0" fromWordArt="0" anchor="t" anchorCtr="0" forceAA="0" compatLnSpc="1">
+                <a:prstTxWarp prst="textNoShape">
+                  <a:avLst/>
+                </a:prstTxWarp>
+                <a:noAutofit/>
+              </a:bodyPr>
+              <a:lstStyle>
+                <a:lvl1pPr marL="0" indent="0">
+                  <a:defRPr sz="1100">
+                    <a:solidFill>
+                      <a:schemeClr val="lt1"/>
+                    </a:solidFill>
+                    <a:latin typeface="+mn-lt"/>
+                    <a:ea typeface="+mn-ea"/>
+                    <a:cs typeface="+mn-cs"/>
+                  </a:defRPr>
+                </a:lvl1pPr>
+                <a:lvl2pPr marL="457200" indent="0">
+                  <a:defRPr sz="1100">
+                    <a:solidFill>
+                      <a:schemeClr val="lt1"/>
+                    </a:solidFill>
+                    <a:latin typeface="+mn-lt"/>
+                    <a:ea typeface="+mn-ea"/>
+                    <a:cs typeface="+mn-cs"/>
+                  </a:defRPr>
+                </a:lvl2pPr>
+                <a:lvl3pPr marL="914400" indent="0">
+                  <a:defRPr sz="1100">
+                    <a:solidFill>
+                      <a:schemeClr val="lt1"/>
+                    </a:solidFill>
+                    <a:latin typeface="+mn-lt"/>
+                    <a:ea typeface="+mn-ea"/>
+                    <a:cs typeface="+mn-cs"/>
+                  </a:defRPr>
+                </a:lvl3pPr>
+                <a:lvl4pPr marL="1371600" indent="0">
+                  <a:defRPr sz="1100">
+                    <a:solidFill>
+                      <a:schemeClr val="lt1"/>
+                    </a:solidFill>
+                    <a:latin typeface="+mn-lt"/>
+                    <a:ea typeface="+mn-ea"/>
+                    <a:cs typeface="+mn-cs"/>
+                  </a:defRPr>
+                </a:lvl4pPr>
+                <a:lvl5pPr marL="1828800" indent="0">
+                  <a:defRPr sz="1100">
+                    <a:solidFill>
+                      <a:schemeClr val="lt1"/>
+                    </a:solidFill>
+                    <a:latin typeface="+mn-lt"/>
+                    <a:ea typeface="+mn-ea"/>
+                    <a:cs typeface="+mn-cs"/>
+                  </a:defRPr>
+                </a:lvl5pPr>
+                <a:lvl6pPr marL="2286000" indent="0">
+                  <a:defRPr sz="1100">
+                    <a:solidFill>
+                      <a:schemeClr val="lt1"/>
+                    </a:solidFill>
+                    <a:latin typeface="+mn-lt"/>
+                    <a:ea typeface="+mn-ea"/>
+                    <a:cs typeface="+mn-cs"/>
+                  </a:defRPr>
+                </a:lvl6pPr>
+                <a:lvl7pPr marL="2743200" indent="0">
+                  <a:defRPr sz="1100">
+                    <a:solidFill>
+                      <a:schemeClr val="lt1"/>
+                    </a:solidFill>
+                    <a:latin typeface="+mn-lt"/>
+                    <a:ea typeface="+mn-ea"/>
+                    <a:cs typeface="+mn-cs"/>
+                  </a:defRPr>
+                </a:lvl7pPr>
+                <a:lvl8pPr marL="3200400" indent="0">
+                  <a:defRPr sz="1100">
+                    <a:solidFill>
+                      <a:schemeClr val="lt1"/>
+                    </a:solidFill>
+                    <a:latin typeface="+mn-lt"/>
+                    <a:ea typeface="+mn-ea"/>
+                    <a:cs typeface="+mn-cs"/>
+                  </a:defRPr>
+                </a:lvl8pPr>
+                <a:lvl9pPr marL="3657600" indent="0">
+                  <a:defRPr sz="1100">
+                    <a:solidFill>
+                      <a:schemeClr val="lt1"/>
+                    </a:solidFill>
+                    <a:latin typeface="+mn-lt"/>
+                    <a:ea typeface="+mn-ea"/>
+                    <a:cs typeface="+mn-cs"/>
+                  </a:defRPr>
+                </a:lvl9pPr>
+              </a:lstStyle>
+              <a:p>
+                <a:pPr algn="ctr"/>
+                <a:r>
+                  <a:rPr lang="en-US" altLang="ko-KR" sz="2800">
+                    <a:solidFill>
+                      <a:srgbClr val="FF0000"/>
+                    </a:solidFill>
+                  </a:rPr>
+                  <a:t>Client</a:t>
+                </a:r>
+                <a:endParaRPr lang="ko-KR" altLang="en-US" sz="2800">
+                  <a:solidFill>
+                    <a:srgbClr val="FF0000"/>
+                  </a:solidFill>
+                </a:endParaRPr>
+              </a:p>
+            </p:txBody>
+          </p:sp>
+          <p:pic>
+            <p:nvPicPr>
+              <p:cNvPr id="18" name="그래픽 15" descr="컴퓨터">
+                <a:extLst>
+                  <a:ext uri="{FF2B5EF4-FFF2-40B4-BE49-F238E27FC236}">
+                    <a16:creationId xmlns:a16="http://schemas.microsoft.com/office/drawing/2014/main" id="{FE25DA95-7371-4CDE-B090-6B3080103E17}"/>
+                  </a:ext>
+                </a:extLst>
+              </p:cNvPr>
+              <p:cNvPicPr>
+                <a:picLocks noChangeAspect="1"/>
+              </p:cNvPicPr>
+              <p:nvPr/>
+            </p:nvPicPr>
+            <p:blipFill>
+              <a:blip r:embed="rId2">
+                <a:extLst>
+                  <a:ext uri="{28A0092B-C50C-407E-A947-70E740481C1C}">
+                    <a14:useLocalDpi xmlns:a14="http://schemas.microsoft.com/office/drawing/2010/main" val="0"/>
+                  </a:ext>
+                  <a:ext uri="{96DAC541-7B7A-43D3-8B79-37D633B846F1}">
+                    <asvg:svgBlip xmlns:asvg="http://schemas.microsoft.com/office/drawing/2016/SVG/main" r:embed="rId3"/>
+                  </a:ext>
+                </a:extLst>
+              </a:blip>
+              <a:stretch>
+                <a:fillRect/>
+              </a:stretch>
+            </p:blipFill>
+            <p:spPr>
+              <a:xfrm>
+                <a:off x="190500" y="142875"/>
+                <a:ext cx="914400" cy="914400"/>
+              </a:xfrm>
+              <a:prstGeom prst="rect">
+                <a:avLst/>
+              </a:prstGeom>
+            </p:spPr>
+          </p:pic>
+        </p:grpSp>
+        <p:grpSp>
+          <p:nvGrpSpPr>
+            <p:cNvPr id="6" name="그룹 5">
+              <a:extLst>
+                <a:ext uri="{FF2B5EF4-FFF2-40B4-BE49-F238E27FC236}">
+                  <a16:creationId xmlns:a16="http://schemas.microsoft.com/office/drawing/2014/main" id="{23FF0D1C-38D5-40AF-BB82-CED22E03A307}"/>
+                </a:ext>
+              </a:extLst>
+            </p:cNvPr>
+            <p:cNvGrpSpPr/>
+            <p:nvPr/>
+          </p:nvGrpSpPr>
+          <p:grpSpPr>
+            <a:xfrm>
+              <a:off x="2714625" y="57150"/>
+              <a:ext cx="1276350" cy="1343025"/>
+              <a:chOff x="2714625" y="57150"/>
+              <a:chExt cx="1276350" cy="1343025"/>
+            </a:xfrm>
+          </p:grpSpPr>
+          <p:sp>
+            <p:nvSpPr>
+              <p:cNvPr id="15" name="직사각형 14">
+                <a:extLst>
+                  <a:ext uri="{FF2B5EF4-FFF2-40B4-BE49-F238E27FC236}">
+                    <a16:creationId xmlns:a16="http://schemas.microsoft.com/office/drawing/2014/main" id="{72C6A8FE-5E53-4D27-A60E-60A316A9A786}"/>
+                  </a:ext>
+                </a:extLst>
+              </p:cNvPr>
+              <p:cNvSpPr/>
+              <p:nvPr/>
+            </p:nvSpPr>
+            <p:spPr>
+              <a:xfrm>
+                <a:off x="2714625" y="742950"/>
+                <a:ext cx="1276350" cy="657225"/>
+              </a:xfrm>
+              <a:prstGeom prst="rect">
+                <a:avLst/>
+              </a:prstGeom>
+            </p:spPr>
+            <p:style>
+              <a:lnRef idx="2">
+                <a:schemeClr val="accent1">
+                  <a:shade val="50000"/>
+                </a:schemeClr>
+              </a:lnRef>
+              <a:fillRef idx="1">
+                <a:schemeClr val="accent1"/>
+              </a:fillRef>
+              <a:effectRef idx="0">
+                <a:schemeClr val="accent1"/>
+              </a:effectRef>
+              <a:fontRef idx="minor">
+                <a:schemeClr val="lt1"/>
+              </a:fontRef>
+            </p:style>
+            <p:txBody>
+              <a:bodyPr rot="0" spcFirstLastPara="0" vert="horz" wrap="square" lIns="91440" tIns="45720" rIns="91440" bIns="45720" numCol="1" spcCol="0" rtlCol="0" fromWordArt="0" anchor="t" anchorCtr="0" forceAA="0" compatLnSpc="1">
+                <a:prstTxWarp prst="textNoShape">
+                  <a:avLst/>
+                </a:prstTxWarp>
+                <a:noAutofit/>
+              </a:bodyPr>
+              <a:lstStyle>
+                <a:lvl1pPr marL="0" indent="0">
+                  <a:defRPr sz="1100">
+                    <a:solidFill>
+                      <a:schemeClr val="lt1"/>
+                    </a:solidFill>
+                    <a:latin typeface="+mn-lt"/>
+                    <a:ea typeface="+mn-ea"/>
+                    <a:cs typeface="+mn-cs"/>
+                  </a:defRPr>
+                </a:lvl1pPr>
+                <a:lvl2pPr marL="457200" indent="0">
+                  <a:defRPr sz="1100">
+                    <a:solidFill>
+                      <a:schemeClr val="lt1"/>
+                    </a:solidFill>
+                    <a:latin typeface="+mn-lt"/>
+                    <a:ea typeface="+mn-ea"/>
+                    <a:cs typeface="+mn-cs"/>
+                  </a:defRPr>
+                </a:lvl2pPr>
+                <a:lvl3pPr marL="914400" indent="0">
+                  <a:defRPr sz="1100">
+                    <a:solidFill>
+                      <a:schemeClr val="lt1"/>
+                    </a:solidFill>
+                    <a:latin typeface="+mn-lt"/>
+                    <a:ea typeface="+mn-ea"/>
+                    <a:cs typeface="+mn-cs"/>
+                  </a:defRPr>
+                </a:lvl3pPr>
+                <a:lvl4pPr marL="1371600" indent="0">
+                  <a:defRPr sz="1100">
+                    <a:solidFill>
+                      <a:schemeClr val="lt1"/>
+                    </a:solidFill>
+                    <a:latin typeface="+mn-lt"/>
+                    <a:ea typeface="+mn-ea"/>
+                    <a:cs typeface="+mn-cs"/>
+                  </a:defRPr>
+                </a:lvl4pPr>
+                <a:lvl5pPr marL="1828800" indent="0">
+                  <a:defRPr sz="1100">
+                    <a:solidFill>
+                      <a:schemeClr val="lt1"/>
+                    </a:solidFill>
+                    <a:latin typeface="+mn-lt"/>
+                    <a:ea typeface="+mn-ea"/>
+                    <a:cs typeface="+mn-cs"/>
+                  </a:defRPr>
+                </a:lvl5pPr>
+                <a:lvl6pPr marL="2286000" indent="0">
+                  <a:defRPr sz="1100">
+                    <a:solidFill>
+                      <a:schemeClr val="lt1"/>
+                    </a:solidFill>
+                    <a:latin typeface="+mn-lt"/>
+                    <a:ea typeface="+mn-ea"/>
+                    <a:cs typeface="+mn-cs"/>
+                  </a:defRPr>
+                </a:lvl6pPr>
+                <a:lvl7pPr marL="2743200" indent="0">
+                  <a:defRPr sz="1100">
+                    <a:solidFill>
+                      <a:schemeClr val="lt1"/>
+                    </a:solidFill>
+                    <a:latin typeface="+mn-lt"/>
+                    <a:ea typeface="+mn-ea"/>
+                    <a:cs typeface="+mn-cs"/>
+                  </a:defRPr>
+                </a:lvl7pPr>
+                <a:lvl8pPr marL="3200400" indent="0">
+                  <a:defRPr sz="1100">
+                    <a:solidFill>
+                      <a:schemeClr val="lt1"/>
+                    </a:solidFill>
+                    <a:latin typeface="+mn-lt"/>
+                    <a:ea typeface="+mn-ea"/>
+                    <a:cs typeface="+mn-cs"/>
+                  </a:defRPr>
+                </a:lvl8pPr>
+                <a:lvl9pPr marL="3657600" indent="0">
+                  <a:defRPr sz="1100">
+                    <a:solidFill>
+                      <a:schemeClr val="lt1"/>
+                    </a:solidFill>
+                    <a:latin typeface="+mn-lt"/>
+                    <a:ea typeface="+mn-ea"/>
+                    <a:cs typeface="+mn-cs"/>
+                  </a:defRPr>
+                </a:lvl9pPr>
+              </a:lstStyle>
+              <a:p>
+                <a:pPr algn="ctr"/>
+                <a:r>
+                  <a:rPr lang="en-US" altLang="ko-KR" sz="1800">
+                    <a:solidFill>
+                      <a:srgbClr val="FF0000"/>
+                    </a:solidFill>
+                  </a:rPr>
+                  <a:t>Game</a:t>
+                </a:r>
+              </a:p>
+              <a:p>
+                <a:pPr algn="ctr"/>
+                <a:r>
+                  <a:rPr lang="en-US" altLang="ko-KR" sz="1800">
+                    <a:solidFill>
+                      <a:srgbClr val="FF0000"/>
+                    </a:solidFill>
+                  </a:rPr>
+                  <a:t>Server</a:t>
+                </a:r>
+                <a:endParaRPr lang="ko-KR" altLang="en-US" sz="1800">
+                  <a:solidFill>
+                    <a:srgbClr val="FF0000"/>
+                  </a:solidFill>
+                </a:endParaRPr>
+              </a:p>
+            </p:txBody>
+          </p:sp>
+          <p:pic>
+            <p:nvPicPr>
+              <p:cNvPr id="16" name="그래픽 13" descr="신문">
+                <a:extLst>
+                  <a:ext uri="{FF2B5EF4-FFF2-40B4-BE49-F238E27FC236}">
+                    <a16:creationId xmlns:a16="http://schemas.microsoft.com/office/drawing/2014/main" id="{2FA6F70E-BD50-4000-8B6B-D524D150F2D4}"/>
+                  </a:ext>
+                </a:extLst>
+              </p:cNvPr>
+              <p:cNvPicPr>
+                <a:picLocks noChangeAspect="1"/>
+              </p:cNvPicPr>
+              <p:nvPr/>
+            </p:nvPicPr>
+            <p:blipFill>
+              <a:blip r:embed="rId4">
+                <a:extLst>
+                  <a:ext uri="{28A0092B-C50C-407E-A947-70E740481C1C}">
+                    <a14:useLocalDpi xmlns:a14="http://schemas.microsoft.com/office/drawing/2010/main" val="0"/>
+                  </a:ext>
+                  <a:ext uri="{96DAC541-7B7A-43D3-8B79-37D633B846F1}">
+                    <asvg:svgBlip xmlns:asvg="http://schemas.microsoft.com/office/drawing/2016/SVG/main" r:embed="rId5"/>
+                  </a:ext>
+                </a:extLst>
+              </a:blip>
+              <a:stretch>
+                <a:fillRect/>
+              </a:stretch>
+            </p:blipFill>
+            <p:spPr>
+              <a:xfrm>
+                <a:off x="2905125" y="57150"/>
+                <a:ext cx="914400" cy="914400"/>
+              </a:xfrm>
+              <a:prstGeom prst="rect">
+                <a:avLst/>
+              </a:prstGeom>
+            </p:spPr>
+          </p:pic>
+        </p:grpSp>
+        <p:sp>
+          <p:nvSpPr>
+            <p:cNvPr id="7" name="직사각형 6">
+              <a:extLst>
+                <a:ext uri="{FF2B5EF4-FFF2-40B4-BE49-F238E27FC236}">
+                  <a16:creationId xmlns:a16="http://schemas.microsoft.com/office/drawing/2014/main" id="{CCFC05C8-9BCB-4687-94B1-507B084F7FFE}"/>
+                </a:ext>
+              </a:extLst>
+            </p:cNvPr>
+            <p:cNvSpPr/>
+            <p:nvPr/>
+          </p:nvSpPr>
+          <p:spPr>
+            <a:xfrm>
+              <a:off x="5476875" y="742950"/>
+              <a:ext cx="1276350" cy="657225"/>
+            </a:xfrm>
+            <a:prstGeom prst="rect">
+              <a:avLst/>
+            </a:prstGeom>
+          </p:spPr>
+          <p:style>
+            <a:lnRef idx="2">
+              <a:schemeClr val="accent1">
+                <a:shade val="50000"/>
+              </a:schemeClr>
+            </a:lnRef>
+            <a:fillRef idx="1">
+              <a:schemeClr val="accent1"/>
+            </a:fillRef>
+            <a:effectRef idx="0">
+              <a:schemeClr val="accent1"/>
+            </a:effectRef>
+            <a:fontRef idx="minor">
+              <a:schemeClr val="lt1"/>
+            </a:fontRef>
+          </p:style>
+          <p:txBody>
+            <a:bodyPr rot="0" spcFirstLastPara="0" vert="horz" wrap="square" lIns="91440" tIns="45720" rIns="91440" bIns="45720" numCol="1" spcCol="0" rtlCol="0" fromWordArt="0" anchor="t" anchorCtr="0" forceAA="0" compatLnSpc="1">
+              <a:prstTxWarp prst="textNoShape">
+                <a:avLst/>
+              </a:prstTxWarp>
+              <a:noAutofit/>
+            </a:bodyPr>
+            <a:lstStyle>
+              <a:lvl1pPr marL="0" indent="0">
+                <a:defRPr sz="1100">
+                  <a:solidFill>
+                    <a:schemeClr val="lt1"/>
+                  </a:solidFill>
+                  <a:latin typeface="+mn-lt"/>
+                  <a:ea typeface="+mn-ea"/>
+                  <a:cs typeface="+mn-cs"/>
+                </a:defRPr>
+              </a:lvl1pPr>
+              <a:lvl2pPr marL="457200" indent="0">
+                <a:defRPr sz="1100">
+                  <a:solidFill>
+                    <a:schemeClr val="lt1"/>
+                  </a:solidFill>
+                  <a:latin typeface="+mn-lt"/>
+                  <a:ea typeface="+mn-ea"/>
+                  <a:cs typeface="+mn-cs"/>
+                </a:defRPr>
+              </a:lvl2pPr>
+              <a:lvl3pPr marL="914400" indent="0">
+                <a:defRPr sz="1100">
+                  <a:solidFill>
+                    <a:schemeClr val="lt1"/>
+                  </a:solidFill>
+                  <a:latin typeface="+mn-lt"/>
+                  <a:ea typeface="+mn-ea"/>
+                  <a:cs typeface="+mn-cs"/>
+                </a:defRPr>
+              </a:lvl3pPr>
+              <a:lvl4pPr marL="1371600" indent="0">
+                <a:defRPr sz="1100">
+                  <a:solidFill>
+                    <a:schemeClr val="lt1"/>
+                  </a:solidFill>
+                  <a:latin typeface="+mn-lt"/>
+                  <a:ea typeface="+mn-ea"/>
+                  <a:cs typeface="+mn-cs"/>
+                </a:defRPr>
+              </a:lvl4pPr>
+              <a:lvl5pPr marL="1828800" indent="0">
+                <a:defRPr sz="1100">
+                  <a:solidFill>
+                    <a:schemeClr val="lt1"/>
+                  </a:solidFill>
+                  <a:latin typeface="+mn-lt"/>
+                  <a:ea typeface="+mn-ea"/>
+                  <a:cs typeface="+mn-cs"/>
+                </a:defRPr>
+              </a:lvl5pPr>
+              <a:lvl6pPr marL="2286000" indent="0">
+                <a:defRPr sz="1100">
+                  <a:solidFill>
+                    <a:schemeClr val="lt1"/>
+                  </a:solidFill>
+                  <a:latin typeface="+mn-lt"/>
+                  <a:ea typeface="+mn-ea"/>
+                  <a:cs typeface="+mn-cs"/>
+                </a:defRPr>
+              </a:lvl6pPr>
+              <a:lvl7pPr marL="2743200" indent="0">
+                <a:defRPr sz="1100">
+                  <a:solidFill>
+                    <a:schemeClr val="lt1"/>
+                  </a:solidFill>
+                  <a:latin typeface="+mn-lt"/>
+                  <a:ea typeface="+mn-ea"/>
+                  <a:cs typeface="+mn-cs"/>
+                </a:defRPr>
+              </a:lvl7pPr>
+              <a:lvl8pPr marL="3200400" indent="0">
+                <a:defRPr sz="1100">
+                  <a:solidFill>
+                    <a:schemeClr val="lt1"/>
+                  </a:solidFill>
+                  <a:latin typeface="+mn-lt"/>
+                  <a:ea typeface="+mn-ea"/>
+                  <a:cs typeface="+mn-cs"/>
+                </a:defRPr>
+              </a:lvl8pPr>
+              <a:lvl9pPr marL="3657600" indent="0">
+                <a:defRPr sz="1100">
+                  <a:solidFill>
+                    <a:schemeClr val="lt1"/>
+                  </a:solidFill>
+                  <a:latin typeface="+mn-lt"/>
+                  <a:ea typeface="+mn-ea"/>
+                  <a:cs typeface="+mn-cs"/>
+                </a:defRPr>
+              </a:lvl9pPr>
+            </a:lstStyle>
+            <a:p>
+              <a:pPr algn="ctr"/>
+              <a:r>
+                <a:rPr lang="en-US" altLang="ko-KR" sz="1800">
+                  <a:solidFill>
+                    <a:srgbClr val="FF0000"/>
+                  </a:solidFill>
+                </a:rPr>
+                <a:t>DB</a:t>
+              </a:r>
+            </a:p>
+            <a:p>
+              <a:pPr algn="ctr"/>
+              <a:r>
+                <a:rPr lang="en-US" altLang="ko-KR" sz="1800">
+                  <a:solidFill>
+                    <a:srgbClr val="FF0000"/>
+                  </a:solidFill>
+                </a:rPr>
+                <a:t>Server</a:t>
+              </a:r>
+              <a:endParaRPr lang="ko-KR" altLang="en-US" sz="1800">
+                <a:solidFill>
+                  <a:srgbClr val="FF0000"/>
+                </a:solidFill>
+              </a:endParaRPr>
+            </a:p>
+          </p:txBody>
+        </p:sp>
+        <p:grpSp>
+          <p:nvGrpSpPr>
+            <p:cNvPr id="8" name="그룹 7">
+              <a:extLst>
+                <a:ext uri="{FF2B5EF4-FFF2-40B4-BE49-F238E27FC236}">
+                  <a16:creationId xmlns:a16="http://schemas.microsoft.com/office/drawing/2014/main" id="{C0FB4DF9-A027-46B0-800C-24C4B535D280}"/>
+                </a:ext>
+              </a:extLst>
+            </p:cNvPr>
+            <p:cNvGrpSpPr/>
+            <p:nvPr/>
+          </p:nvGrpSpPr>
+          <p:grpSpPr>
+            <a:xfrm>
+              <a:off x="5486400" y="0"/>
+              <a:ext cx="1333500" cy="971550"/>
+              <a:chOff x="5486400" y="0"/>
+              <a:chExt cx="1333500" cy="971550"/>
+            </a:xfrm>
+          </p:grpSpPr>
+          <p:pic>
+            <p:nvPicPr>
+              <p:cNvPr id="12" name="그래픽 9" descr="광 디스크">
+                <a:extLst>
+                  <a:ext uri="{FF2B5EF4-FFF2-40B4-BE49-F238E27FC236}">
+                    <a16:creationId xmlns:a16="http://schemas.microsoft.com/office/drawing/2014/main" id="{74E5C2FD-110F-48FF-AE3E-D3F0EF20EFD9}"/>
+                  </a:ext>
+                </a:extLst>
+              </p:cNvPr>
+              <p:cNvPicPr>
+                <a:picLocks noChangeAspect="1"/>
+              </p:cNvPicPr>
+              <p:nvPr/>
+            </p:nvPicPr>
+            <p:blipFill>
+              <a:blip r:embed="rId6">
+                <a:extLst>
+                  <a:ext uri="{28A0092B-C50C-407E-A947-70E740481C1C}">
+                    <a14:useLocalDpi xmlns:a14="http://schemas.microsoft.com/office/drawing/2010/main" val="0"/>
+                  </a:ext>
+                  <a:ext uri="{96DAC541-7B7A-43D3-8B79-37D633B846F1}">
+                    <asvg:svgBlip xmlns:asvg="http://schemas.microsoft.com/office/drawing/2016/SVG/main" r:embed="rId7"/>
+                  </a:ext>
+                </a:extLst>
+              </a:blip>
+              <a:stretch>
+                <a:fillRect/>
+              </a:stretch>
+            </p:blipFill>
+            <p:spPr>
+              <a:xfrm>
+                <a:off x="5695950" y="0"/>
+                <a:ext cx="914400" cy="914400"/>
+              </a:xfrm>
+              <a:prstGeom prst="rect">
+                <a:avLst/>
+              </a:prstGeom>
+            </p:spPr>
+          </p:pic>
+          <p:pic>
+            <p:nvPicPr>
+              <p:cNvPr id="13" name="그래픽 10" descr="광 디스크">
+                <a:extLst>
+                  <a:ext uri="{FF2B5EF4-FFF2-40B4-BE49-F238E27FC236}">
+                    <a16:creationId xmlns:a16="http://schemas.microsoft.com/office/drawing/2014/main" id="{1A89A3B0-059A-47CC-96C6-28AEE207F976}"/>
+                  </a:ext>
+                </a:extLst>
+              </p:cNvPr>
+              <p:cNvPicPr>
+                <a:picLocks noChangeAspect="1"/>
+              </p:cNvPicPr>
+              <p:nvPr/>
+            </p:nvPicPr>
+            <p:blipFill>
+              <a:blip r:embed="rId8">
+                <a:extLst>
+                  <a:ext uri="{28A0092B-C50C-407E-A947-70E740481C1C}">
+                    <a14:useLocalDpi xmlns:a14="http://schemas.microsoft.com/office/drawing/2010/main" val="0"/>
+                  </a:ext>
+                  <a:ext uri="{96DAC541-7B7A-43D3-8B79-37D633B846F1}">
+                    <asvg:svgBlip xmlns:asvg="http://schemas.microsoft.com/office/drawing/2016/SVG/main" r:embed="rId9"/>
+                  </a:ext>
+                </a:extLst>
+              </a:blip>
+              <a:stretch>
+                <a:fillRect/>
+              </a:stretch>
+            </p:blipFill>
+            <p:spPr>
+              <a:xfrm>
+                <a:off x="5486400" y="342900"/>
+                <a:ext cx="533400" cy="533400"/>
+              </a:xfrm>
+              <a:prstGeom prst="rect">
+                <a:avLst/>
+              </a:prstGeom>
+            </p:spPr>
+          </p:pic>
+          <p:pic>
+            <p:nvPicPr>
+              <p:cNvPr id="14" name="그래픽 11" descr="광 디스크">
+                <a:extLst>
+                  <a:ext uri="{FF2B5EF4-FFF2-40B4-BE49-F238E27FC236}">
+                    <a16:creationId xmlns:a16="http://schemas.microsoft.com/office/drawing/2014/main" id="{F889EC4F-9DAA-4708-9736-38A91D50C83B}"/>
+                  </a:ext>
+                </a:extLst>
+              </p:cNvPr>
+              <p:cNvPicPr>
+                <a:picLocks noChangeAspect="1"/>
+              </p:cNvPicPr>
+              <p:nvPr/>
+            </p:nvPicPr>
+            <p:blipFill>
+              <a:blip r:embed="rId10">
+                <a:extLst>
+                  <a:ext uri="{28A0092B-C50C-407E-A947-70E740481C1C}">
+                    <a14:useLocalDpi xmlns:a14="http://schemas.microsoft.com/office/drawing/2010/main" val="0"/>
+                  </a:ext>
+                  <a:ext uri="{96DAC541-7B7A-43D3-8B79-37D633B846F1}">
+                    <asvg:svgBlip xmlns:asvg="http://schemas.microsoft.com/office/drawing/2016/SVG/main" r:embed="rId11"/>
+                  </a:ext>
+                </a:extLst>
+              </a:blip>
+              <a:stretch>
+                <a:fillRect/>
+              </a:stretch>
+            </p:blipFill>
+            <p:spPr>
+              <a:xfrm>
+                <a:off x="6038850" y="190500"/>
+                <a:ext cx="781050" cy="781050"/>
+              </a:xfrm>
+              <a:prstGeom prst="rect">
+                <a:avLst/>
+              </a:prstGeom>
+            </p:spPr>
+          </p:pic>
+        </p:grpSp>
+        <p:cxnSp>
+          <p:nvCxnSpPr>
+            <p:cNvPr id="9" name="직선 연결선 8">
+              <a:extLst>
+                <a:ext uri="{FF2B5EF4-FFF2-40B4-BE49-F238E27FC236}">
+                  <a16:creationId xmlns:a16="http://schemas.microsoft.com/office/drawing/2014/main" id="{96CDBCCC-AEAB-41A4-A864-1C372F384ACB}"/>
+                </a:ext>
+              </a:extLst>
+            </p:cNvPr>
+            <p:cNvCxnSpPr/>
+            <p:nvPr/>
+          </p:nvCxnSpPr>
+          <p:spPr>
+            <a:xfrm flipH="1">
+              <a:off x="628650" y="1409700"/>
+              <a:ext cx="9525" cy="3609975"/>
+            </a:xfrm>
+            <a:prstGeom prst="line">
+              <a:avLst/>
+            </a:prstGeom>
+            <a:ln w="57150"/>
+          </p:spPr>
+          <p:style>
+            <a:lnRef idx="1">
+              <a:schemeClr val="dk1"/>
+            </a:lnRef>
+            <a:fillRef idx="0">
+              <a:schemeClr val="dk1"/>
+            </a:fillRef>
+            <a:effectRef idx="0">
+              <a:schemeClr val="dk1"/>
+            </a:effectRef>
+            <a:fontRef idx="minor">
+              <a:schemeClr val="tx1"/>
+            </a:fontRef>
+          </p:style>
+        </p:cxnSp>
+        <p:cxnSp>
+          <p:nvCxnSpPr>
+            <p:cNvPr id="10" name="직선 연결선 9">
+              <a:extLst>
+                <a:ext uri="{FF2B5EF4-FFF2-40B4-BE49-F238E27FC236}">
+                  <a16:creationId xmlns:a16="http://schemas.microsoft.com/office/drawing/2014/main" id="{DD11354D-21CA-4544-B31D-FFDDAED6A462}"/>
+                </a:ext>
+              </a:extLst>
+            </p:cNvPr>
+            <p:cNvCxnSpPr/>
+            <p:nvPr/>
+          </p:nvCxnSpPr>
+          <p:spPr>
+            <a:xfrm flipH="1">
+              <a:off x="3362325" y="1400175"/>
+              <a:ext cx="9525" cy="3609975"/>
+            </a:xfrm>
+            <a:prstGeom prst="line">
+              <a:avLst/>
+            </a:prstGeom>
+            <a:ln w="57150"/>
+          </p:spPr>
+          <p:style>
+            <a:lnRef idx="1">
+              <a:schemeClr val="dk1"/>
+            </a:lnRef>
+            <a:fillRef idx="0">
+              <a:schemeClr val="dk1"/>
+            </a:fillRef>
+            <a:effectRef idx="0">
+              <a:schemeClr val="dk1"/>
+            </a:effectRef>
+            <a:fontRef idx="minor">
+              <a:schemeClr val="tx1"/>
+            </a:fontRef>
+          </p:style>
+        </p:cxnSp>
+        <p:cxnSp>
+          <p:nvCxnSpPr>
+            <p:cNvPr id="11" name="직선 연결선 10">
+              <a:extLst>
+                <a:ext uri="{FF2B5EF4-FFF2-40B4-BE49-F238E27FC236}">
+                  <a16:creationId xmlns:a16="http://schemas.microsoft.com/office/drawing/2014/main" id="{B1BFE08C-A1EA-4149-A771-9AE2B0AC3C27}"/>
+                </a:ext>
+              </a:extLst>
+            </p:cNvPr>
+            <p:cNvCxnSpPr/>
+            <p:nvPr/>
+          </p:nvCxnSpPr>
+          <p:spPr>
+            <a:xfrm flipH="1">
+              <a:off x="6086475" y="1409700"/>
+              <a:ext cx="9525" cy="3609975"/>
+            </a:xfrm>
+            <a:prstGeom prst="line">
+              <a:avLst/>
+            </a:prstGeom>
+            <a:ln w="57150"/>
+          </p:spPr>
+          <p:style>
+            <a:lnRef idx="1">
+              <a:schemeClr val="dk1"/>
+            </a:lnRef>
+            <a:fillRef idx="0">
+              <a:schemeClr val="dk1"/>
+            </a:fillRef>
+            <a:effectRef idx="0">
+              <a:schemeClr val="dk1"/>
+            </a:effectRef>
+            <a:fontRef idx="minor">
+              <a:schemeClr val="tx1"/>
+            </a:fontRef>
+          </p:style>
+        </p:cxnSp>
+      </p:grpSp>
+      <p:cxnSp>
+        <p:nvCxnSpPr>
+          <p:cNvPr id="4" name="직선 화살표 연결선 3">
+            <a:extLst>
+              <a:ext uri="{FF2B5EF4-FFF2-40B4-BE49-F238E27FC236}">
+                <a16:creationId xmlns:a16="http://schemas.microsoft.com/office/drawing/2014/main" id="{A50D7E0E-6BBF-4995-80E3-D3822E8E4DFA}"/>
+              </a:ext>
+            </a:extLst>
+          </p:cNvPr>
+          <p:cNvCxnSpPr/>
+          <p:nvPr/>
+        </p:nvCxnSpPr>
+        <p:spPr>
+          <a:xfrm>
+            <a:off x="3314700" y="3452619"/>
+            <a:ext cx="2743200" cy="0"/>
+          </a:xfrm>
+          <a:prstGeom prst="straightConnector1">
+            <a:avLst/>
+          </a:prstGeom>
+          <a:ln w="57150">
+            <a:tailEnd type="triangle"/>
+          </a:ln>
+        </p:spPr>
+        <p:style>
+          <a:lnRef idx="1">
+            <a:schemeClr val="accent1"/>
+          </a:lnRef>
+          <a:fillRef idx="0">
+            <a:schemeClr val="accent1"/>
+          </a:fillRef>
+          <a:effectRef idx="0">
+            <a:schemeClr val="accent1"/>
+          </a:effectRef>
+          <a:fontRef idx="minor">
+            <a:schemeClr val="tx1"/>
+          </a:fontRef>
+        </p:style>
+      </p:cxnSp>
+      <p:cxnSp>
+        <p:nvCxnSpPr>
+          <p:cNvPr id="19" name="직선 화살표 연결선 18">
+            <a:extLst>
+              <a:ext uri="{FF2B5EF4-FFF2-40B4-BE49-F238E27FC236}">
+                <a16:creationId xmlns:a16="http://schemas.microsoft.com/office/drawing/2014/main" id="{172AB9AE-8AE6-49E1-A747-8FBABF50A77C}"/>
+              </a:ext>
+            </a:extLst>
+          </p:cNvPr>
+          <p:cNvCxnSpPr/>
+          <p:nvPr/>
+        </p:nvCxnSpPr>
+        <p:spPr>
+          <a:xfrm flipH="1" flipV="1">
+            <a:off x="8382000" y="359304"/>
+            <a:ext cx="2705100" cy="9525"/>
+          </a:xfrm>
+          <a:prstGeom prst="straightConnector1">
+            <a:avLst/>
+          </a:prstGeom>
+          <a:ln w="57150">
+            <a:tailEnd type="triangle"/>
+          </a:ln>
+        </p:spPr>
+        <p:style>
+          <a:lnRef idx="1">
+            <a:schemeClr val="accent1"/>
+          </a:lnRef>
+          <a:fillRef idx="0">
+            <a:schemeClr val="accent1"/>
+          </a:fillRef>
+          <a:effectRef idx="0">
+            <a:schemeClr val="accent1"/>
+          </a:effectRef>
+          <a:fontRef idx="minor">
+            <a:schemeClr val="tx1"/>
+          </a:fontRef>
+        </p:style>
+      </p:cxnSp>
+      <p:cxnSp>
+        <p:nvCxnSpPr>
+          <p:cNvPr id="20" name="직선 화살표 연결선 19">
+            <a:extLst>
+              <a:ext uri="{FF2B5EF4-FFF2-40B4-BE49-F238E27FC236}">
+                <a16:creationId xmlns:a16="http://schemas.microsoft.com/office/drawing/2014/main" id="{4D175E8A-B71E-4547-943B-536D48C3FB55}"/>
+              </a:ext>
+            </a:extLst>
+          </p:cNvPr>
+          <p:cNvCxnSpPr/>
+          <p:nvPr/>
+        </p:nvCxnSpPr>
+        <p:spPr>
+          <a:xfrm>
+            <a:off x="8420100" y="826029"/>
+            <a:ext cx="2743200" cy="0"/>
+          </a:xfrm>
+          <a:prstGeom prst="straightConnector1">
+            <a:avLst/>
+          </a:prstGeom>
+          <a:ln w="57150">
+            <a:tailEnd type="triangle"/>
+          </a:ln>
+        </p:spPr>
+        <p:style>
+          <a:lnRef idx="1">
+            <a:schemeClr val="accent1"/>
+          </a:lnRef>
+          <a:fillRef idx="0">
+            <a:schemeClr val="accent1"/>
+          </a:fillRef>
+          <a:effectRef idx="0">
+            <a:schemeClr val="accent1"/>
+          </a:effectRef>
+          <a:fontRef idx="minor">
+            <a:schemeClr val="tx1"/>
+          </a:fontRef>
+        </p:style>
+      </p:cxnSp>
+      <p:cxnSp>
+        <p:nvCxnSpPr>
+          <p:cNvPr id="21" name="직선 화살표 연결선 20">
+            <a:extLst>
+              <a:ext uri="{FF2B5EF4-FFF2-40B4-BE49-F238E27FC236}">
+                <a16:creationId xmlns:a16="http://schemas.microsoft.com/office/drawing/2014/main" id="{28D46297-86C8-42F7-A8ED-186A13F6A58D}"/>
+              </a:ext>
+            </a:extLst>
+          </p:cNvPr>
+          <p:cNvCxnSpPr/>
+          <p:nvPr/>
+        </p:nvCxnSpPr>
+        <p:spPr>
+          <a:xfrm flipH="1" flipV="1">
+            <a:off x="3314700" y="5092170"/>
+            <a:ext cx="2705100" cy="9525"/>
+          </a:xfrm>
+          <a:prstGeom prst="straightConnector1">
+            <a:avLst/>
+          </a:prstGeom>
+          <a:ln w="57150">
+            <a:tailEnd type="triangle"/>
+          </a:ln>
+        </p:spPr>
+        <p:style>
+          <a:lnRef idx="1">
+            <a:schemeClr val="accent1"/>
+          </a:lnRef>
+          <a:fillRef idx="0">
+            <a:schemeClr val="accent1"/>
+          </a:fillRef>
+          <a:effectRef idx="0">
+            <a:schemeClr val="accent1"/>
+          </a:effectRef>
+          <a:fontRef idx="minor">
+            <a:schemeClr val="tx1"/>
+          </a:fontRef>
+        </p:style>
+      </p:cxnSp>
+      <p:grpSp>
+        <p:nvGrpSpPr>
+          <p:cNvPr id="22" name="그룹 21">
+            <a:extLst>
+              <a:ext uri="{FF2B5EF4-FFF2-40B4-BE49-F238E27FC236}">
+                <a16:creationId xmlns:a16="http://schemas.microsoft.com/office/drawing/2014/main" id="{D4F9892D-3CE4-4876-983B-B44AB8FD8A52}"/>
+              </a:ext>
+            </a:extLst>
+          </p:cNvPr>
+          <p:cNvGrpSpPr/>
+          <p:nvPr/>
+        </p:nvGrpSpPr>
+        <p:grpSpPr>
+          <a:xfrm>
+            <a:off x="6057900" y="3371046"/>
+            <a:ext cx="2752606" cy="686410"/>
+            <a:chOff x="5865291" y="3332761"/>
+            <a:chExt cx="2752606" cy="686410"/>
+          </a:xfrm>
+        </p:grpSpPr>
+        <p:cxnSp>
+          <p:nvCxnSpPr>
+            <p:cNvPr id="23" name="직선 화살표 연결선 22">
+              <a:extLst>
+                <a:ext uri="{FF2B5EF4-FFF2-40B4-BE49-F238E27FC236}">
+                  <a16:creationId xmlns:a16="http://schemas.microsoft.com/office/drawing/2014/main" id="{3476F708-4756-473A-8AAC-A36066BBFE03}"/>
+                </a:ext>
+              </a:extLst>
+            </p:cNvPr>
+            <p:cNvCxnSpPr/>
+            <p:nvPr/>
+          </p:nvCxnSpPr>
+          <p:spPr>
+            <a:xfrm>
+              <a:off x="5874697" y="3610850"/>
+              <a:ext cx="2743200" cy="0"/>
+            </a:xfrm>
+            <a:prstGeom prst="straightConnector1">
+              <a:avLst/>
+            </a:prstGeom>
+            <a:ln w="57150">
+              <a:solidFill>
+                <a:schemeClr val="accent1"/>
+              </a:solidFill>
+              <a:tailEnd type="triangle"/>
+            </a:ln>
+          </p:spPr>
+          <p:style>
+            <a:lnRef idx="1">
+              <a:schemeClr val="accent1"/>
+            </a:lnRef>
+            <a:fillRef idx="0">
+              <a:schemeClr val="accent1"/>
+            </a:fillRef>
+            <a:effectRef idx="0">
+              <a:schemeClr val="accent1"/>
+            </a:effectRef>
+            <a:fontRef idx="minor">
+              <a:schemeClr val="tx1"/>
+            </a:fontRef>
+          </p:style>
+        </p:cxnSp>
+        <p:cxnSp>
+          <p:nvCxnSpPr>
+            <p:cNvPr id="24" name="직선 화살표 연결선 23">
+              <a:extLst>
+                <a:ext uri="{FF2B5EF4-FFF2-40B4-BE49-F238E27FC236}">
+                  <a16:creationId xmlns:a16="http://schemas.microsoft.com/office/drawing/2014/main" id="{765E8AA5-0797-486D-B46D-3C4447513EEC}"/>
+                </a:ext>
+              </a:extLst>
+            </p:cNvPr>
+            <p:cNvCxnSpPr/>
+            <p:nvPr/>
+          </p:nvCxnSpPr>
+          <p:spPr>
+            <a:xfrm flipH="1" flipV="1">
+              <a:off x="5865291" y="4009646"/>
+              <a:ext cx="2705100" cy="9525"/>
+            </a:xfrm>
+            <a:prstGeom prst="straightConnector1">
+              <a:avLst/>
+            </a:prstGeom>
+            <a:ln w="57150">
+              <a:solidFill>
+                <a:schemeClr val="accent1"/>
+              </a:solidFill>
+              <a:tailEnd type="triangle"/>
+            </a:ln>
+          </p:spPr>
+          <p:style>
+            <a:lnRef idx="1">
+              <a:schemeClr val="accent1"/>
+            </a:lnRef>
+            <a:fillRef idx="0">
+              <a:schemeClr val="accent1"/>
+            </a:fillRef>
+            <a:effectRef idx="0">
+              <a:schemeClr val="accent1"/>
+            </a:effectRef>
+            <a:fontRef idx="minor">
+              <a:schemeClr val="tx1"/>
+            </a:fontRef>
+          </p:style>
+        </p:cxnSp>
+        <p:sp>
+          <p:nvSpPr>
+            <p:cNvPr id="25" name="TextBox 18">
+              <a:extLst>
+                <a:ext uri="{FF2B5EF4-FFF2-40B4-BE49-F238E27FC236}">
+                  <a16:creationId xmlns:a16="http://schemas.microsoft.com/office/drawing/2014/main" id="{8E4D0F62-8051-4F7F-817C-D22BBE1F6924}"/>
+                </a:ext>
+              </a:extLst>
+            </p:cNvPr>
+            <p:cNvSpPr txBox="1"/>
+            <p:nvPr/>
+          </p:nvSpPr>
+          <p:spPr>
+            <a:xfrm>
+              <a:off x="6179497" y="3332761"/>
+              <a:ext cx="2086364" cy="261610"/>
+            </a:xfrm>
+            <a:prstGeom prst="rect">
+              <a:avLst/>
+            </a:prstGeom>
+            <a:noFill/>
+          </p:spPr>
+          <p:style>
+            <a:lnRef idx="0">
+              <a:scrgbClr r="0" g="0" b="0"/>
+            </a:lnRef>
+            <a:fillRef idx="0">
+              <a:scrgbClr r="0" g="0" b="0"/>
+            </a:fillRef>
+            <a:effectRef idx="0">
+              <a:scrgbClr r="0" g="0" b="0"/>
+            </a:effectRef>
+            <a:fontRef idx="minor">
+              <a:schemeClr val="tx1"/>
+            </a:fontRef>
+          </p:style>
+          <p:txBody>
+            <a:bodyPr wrap="square" rtlCol="0" anchor="t">
+              <a:spAutoFit/>
+            </a:bodyPr>
+            <a:lstStyle>
+              <a:lvl1pPr marL="0" indent="0">
+                <a:defRPr sz="1100">
+                  <a:solidFill>
+                    <a:schemeClr val="tx1"/>
+                  </a:solidFill>
+                  <a:latin typeface="+mn-lt"/>
+                  <a:ea typeface="+mn-ea"/>
+                  <a:cs typeface="+mn-cs"/>
+                </a:defRPr>
+              </a:lvl1pPr>
+              <a:lvl2pPr marL="457200" indent="0">
+                <a:defRPr sz="1100">
+                  <a:solidFill>
+                    <a:schemeClr val="tx1"/>
+                  </a:solidFill>
+                  <a:latin typeface="+mn-lt"/>
+                  <a:ea typeface="+mn-ea"/>
+                  <a:cs typeface="+mn-cs"/>
+                </a:defRPr>
+              </a:lvl2pPr>
+              <a:lvl3pPr marL="914400" indent="0">
+                <a:defRPr sz="1100">
+                  <a:solidFill>
+                    <a:schemeClr val="tx1"/>
+                  </a:solidFill>
+                  <a:latin typeface="+mn-lt"/>
+                  <a:ea typeface="+mn-ea"/>
+                  <a:cs typeface="+mn-cs"/>
+                </a:defRPr>
+              </a:lvl3pPr>
+              <a:lvl4pPr marL="1371600" indent="0">
+                <a:defRPr sz="1100">
+                  <a:solidFill>
+                    <a:schemeClr val="tx1"/>
+                  </a:solidFill>
+                  <a:latin typeface="+mn-lt"/>
+                  <a:ea typeface="+mn-ea"/>
+                  <a:cs typeface="+mn-cs"/>
+                </a:defRPr>
+              </a:lvl4pPr>
+              <a:lvl5pPr marL="1828800" indent="0">
+                <a:defRPr sz="1100">
+                  <a:solidFill>
+                    <a:schemeClr val="tx1"/>
+                  </a:solidFill>
+                  <a:latin typeface="+mn-lt"/>
+                  <a:ea typeface="+mn-ea"/>
+                  <a:cs typeface="+mn-cs"/>
+                </a:defRPr>
+              </a:lvl5pPr>
+              <a:lvl6pPr marL="2286000" indent="0">
+                <a:defRPr sz="1100">
+                  <a:solidFill>
+                    <a:schemeClr val="tx1"/>
+                  </a:solidFill>
+                  <a:latin typeface="+mn-lt"/>
+                  <a:ea typeface="+mn-ea"/>
+                  <a:cs typeface="+mn-cs"/>
+                </a:defRPr>
+              </a:lvl6pPr>
+              <a:lvl7pPr marL="2743200" indent="0">
+                <a:defRPr sz="1100">
+                  <a:solidFill>
+                    <a:schemeClr val="tx1"/>
+                  </a:solidFill>
+                  <a:latin typeface="+mn-lt"/>
+                  <a:ea typeface="+mn-ea"/>
+                  <a:cs typeface="+mn-cs"/>
+                </a:defRPr>
+              </a:lvl7pPr>
+              <a:lvl8pPr marL="3200400" indent="0">
+                <a:defRPr sz="1100">
+                  <a:solidFill>
+                    <a:schemeClr val="tx1"/>
+                  </a:solidFill>
+                  <a:latin typeface="+mn-lt"/>
+                  <a:ea typeface="+mn-ea"/>
+                  <a:cs typeface="+mn-cs"/>
+                </a:defRPr>
+              </a:lvl8pPr>
+              <a:lvl9pPr marL="3657600" indent="0">
+                <a:defRPr sz="1100">
+                  <a:solidFill>
+                    <a:schemeClr val="tx1"/>
+                  </a:solidFill>
+                  <a:latin typeface="+mn-lt"/>
+                  <a:ea typeface="+mn-ea"/>
+                  <a:cs typeface="+mn-cs"/>
+                </a:defRPr>
+              </a:lvl9pPr>
+            </a:lstStyle>
+            <a:p>
+              <a:r>
+                <a:rPr lang="en-US" altLang="ko-KR" dirty="0"/>
+                <a:t>RE_REQ_GET_USER_ AUTH</a:t>
+              </a:r>
+              <a:endParaRPr lang="ko-KR" altLang="en-US" sz="1100" dirty="0"/>
+            </a:p>
+          </p:txBody>
+        </p:sp>
+        <p:sp>
+          <p:nvSpPr>
+            <p:cNvPr id="26" name="TextBox 18">
+              <a:extLst>
+                <a:ext uri="{FF2B5EF4-FFF2-40B4-BE49-F238E27FC236}">
+                  <a16:creationId xmlns:a16="http://schemas.microsoft.com/office/drawing/2014/main" id="{039B4C18-4A09-4FCC-9B03-7E4C9F1CF6D9}"/>
+                </a:ext>
+              </a:extLst>
+            </p:cNvPr>
+            <p:cNvSpPr txBox="1"/>
+            <p:nvPr/>
+          </p:nvSpPr>
+          <p:spPr>
+            <a:xfrm>
+              <a:off x="6202347" y="3695523"/>
+              <a:ext cx="1824538" cy="261610"/>
+            </a:xfrm>
+            <a:prstGeom prst="rect">
+              <a:avLst/>
+            </a:prstGeom>
+            <a:noFill/>
+          </p:spPr>
+          <p:style>
+            <a:lnRef idx="0">
+              <a:scrgbClr r="0" g="0" b="0"/>
+            </a:lnRef>
+            <a:fillRef idx="0">
+              <a:scrgbClr r="0" g="0" b="0"/>
+            </a:fillRef>
+            <a:effectRef idx="0">
+              <a:scrgbClr r="0" g="0" b="0"/>
+            </a:effectRef>
+            <a:fontRef idx="minor">
+              <a:schemeClr val="tx1"/>
+            </a:fontRef>
+          </p:style>
+          <p:txBody>
+            <a:bodyPr wrap="none" rtlCol="0" anchor="t">
+              <a:spAutoFit/>
+            </a:bodyPr>
+            <a:lstStyle>
+              <a:lvl1pPr marL="0" indent="0">
+                <a:defRPr sz="1100">
+                  <a:solidFill>
+                    <a:schemeClr val="tx1"/>
+                  </a:solidFill>
+                  <a:latin typeface="+mn-lt"/>
+                  <a:ea typeface="+mn-ea"/>
+                  <a:cs typeface="+mn-cs"/>
+                </a:defRPr>
+              </a:lvl1pPr>
+              <a:lvl2pPr marL="457200" indent="0">
+                <a:defRPr sz="1100">
+                  <a:solidFill>
+                    <a:schemeClr val="tx1"/>
+                  </a:solidFill>
+                  <a:latin typeface="+mn-lt"/>
+                  <a:ea typeface="+mn-ea"/>
+                  <a:cs typeface="+mn-cs"/>
+                </a:defRPr>
+              </a:lvl2pPr>
+              <a:lvl3pPr marL="914400" indent="0">
+                <a:defRPr sz="1100">
+                  <a:solidFill>
+                    <a:schemeClr val="tx1"/>
+                  </a:solidFill>
+                  <a:latin typeface="+mn-lt"/>
+                  <a:ea typeface="+mn-ea"/>
+                  <a:cs typeface="+mn-cs"/>
+                </a:defRPr>
+              </a:lvl3pPr>
+              <a:lvl4pPr marL="1371600" indent="0">
+                <a:defRPr sz="1100">
+                  <a:solidFill>
+                    <a:schemeClr val="tx1"/>
+                  </a:solidFill>
+                  <a:latin typeface="+mn-lt"/>
+                  <a:ea typeface="+mn-ea"/>
+                  <a:cs typeface="+mn-cs"/>
+                </a:defRPr>
+              </a:lvl4pPr>
+              <a:lvl5pPr marL="1828800" indent="0">
+                <a:defRPr sz="1100">
+                  <a:solidFill>
+                    <a:schemeClr val="tx1"/>
+                  </a:solidFill>
+                  <a:latin typeface="+mn-lt"/>
+                  <a:ea typeface="+mn-ea"/>
+                  <a:cs typeface="+mn-cs"/>
+                </a:defRPr>
+              </a:lvl5pPr>
+              <a:lvl6pPr marL="2286000" indent="0">
+                <a:defRPr sz="1100">
+                  <a:solidFill>
+                    <a:schemeClr val="tx1"/>
+                  </a:solidFill>
+                  <a:latin typeface="+mn-lt"/>
+                  <a:ea typeface="+mn-ea"/>
+                  <a:cs typeface="+mn-cs"/>
+                </a:defRPr>
+              </a:lvl6pPr>
+              <a:lvl7pPr marL="2743200" indent="0">
+                <a:defRPr sz="1100">
+                  <a:solidFill>
+                    <a:schemeClr val="tx1"/>
+                  </a:solidFill>
+                  <a:latin typeface="+mn-lt"/>
+                  <a:ea typeface="+mn-ea"/>
+                  <a:cs typeface="+mn-cs"/>
+                </a:defRPr>
+              </a:lvl7pPr>
+              <a:lvl8pPr marL="3200400" indent="0">
+                <a:defRPr sz="1100">
+                  <a:solidFill>
+                    <a:schemeClr val="tx1"/>
+                  </a:solidFill>
+                  <a:latin typeface="+mn-lt"/>
+                  <a:ea typeface="+mn-ea"/>
+                  <a:cs typeface="+mn-cs"/>
+                </a:defRPr>
+              </a:lvl8pPr>
+              <a:lvl9pPr marL="3657600" indent="0">
+                <a:defRPr sz="1100">
+                  <a:solidFill>
+                    <a:schemeClr val="tx1"/>
+                  </a:solidFill>
+                  <a:latin typeface="+mn-lt"/>
+                  <a:ea typeface="+mn-ea"/>
+                  <a:cs typeface="+mn-cs"/>
+                </a:defRPr>
+              </a:lvl9pPr>
+            </a:lstStyle>
+            <a:p>
+              <a:r>
+                <a:rPr lang="en-US" altLang="ko-KR" dirty="0"/>
+                <a:t>RE_RES_GET_USER_ AUTH</a:t>
+              </a:r>
+              <a:endParaRPr lang="ko-KR" altLang="en-US" sz="1100" dirty="0"/>
+            </a:p>
+          </p:txBody>
+        </p:sp>
+      </p:grpSp>
+      <p:sp>
+        <p:nvSpPr>
+          <p:cNvPr id="27" name="TextBox 18">
+            <a:extLst>
+              <a:ext uri="{FF2B5EF4-FFF2-40B4-BE49-F238E27FC236}">
+                <a16:creationId xmlns:a16="http://schemas.microsoft.com/office/drawing/2014/main" id="{BB7C30F6-BFC6-4FF5-B8E3-9569FF180A8C}"/>
+              </a:ext>
+            </a:extLst>
+          </p:cNvPr>
+          <p:cNvSpPr txBox="1"/>
+          <p:nvPr/>
+        </p:nvSpPr>
+        <p:spPr>
+          <a:xfrm>
+            <a:off x="3379258" y="3029731"/>
+            <a:ext cx="2640542" cy="261610"/>
+          </a:xfrm>
+          <a:prstGeom prst="rect">
+            <a:avLst/>
+          </a:prstGeom>
+          <a:noFill/>
+        </p:spPr>
+        <p:style>
+          <a:lnRef idx="0">
+            <a:scrgbClr r="0" g="0" b="0"/>
+          </a:lnRef>
+          <a:fillRef idx="0">
+            <a:scrgbClr r="0" g="0" b="0"/>
+          </a:fillRef>
+          <a:effectRef idx="0">
+            <a:scrgbClr r="0" g="0" b="0"/>
+          </a:effectRef>
+          <a:fontRef idx="minor">
+            <a:schemeClr val="tx1"/>
+          </a:fontRef>
+        </p:style>
+        <p:txBody>
+          <a:bodyPr wrap="square" rtlCol="0" anchor="t">
+            <a:spAutoFit/>
+          </a:bodyPr>
+          <a:lstStyle>
+            <a:lvl1pPr marL="0" indent="0">
+              <a:defRPr sz="1100">
+                <a:solidFill>
+                  <a:schemeClr val="tx1"/>
+                </a:solidFill>
+                <a:latin typeface="+mn-lt"/>
+                <a:ea typeface="+mn-ea"/>
+                <a:cs typeface="+mn-cs"/>
+              </a:defRPr>
+            </a:lvl1pPr>
+            <a:lvl2pPr marL="457200" indent="0">
+              <a:defRPr sz="1100">
+                <a:solidFill>
+                  <a:schemeClr val="tx1"/>
+                </a:solidFill>
+                <a:latin typeface="+mn-lt"/>
+                <a:ea typeface="+mn-ea"/>
+                <a:cs typeface="+mn-cs"/>
+              </a:defRPr>
+            </a:lvl2pPr>
+            <a:lvl3pPr marL="914400" indent="0">
+              <a:defRPr sz="1100">
+                <a:solidFill>
+                  <a:schemeClr val="tx1"/>
+                </a:solidFill>
+                <a:latin typeface="+mn-lt"/>
+                <a:ea typeface="+mn-ea"/>
+                <a:cs typeface="+mn-cs"/>
+              </a:defRPr>
+            </a:lvl3pPr>
+            <a:lvl4pPr marL="1371600" indent="0">
+              <a:defRPr sz="1100">
+                <a:solidFill>
+                  <a:schemeClr val="tx1"/>
+                </a:solidFill>
+                <a:latin typeface="+mn-lt"/>
+                <a:ea typeface="+mn-ea"/>
+                <a:cs typeface="+mn-cs"/>
+              </a:defRPr>
+            </a:lvl4pPr>
+            <a:lvl5pPr marL="1828800" indent="0">
+              <a:defRPr sz="1100">
+                <a:solidFill>
+                  <a:schemeClr val="tx1"/>
+                </a:solidFill>
+                <a:latin typeface="+mn-lt"/>
+                <a:ea typeface="+mn-ea"/>
+                <a:cs typeface="+mn-cs"/>
+              </a:defRPr>
+            </a:lvl5pPr>
+            <a:lvl6pPr marL="2286000" indent="0">
+              <a:defRPr sz="1100">
+                <a:solidFill>
+                  <a:schemeClr val="tx1"/>
+                </a:solidFill>
+                <a:latin typeface="+mn-lt"/>
+                <a:ea typeface="+mn-ea"/>
+                <a:cs typeface="+mn-cs"/>
+              </a:defRPr>
+            </a:lvl6pPr>
+            <a:lvl7pPr marL="2743200" indent="0">
+              <a:defRPr sz="1100">
+                <a:solidFill>
+                  <a:schemeClr val="tx1"/>
+                </a:solidFill>
+                <a:latin typeface="+mn-lt"/>
+                <a:ea typeface="+mn-ea"/>
+                <a:cs typeface="+mn-cs"/>
+              </a:defRPr>
+            </a:lvl7pPr>
+            <a:lvl8pPr marL="3200400" indent="0">
+              <a:defRPr sz="1100">
+                <a:solidFill>
+                  <a:schemeClr val="tx1"/>
+                </a:solidFill>
+                <a:latin typeface="+mn-lt"/>
+                <a:ea typeface="+mn-ea"/>
+                <a:cs typeface="+mn-cs"/>
+              </a:defRPr>
+            </a:lvl8pPr>
+            <a:lvl9pPr marL="3657600" indent="0">
+              <a:defRPr sz="1100">
+                <a:solidFill>
+                  <a:schemeClr val="tx1"/>
+                </a:solidFill>
+                <a:latin typeface="+mn-lt"/>
+                <a:ea typeface="+mn-ea"/>
+                <a:cs typeface="+mn-cs"/>
+              </a:defRPr>
+            </a:lvl9pPr>
+          </a:lstStyle>
+          <a:p>
+            <a:r>
+              <a:rPr lang="en-US" altLang="ko-KR" dirty="0"/>
+              <a:t>GAMSERVER_REQ_USER_HEARTBEAT</a:t>
+            </a:r>
+            <a:endParaRPr lang="ko-KR" altLang="en-US" sz="1100" dirty="0"/>
+          </a:p>
+        </p:txBody>
+      </p:sp>
+      <p:sp>
+        <p:nvSpPr>
+          <p:cNvPr id="28" name="TextBox 18">
+            <a:extLst>
+              <a:ext uri="{FF2B5EF4-FFF2-40B4-BE49-F238E27FC236}">
+                <a16:creationId xmlns:a16="http://schemas.microsoft.com/office/drawing/2014/main" id="{D28168B8-933E-4F77-B129-1F087BA2EDC6}"/>
+              </a:ext>
+            </a:extLst>
+          </p:cNvPr>
+          <p:cNvSpPr txBox="1"/>
+          <p:nvPr/>
+        </p:nvSpPr>
+        <p:spPr>
+          <a:xfrm>
+            <a:off x="3419761" y="4721393"/>
+            <a:ext cx="2559536" cy="261610"/>
+          </a:xfrm>
+          <a:prstGeom prst="rect">
+            <a:avLst/>
+          </a:prstGeom>
+          <a:noFill/>
+        </p:spPr>
+        <p:style>
+          <a:lnRef idx="0">
+            <a:scrgbClr r="0" g="0" b="0"/>
+          </a:lnRef>
+          <a:fillRef idx="0">
+            <a:scrgbClr r="0" g="0" b="0"/>
+          </a:fillRef>
+          <a:effectRef idx="0">
+            <a:scrgbClr r="0" g="0" b="0"/>
+          </a:effectRef>
+          <a:fontRef idx="minor">
+            <a:schemeClr val="tx1"/>
+          </a:fontRef>
+        </p:style>
+        <p:txBody>
+          <a:bodyPr wrap="square" rtlCol="0" anchor="t">
+            <a:spAutoFit/>
+          </a:bodyPr>
+          <a:lstStyle>
+            <a:lvl1pPr marL="0" indent="0">
+              <a:defRPr sz="1100">
+                <a:solidFill>
+                  <a:schemeClr val="tx1"/>
+                </a:solidFill>
+                <a:latin typeface="+mn-lt"/>
+                <a:ea typeface="+mn-ea"/>
+                <a:cs typeface="+mn-cs"/>
+              </a:defRPr>
+            </a:lvl1pPr>
+            <a:lvl2pPr marL="457200" indent="0">
+              <a:defRPr sz="1100">
+                <a:solidFill>
+                  <a:schemeClr val="tx1"/>
+                </a:solidFill>
+                <a:latin typeface="+mn-lt"/>
+                <a:ea typeface="+mn-ea"/>
+                <a:cs typeface="+mn-cs"/>
+              </a:defRPr>
+            </a:lvl2pPr>
+            <a:lvl3pPr marL="914400" indent="0">
+              <a:defRPr sz="1100">
+                <a:solidFill>
+                  <a:schemeClr val="tx1"/>
+                </a:solidFill>
+                <a:latin typeface="+mn-lt"/>
+                <a:ea typeface="+mn-ea"/>
+                <a:cs typeface="+mn-cs"/>
+              </a:defRPr>
+            </a:lvl3pPr>
+            <a:lvl4pPr marL="1371600" indent="0">
+              <a:defRPr sz="1100">
+                <a:solidFill>
+                  <a:schemeClr val="tx1"/>
+                </a:solidFill>
+                <a:latin typeface="+mn-lt"/>
+                <a:ea typeface="+mn-ea"/>
+                <a:cs typeface="+mn-cs"/>
+              </a:defRPr>
+            </a:lvl4pPr>
+            <a:lvl5pPr marL="1828800" indent="0">
+              <a:defRPr sz="1100">
+                <a:solidFill>
+                  <a:schemeClr val="tx1"/>
+                </a:solidFill>
+                <a:latin typeface="+mn-lt"/>
+                <a:ea typeface="+mn-ea"/>
+                <a:cs typeface="+mn-cs"/>
+              </a:defRPr>
+            </a:lvl5pPr>
+            <a:lvl6pPr marL="2286000" indent="0">
+              <a:defRPr sz="1100">
+                <a:solidFill>
+                  <a:schemeClr val="tx1"/>
+                </a:solidFill>
+                <a:latin typeface="+mn-lt"/>
+                <a:ea typeface="+mn-ea"/>
+                <a:cs typeface="+mn-cs"/>
+              </a:defRPr>
+            </a:lvl6pPr>
+            <a:lvl7pPr marL="2743200" indent="0">
+              <a:defRPr sz="1100">
+                <a:solidFill>
+                  <a:schemeClr val="tx1"/>
+                </a:solidFill>
+                <a:latin typeface="+mn-lt"/>
+                <a:ea typeface="+mn-ea"/>
+                <a:cs typeface="+mn-cs"/>
+              </a:defRPr>
+            </a:lvl7pPr>
+            <a:lvl8pPr marL="3200400" indent="0">
+              <a:defRPr sz="1100">
+                <a:solidFill>
+                  <a:schemeClr val="tx1"/>
+                </a:solidFill>
+                <a:latin typeface="+mn-lt"/>
+                <a:ea typeface="+mn-ea"/>
+                <a:cs typeface="+mn-cs"/>
+              </a:defRPr>
+            </a:lvl8pPr>
+            <a:lvl9pPr marL="3657600" indent="0">
+              <a:defRPr sz="1100">
+                <a:solidFill>
+                  <a:schemeClr val="tx1"/>
+                </a:solidFill>
+                <a:latin typeface="+mn-lt"/>
+                <a:ea typeface="+mn-ea"/>
+                <a:cs typeface="+mn-cs"/>
+              </a:defRPr>
+            </a:lvl9pPr>
+          </a:lstStyle>
+          <a:p>
+            <a:r>
+              <a:rPr lang="en-US" altLang="ko-KR" dirty="0"/>
+              <a:t>GAMSERVER_RES_ USER_HEARTBEAT</a:t>
+            </a:r>
+            <a:endParaRPr lang="ko-KR" altLang="en-US" sz="1100" dirty="0"/>
+          </a:p>
+        </p:txBody>
+      </p:sp>
+      <p:sp>
+        <p:nvSpPr>
+          <p:cNvPr id="29" name="TextBox 18">
+            <a:extLst>
+              <a:ext uri="{FF2B5EF4-FFF2-40B4-BE49-F238E27FC236}">
+                <a16:creationId xmlns:a16="http://schemas.microsoft.com/office/drawing/2014/main" id="{07389A90-4854-4683-AFA5-779114490A93}"/>
+              </a:ext>
+            </a:extLst>
+          </p:cNvPr>
+          <p:cNvSpPr txBox="1"/>
+          <p:nvPr/>
+        </p:nvSpPr>
+        <p:spPr>
+          <a:xfrm>
+            <a:off x="8915766" y="3481194"/>
+            <a:ext cx="2640542" cy="769441"/>
+          </a:xfrm>
+          <a:prstGeom prst="rect">
+            <a:avLst/>
+          </a:prstGeom>
+          <a:noFill/>
+        </p:spPr>
+        <p:style>
+          <a:lnRef idx="0">
+            <a:scrgbClr r="0" g="0" b="0"/>
+          </a:lnRef>
+          <a:fillRef idx="0">
+            <a:scrgbClr r="0" g="0" b="0"/>
+          </a:fillRef>
+          <a:effectRef idx="0">
+            <a:scrgbClr r="0" g="0" b="0"/>
+          </a:effectRef>
+          <a:fontRef idx="minor">
+            <a:schemeClr val="tx1"/>
+          </a:fontRef>
+        </p:style>
+        <p:txBody>
+          <a:bodyPr wrap="square" rtlCol="0" anchor="t">
+            <a:spAutoFit/>
+          </a:bodyPr>
+          <a:lstStyle>
+            <a:lvl1pPr marL="0" indent="0">
+              <a:defRPr sz="1100">
+                <a:solidFill>
+                  <a:schemeClr val="tx1"/>
+                </a:solidFill>
+                <a:latin typeface="+mn-lt"/>
+                <a:ea typeface="+mn-ea"/>
+                <a:cs typeface="+mn-cs"/>
+              </a:defRPr>
+            </a:lvl1pPr>
+            <a:lvl2pPr marL="457200" indent="0">
+              <a:defRPr sz="1100">
+                <a:solidFill>
+                  <a:schemeClr val="tx1"/>
+                </a:solidFill>
+                <a:latin typeface="+mn-lt"/>
+                <a:ea typeface="+mn-ea"/>
+                <a:cs typeface="+mn-cs"/>
+              </a:defRPr>
+            </a:lvl2pPr>
+            <a:lvl3pPr marL="914400" indent="0">
+              <a:defRPr sz="1100">
+                <a:solidFill>
+                  <a:schemeClr val="tx1"/>
+                </a:solidFill>
+                <a:latin typeface="+mn-lt"/>
+                <a:ea typeface="+mn-ea"/>
+                <a:cs typeface="+mn-cs"/>
+              </a:defRPr>
+            </a:lvl3pPr>
+            <a:lvl4pPr marL="1371600" indent="0">
+              <a:defRPr sz="1100">
+                <a:solidFill>
+                  <a:schemeClr val="tx1"/>
+                </a:solidFill>
+                <a:latin typeface="+mn-lt"/>
+                <a:ea typeface="+mn-ea"/>
+                <a:cs typeface="+mn-cs"/>
+              </a:defRPr>
+            </a:lvl4pPr>
+            <a:lvl5pPr marL="1828800" indent="0">
+              <a:defRPr sz="1100">
+                <a:solidFill>
+                  <a:schemeClr val="tx1"/>
+                </a:solidFill>
+                <a:latin typeface="+mn-lt"/>
+                <a:ea typeface="+mn-ea"/>
+                <a:cs typeface="+mn-cs"/>
+              </a:defRPr>
+            </a:lvl5pPr>
+            <a:lvl6pPr marL="2286000" indent="0">
+              <a:defRPr sz="1100">
+                <a:solidFill>
+                  <a:schemeClr val="tx1"/>
+                </a:solidFill>
+                <a:latin typeface="+mn-lt"/>
+                <a:ea typeface="+mn-ea"/>
+                <a:cs typeface="+mn-cs"/>
+              </a:defRPr>
+            </a:lvl6pPr>
+            <a:lvl7pPr marL="2743200" indent="0">
+              <a:defRPr sz="1100">
+                <a:solidFill>
+                  <a:schemeClr val="tx1"/>
+                </a:solidFill>
+                <a:latin typeface="+mn-lt"/>
+                <a:ea typeface="+mn-ea"/>
+                <a:cs typeface="+mn-cs"/>
+              </a:defRPr>
+            </a:lvl7pPr>
+            <a:lvl8pPr marL="3200400" indent="0">
+              <a:defRPr sz="1100">
+                <a:solidFill>
+                  <a:schemeClr val="tx1"/>
+                </a:solidFill>
+                <a:latin typeface="+mn-lt"/>
+                <a:ea typeface="+mn-ea"/>
+                <a:cs typeface="+mn-cs"/>
+              </a:defRPr>
+            </a:lvl8pPr>
+            <a:lvl9pPr marL="3657600" indent="0">
+              <a:defRPr sz="1100">
+                <a:solidFill>
+                  <a:schemeClr val="tx1"/>
+                </a:solidFill>
+                <a:latin typeface="+mn-lt"/>
+                <a:ea typeface="+mn-ea"/>
+                <a:cs typeface="+mn-cs"/>
+              </a:defRPr>
+            </a:lvl9pPr>
+          </a:lstStyle>
+          <a:p>
+            <a:r>
+              <a:rPr lang="ko-KR" altLang="en-US" dirty="0"/>
+              <a:t>만약 하트 비트가 오지 않는다면</a:t>
+            </a:r>
+            <a:endParaRPr lang="en-US" altLang="ko-KR" dirty="0"/>
+          </a:p>
+          <a:p>
+            <a:r>
+              <a:rPr lang="ko-KR" altLang="en-US" sz="1100" dirty="0"/>
+              <a:t>게임 서버에서 유저의 데이터를 삭제한후 </a:t>
+            </a:r>
+            <a:r>
+              <a:rPr lang="en-US" altLang="ko-KR" sz="1100" dirty="0"/>
+              <a:t>DB</a:t>
+            </a:r>
+            <a:r>
+              <a:rPr lang="ko-KR" altLang="en-US" sz="1100" dirty="0"/>
+              <a:t>서버에 유저 데이터를 </a:t>
+            </a:r>
+            <a:r>
+              <a:rPr lang="ko-KR" altLang="en-US" sz="1100" dirty="0" err="1"/>
+              <a:t>레디스에서</a:t>
+            </a:r>
+            <a:r>
+              <a:rPr lang="ko-KR" altLang="en-US" sz="1100" dirty="0"/>
+              <a:t> 삭제 하도록 해야 한다</a:t>
+            </a:r>
+            <a:r>
+              <a:rPr lang="en-US" altLang="ko-KR" sz="1100" dirty="0"/>
+              <a:t>.</a:t>
+            </a:r>
+          </a:p>
+        </p:txBody>
+      </p:sp>
+      <p:grpSp>
+        <p:nvGrpSpPr>
+          <p:cNvPr id="30" name="그룹 29">
+            <a:extLst>
+              <a:ext uri="{FF2B5EF4-FFF2-40B4-BE49-F238E27FC236}">
+                <a16:creationId xmlns:a16="http://schemas.microsoft.com/office/drawing/2014/main" id="{59FFFCBB-7AE5-4C0D-AEB2-90EBDE1ACEE1}"/>
+              </a:ext>
+            </a:extLst>
+          </p:cNvPr>
+          <p:cNvGrpSpPr/>
+          <p:nvPr/>
+        </p:nvGrpSpPr>
+        <p:grpSpPr>
+          <a:xfrm>
+            <a:off x="6038850" y="5474727"/>
+            <a:ext cx="2882208" cy="696187"/>
+            <a:chOff x="5865291" y="3322984"/>
+            <a:chExt cx="2882208" cy="696187"/>
+          </a:xfrm>
+        </p:grpSpPr>
+        <p:cxnSp>
+          <p:nvCxnSpPr>
+            <p:cNvPr id="31" name="직선 화살표 연결선 30">
+              <a:extLst>
+                <a:ext uri="{FF2B5EF4-FFF2-40B4-BE49-F238E27FC236}">
+                  <a16:creationId xmlns:a16="http://schemas.microsoft.com/office/drawing/2014/main" id="{E39D7E99-AD4F-4486-BD2E-D8C898CC33B5}"/>
+                </a:ext>
+              </a:extLst>
+            </p:cNvPr>
+            <p:cNvCxnSpPr/>
+            <p:nvPr/>
+          </p:nvCxnSpPr>
+          <p:spPr>
+            <a:xfrm>
+              <a:off x="5874697" y="3610850"/>
+              <a:ext cx="2743200" cy="0"/>
+            </a:xfrm>
+            <a:prstGeom prst="straightConnector1">
+              <a:avLst/>
+            </a:prstGeom>
+            <a:ln w="57150">
+              <a:solidFill>
+                <a:schemeClr val="accent1"/>
+              </a:solidFill>
+              <a:tailEnd type="triangle"/>
+            </a:ln>
+          </p:spPr>
+          <p:style>
+            <a:lnRef idx="1">
+              <a:schemeClr val="accent1"/>
+            </a:lnRef>
+            <a:fillRef idx="0">
+              <a:schemeClr val="accent1"/>
+            </a:fillRef>
+            <a:effectRef idx="0">
+              <a:schemeClr val="accent1"/>
+            </a:effectRef>
+            <a:fontRef idx="minor">
+              <a:schemeClr val="tx1"/>
+            </a:fontRef>
+          </p:style>
+        </p:cxnSp>
+        <p:cxnSp>
+          <p:nvCxnSpPr>
+            <p:cNvPr id="32" name="직선 화살표 연결선 31">
+              <a:extLst>
+                <a:ext uri="{FF2B5EF4-FFF2-40B4-BE49-F238E27FC236}">
+                  <a16:creationId xmlns:a16="http://schemas.microsoft.com/office/drawing/2014/main" id="{B4960512-9746-4BB0-8FF1-B4544946A496}"/>
+                </a:ext>
+              </a:extLst>
+            </p:cNvPr>
+            <p:cNvCxnSpPr/>
+            <p:nvPr/>
+          </p:nvCxnSpPr>
+          <p:spPr>
+            <a:xfrm flipH="1" flipV="1">
+              <a:off x="5865291" y="4009646"/>
+              <a:ext cx="2705100" cy="9525"/>
+            </a:xfrm>
+            <a:prstGeom prst="straightConnector1">
+              <a:avLst/>
+            </a:prstGeom>
+            <a:ln w="57150">
+              <a:solidFill>
+                <a:schemeClr val="accent1"/>
+              </a:solidFill>
+              <a:tailEnd type="triangle"/>
+            </a:ln>
+          </p:spPr>
+          <p:style>
+            <a:lnRef idx="1">
+              <a:schemeClr val="accent1"/>
+            </a:lnRef>
+            <a:fillRef idx="0">
+              <a:schemeClr val="accent1"/>
+            </a:fillRef>
+            <a:effectRef idx="0">
+              <a:schemeClr val="accent1"/>
+            </a:effectRef>
+            <a:fontRef idx="minor">
+              <a:schemeClr val="tx1"/>
+            </a:fontRef>
+          </p:style>
+        </p:cxnSp>
+        <p:sp>
+          <p:nvSpPr>
+            <p:cNvPr id="33" name="TextBox 18">
+              <a:extLst>
+                <a:ext uri="{FF2B5EF4-FFF2-40B4-BE49-F238E27FC236}">
+                  <a16:creationId xmlns:a16="http://schemas.microsoft.com/office/drawing/2014/main" id="{94A853B8-EC14-4CB4-9AD1-82AE1EFF435D}"/>
+                </a:ext>
+              </a:extLst>
+            </p:cNvPr>
+            <p:cNvSpPr txBox="1"/>
+            <p:nvPr/>
+          </p:nvSpPr>
+          <p:spPr>
+            <a:xfrm>
+              <a:off x="5997679" y="3322984"/>
+              <a:ext cx="2749820" cy="261610"/>
+            </a:xfrm>
+            <a:prstGeom prst="rect">
+              <a:avLst/>
+            </a:prstGeom>
+            <a:noFill/>
+          </p:spPr>
+          <p:style>
+            <a:lnRef idx="0">
+              <a:scrgbClr r="0" g="0" b="0"/>
+            </a:lnRef>
+            <a:fillRef idx="0">
+              <a:scrgbClr r="0" g="0" b="0"/>
+            </a:fillRef>
+            <a:effectRef idx="0">
+              <a:scrgbClr r="0" g="0" b="0"/>
+            </a:effectRef>
+            <a:fontRef idx="minor">
+              <a:schemeClr val="tx1"/>
+            </a:fontRef>
+          </p:style>
+          <p:txBody>
+            <a:bodyPr wrap="square" rtlCol="0" anchor="t">
+              <a:spAutoFit/>
+            </a:bodyPr>
+            <a:lstStyle>
+              <a:lvl1pPr marL="0" indent="0">
+                <a:defRPr sz="1100">
+                  <a:solidFill>
+                    <a:schemeClr val="tx1"/>
+                  </a:solidFill>
+                  <a:latin typeface="+mn-lt"/>
+                  <a:ea typeface="+mn-ea"/>
+                  <a:cs typeface="+mn-cs"/>
+                </a:defRPr>
+              </a:lvl1pPr>
+              <a:lvl2pPr marL="457200" indent="0">
+                <a:defRPr sz="1100">
+                  <a:solidFill>
+                    <a:schemeClr val="tx1"/>
+                  </a:solidFill>
+                  <a:latin typeface="+mn-lt"/>
+                  <a:ea typeface="+mn-ea"/>
+                  <a:cs typeface="+mn-cs"/>
+                </a:defRPr>
+              </a:lvl2pPr>
+              <a:lvl3pPr marL="914400" indent="0">
+                <a:defRPr sz="1100">
+                  <a:solidFill>
+                    <a:schemeClr val="tx1"/>
+                  </a:solidFill>
+                  <a:latin typeface="+mn-lt"/>
+                  <a:ea typeface="+mn-ea"/>
+                  <a:cs typeface="+mn-cs"/>
+                </a:defRPr>
+              </a:lvl3pPr>
+              <a:lvl4pPr marL="1371600" indent="0">
+                <a:defRPr sz="1100">
+                  <a:solidFill>
+                    <a:schemeClr val="tx1"/>
+                  </a:solidFill>
+                  <a:latin typeface="+mn-lt"/>
+                  <a:ea typeface="+mn-ea"/>
+                  <a:cs typeface="+mn-cs"/>
+                </a:defRPr>
+              </a:lvl4pPr>
+              <a:lvl5pPr marL="1828800" indent="0">
+                <a:defRPr sz="1100">
+                  <a:solidFill>
+                    <a:schemeClr val="tx1"/>
+                  </a:solidFill>
+                  <a:latin typeface="+mn-lt"/>
+                  <a:ea typeface="+mn-ea"/>
+                  <a:cs typeface="+mn-cs"/>
+                </a:defRPr>
+              </a:lvl5pPr>
+              <a:lvl6pPr marL="2286000" indent="0">
+                <a:defRPr sz="1100">
+                  <a:solidFill>
+                    <a:schemeClr val="tx1"/>
+                  </a:solidFill>
+                  <a:latin typeface="+mn-lt"/>
+                  <a:ea typeface="+mn-ea"/>
+                  <a:cs typeface="+mn-cs"/>
+                </a:defRPr>
+              </a:lvl6pPr>
+              <a:lvl7pPr marL="2743200" indent="0">
+                <a:defRPr sz="1100">
+                  <a:solidFill>
+                    <a:schemeClr val="tx1"/>
+                  </a:solidFill>
+                  <a:latin typeface="+mn-lt"/>
+                  <a:ea typeface="+mn-ea"/>
+                  <a:cs typeface="+mn-cs"/>
+                </a:defRPr>
+              </a:lvl7pPr>
+              <a:lvl8pPr marL="3200400" indent="0">
+                <a:defRPr sz="1100">
+                  <a:solidFill>
+                    <a:schemeClr val="tx1"/>
+                  </a:solidFill>
+                  <a:latin typeface="+mn-lt"/>
+                  <a:ea typeface="+mn-ea"/>
+                  <a:cs typeface="+mn-cs"/>
+                </a:defRPr>
+              </a:lvl8pPr>
+              <a:lvl9pPr marL="3657600" indent="0">
+                <a:defRPr sz="1100">
+                  <a:solidFill>
+                    <a:schemeClr val="tx1"/>
+                  </a:solidFill>
+                  <a:latin typeface="+mn-lt"/>
+                  <a:ea typeface="+mn-ea"/>
+                  <a:cs typeface="+mn-cs"/>
+                </a:defRPr>
+              </a:lvl9pPr>
+            </a:lstStyle>
+            <a:p>
+              <a:r>
+                <a:rPr lang="en-US" altLang="ko-KR" dirty="0"/>
+                <a:t>RE_REQ_REMOVE_USER_ AUTH</a:t>
+              </a:r>
+              <a:endParaRPr lang="ko-KR" altLang="en-US" sz="1100" dirty="0"/>
+            </a:p>
+          </p:txBody>
+        </p:sp>
+        <p:sp>
+          <p:nvSpPr>
+            <p:cNvPr id="34" name="TextBox 18">
+              <a:extLst>
+                <a:ext uri="{FF2B5EF4-FFF2-40B4-BE49-F238E27FC236}">
+                  <a16:creationId xmlns:a16="http://schemas.microsoft.com/office/drawing/2014/main" id="{96D8C996-6A31-402E-8D40-0260CE9CEE21}"/>
+                </a:ext>
+              </a:extLst>
+            </p:cNvPr>
+            <p:cNvSpPr txBox="1"/>
+            <p:nvPr/>
+          </p:nvSpPr>
+          <p:spPr>
+            <a:xfrm>
+              <a:off x="5940925" y="3715409"/>
+              <a:ext cx="2544703" cy="261610"/>
+            </a:xfrm>
+            <a:prstGeom prst="rect">
+              <a:avLst/>
+            </a:prstGeom>
+            <a:noFill/>
+          </p:spPr>
+          <p:style>
+            <a:lnRef idx="0">
+              <a:scrgbClr r="0" g="0" b="0"/>
+            </a:lnRef>
+            <a:fillRef idx="0">
+              <a:scrgbClr r="0" g="0" b="0"/>
+            </a:fillRef>
+            <a:effectRef idx="0">
+              <a:scrgbClr r="0" g="0" b="0"/>
+            </a:effectRef>
+            <a:fontRef idx="minor">
+              <a:schemeClr val="tx1"/>
+            </a:fontRef>
+          </p:style>
+          <p:txBody>
+            <a:bodyPr wrap="square" rtlCol="0" anchor="t">
+              <a:spAutoFit/>
+            </a:bodyPr>
+            <a:lstStyle>
+              <a:lvl1pPr marL="0" indent="0">
+                <a:defRPr sz="1100">
+                  <a:solidFill>
+                    <a:schemeClr val="tx1"/>
+                  </a:solidFill>
+                  <a:latin typeface="+mn-lt"/>
+                  <a:ea typeface="+mn-ea"/>
+                  <a:cs typeface="+mn-cs"/>
+                </a:defRPr>
+              </a:lvl1pPr>
+              <a:lvl2pPr marL="457200" indent="0">
+                <a:defRPr sz="1100">
+                  <a:solidFill>
+                    <a:schemeClr val="tx1"/>
+                  </a:solidFill>
+                  <a:latin typeface="+mn-lt"/>
+                  <a:ea typeface="+mn-ea"/>
+                  <a:cs typeface="+mn-cs"/>
+                </a:defRPr>
+              </a:lvl2pPr>
+              <a:lvl3pPr marL="914400" indent="0">
+                <a:defRPr sz="1100">
+                  <a:solidFill>
+                    <a:schemeClr val="tx1"/>
+                  </a:solidFill>
+                  <a:latin typeface="+mn-lt"/>
+                  <a:ea typeface="+mn-ea"/>
+                  <a:cs typeface="+mn-cs"/>
+                </a:defRPr>
+              </a:lvl3pPr>
+              <a:lvl4pPr marL="1371600" indent="0">
+                <a:defRPr sz="1100">
+                  <a:solidFill>
+                    <a:schemeClr val="tx1"/>
+                  </a:solidFill>
+                  <a:latin typeface="+mn-lt"/>
+                  <a:ea typeface="+mn-ea"/>
+                  <a:cs typeface="+mn-cs"/>
+                </a:defRPr>
+              </a:lvl4pPr>
+              <a:lvl5pPr marL="1828800" indent="0">
+                <a:defRPr sz="1100">
+                  <a:solidFill>
+                    <a:schemeClr val="tx1"/>
+                  </a:solidFill>
+                  <a:latin typeface="+mn-lt"/>
+                  <a:ea typeface="+mn-ea"/>
+                  <a:cs typeface="+mn-cs"/>
+                </a:defRPr>
+              </a:lvl5pPr>
+              <a:lvl6pPr marL="2286000" indent="0">
+                <a:defRPr sz="1100">
+                  <a:solidFill>
+                    <a:schemeClr val="tx1"/>
+                  </a:solidFill>
+                  <a:latin typeface="+mn-lt"/>
+                  <a:ea typeface="+mn-ea"/>
+                  <a:cs typeface="+mn-cs"/>
+                </a:defRPr>
+              </a:lvl6pPr>
+              <a:lvl7pPr marL="2743200" indent="0">
+                <a:defRPr sz="1100">
+                  <a:solidFill>
+                    <a:schemeClr val="tx1"/>
+                  </a:solidFill>
+                  <a:latin typeface="+mn-lt"/>
+                  <a:ea typeface="+mn-ea"/>
+                  <a:cs typeface="+mn-cs"/>
+                </a:defRPr>
+              </a:lvl7pPr>
+              <a:lvl8pPr marL="3200400" indent="0">
+                <a:defRPr sz="1100">
+                  <a:solidFill>
+                    <a:schemeClr val="tx1"/>
+                  </a:solidFill>
+                  <a:latin typeface="+mn-lt"/>
+                  <a:ea typeface="+mn-ea"/>
+                  <a:cs typeface="+mn-cs"/>
+                </a:defRPr>
+              </a:lvl8pPr>
+              <a:lvl9pPr marL="3657600" indent="0">
+                <a:defRPr sz="1100">
+                  <a:solidFill>
+                    <a:schemeClr val="tx1"/>
+                  </a:solidFill>
+                  <a:latin typeface="+mn-lt"/>
+                  <a:ea typeface="+mn-ea"/>
+                  <a:cs typeface="+mn-cs"/>
+                </a:defRPr>
+              </a:lvl9pPr>
+            </a:lstStyle>
+            <a:p>
+              <a:r>
+                <a:rPr lang="en-US" altLang="ko-KR" dirty="0"/>
+                <a:t>RE_RES_ REMOVE _USER_ AUTH</a:t>
+              </a:r>
+              <a:endParaRPr lang="ko-KR" altLang="en-US" sz="1100" dirty="0"/>
+            </a:p>
+          </p:txBody>
+        </p:sp>
+      </p:grpSp>
+      <p:cxnSp>
+        <p:nvCxnSpPr>
+          <p:cNvPr id="36" name="직선 연결선 35">
+            <a:extLst>
+              <a:ext uri="{FF2B5EF4-FFF2-40B4-BE49-F238E27FC236}">
+                <a16:creationId xmlns:a16="http://schemas.microsoft.com/office/drawing/2014/main" id="{65FD395B-8E5E-4535-9B44-98D7EC827E52}"/>
+              </a:ext>
+            </a:extLst>
+          </p:cNvPr>
+          <p:cNvCxnSpPr/>
+          <p:nvPr/>
+        </p:nvCxnSpPr>
+        <p:spPr>
+          <a:xfrm>
+            <a:off x="2616200" y="5240867"/>
+            <a:ext cx="7281333" cy="0"/>
+          </a:xfrm>
+          <a:prstGeom prst="line">
+            <a:avLst/>
+          </a:prstGeom>
+          <a:ln w="9525" cap="flat" cmpd="sng" algn="ctr">
+            <a:solidFill>
+              <a:schemeClr val="accent2"/>
+            </a:solidFill>
+            <a:prstDash val="dash"/>
+            <a:round/>
+            <a:headEnd type="none" w="med" len="med"/>
+            <a:tailEnd type="none" w="med" len="med"/>
+          </a:ln>
+        </p:spPr>
+        <p:style>
+          <a:lnRef idx="0">
+            <a:scrgbClr r="0" g="0" b="0"/>
+          </a:lnRef>
+          <a:fillRef idx="0">
+            <a:scrgbClr r="0" g="0" b="0"/>
+          </a:fillRef>
+          <a:effectRef idx="0">
+            <a:scrgbClr r="0" g="0" b="0"/>
+          </a:effectRef>
+          <a:fontRef idx="minor">
+            <a:schemeClr val="tx1"/>
+          </a:fontRef>
+        </p:style>
+      </p:cxnSp>
+      <p:sp>
+        <p:nvSpPr>
+          <p:cNvPr id="37" name="직사각형 36">
+            <a:extLst>
+              <a:ext uri="{FF2B5EF4-FFF2-40B4-BE49-F238E27FC236}">
+                <a16:creationId xmlns:a16="http://schemas.microsoft.com/office/drawing/2014/main" id="{9075AB99-EA86-46E3-83C1-C395B02CC647}"/>
+              </a:ext>
+            </a:extLst>
+          </p:cNvPr>
+          <p:cNvSpPr/>
+          <p:nvPr/>
+        </p:nvSpPr>
+        <p:spPr>
+          <a:xfrm>
+            <a:off x="8782050" y="5250393"/>
+            <a:ext cx="3512500" cy="646331"/>
+          </a:xfrm>
+          <a:prstGeom prst="rect">
+            <a:avLst/>
+          </a:prstGeom>
+        </p:spPr>
+        <p:txBody>
+          <a:bodyPr wrap="none">
+            <a:spAutoFit/>
+          </a:bodyPr>
+          <a:lstStyle/>
+          <a:p>
+            <a:r>
+              <a:rPr lang="ko-KR" altLang="en-US" dirty="0"/>
+              <a:t>일정 기간 동안 하트비트가 오지</a:t>
+            </a:r>
+            <a:endParaRPr lang="en-US" altLang="ko-KR" dirty="0"/>
+          </a:p>
+          <a:p>
+            <a:r>
+              <a:rPr lang="ko-KR" altLang="en-US" dirty="0" err="1"/>
+              <a:t>않은경우</a:t>
+            </a:r>
+            <a:r>
+              <a:rPr lang="ko-KR" altLang="en-US" dirty="0"/>
+              <a:t> 다음을 수행</a:t>
+            </a:r>
+          </a:p>
+        </p:txBody>
+      </p:sp>
+      <p:sp>
+        <p:nvSpPr>
+          <p:cNvPr id="39" name="TextBox 38">
+            <a:extLst>
+              <a:ext uri="{FF2B5EF4-FFF2-40B4-BE49-F238E27FC236}">
+                <a16:creationId xmlns:a16="http://schemas.microsoft.com/office/drawing/2014/main" id="{E3978906-3F56-451A-AA57-90783F1A90E4}"/>
+              </a:ext>
+            </a:extLst>
+          </p:cNvPr>
+          <p:cNvSpPr txBox="1"/>
+          <p:nvPr/>
+        </p:nvSpPr>
+        <p:spPr>
+          <a:xfrm>
+            <a:off x="9804400" y="4813300"/>
+            <a:ext cx="854401" cy="369332"/>
+          </a:xfrm>
+          <a:prstGeom prst="rect">
+            <a:avLst/>
+          </a:prstGeom>
+          <a:noFill/>
+        </p:spPr>
+        <p:txBody>
+          <a:bodyPr wrap="none" rtlCol="0">
+            <a:spAutoFit/>
+          </a:bodyPr>
+          <a:lstStyle/>
+          <a:p>
+            <a:r>
+              <a:rPr lang="en-US" altLang="ko-KR" dirty="0"/>
+              <a:t>Delete</a:t>
+            </a:r>
+            <a:endParaRPr lang="ko-KR" altLang="en-US" dirty="0"/>
+          </a:p>
+        </p:txBody>
+      </p:sp>
+    </p:spTree>
+    <p:extLst>
+      <p:ext uri="{BB962C8B-B14F-4D97-AF65-F5344CB8AC3E}">
+        <p14:creationId xmlns:p14="http://schemas.microsoft.com/office/powerpoint/2010/main" val="2563522629"/>
+      </p:ext>
+    </p:extLst>
+  </p:cSld>
+  <p:clrMapOvr>
+    <a:masterClrMapping/>
+  </p:clrMapOvr>
+</p:sld>
+</file>
+
+<file path=ppt/slides/slide11.xml><?xml version="1.0" encoding="utf-8"?>
+<p:sld xmlns:a="http://schemas.openxmlformats.org/drawingml/2006/main" xmlns:r="http://schemas.openxmlformats.org/officeDocument/2006/relationships" xmlns:p="http://schemas.openxmlformats.org/presentationml/2006/main">
+  <p:cSld>
+    <p:spTree>
+      <p:nvGrpSpPr>
+        <p:cNvPr id="1" name=""/>
+        <p:cNvGrpSpPr/>
+        <p:nvPr/>
+      </p:nvGrpSpPr>
+      <p:grpSpPr>
+        <a:xfrm>
+          <a:off x="0" y="0"/>
+          <a:ext cx="0" cy="0"/>
+          <a:chOff x="0" y="0"/>
+          <a:chExt cx="0" cy="0"/>
+        </a:xfrm>
+      </p:grpSpPr>
+      <p:sp>
+        <p:nvSpPr>
+          <p:cNvPr id="2" name="제목 1">
+            <a:extLst>
+              <a:ext uri="{FF2B5EF4-FFF2-40B4-BE49-F238E27FC236}">
+                <a16:creationId xmlns:a16="http://schemas.microsoft.com/office/drawing/2014/main" id="{30FEC8F1-9E03-4DBB-B89F-12367D8F054C}"/>
+              </a:ext>
+            </a:extLst>
+          </p:cNvPr>
+          <p:cNvSpPr>
+            <a:spLocks noGrp="1"/>
+          </p:cNvSpPr>
+          <p:nvPr>
+            <p:ph type="title"/>
+          </p:nvPr>
+        </p:nvSpPr>
+        <p:spPr>
+          <a:xfrm>
+            <a:off x="0" y="12506"/>
+            <a:ext cx="10515600" cy="1325563"/>
+          </a:xfrm>
+        </p:spPr>
+        <p:txBody>
+          <a:bodyPr/>
+          <a:lstStyle/>
+          <a:p>
+            <a:r>
+              <a:rPr lang="ko-KR" altLang="en-US" dirty="0"/>
               <a:t>게임 서버 하트비트 요청</a:t>
             </a:r>
           </a:p>
@@ -4351,6 +6793,9 @@
             <a:avLst/>
           </a:prstGeom>
           <a:ln w="57150">
+            <a:solidFill>
+              <a:srgbClr val="FF0000"/>
+            </a:solidFill>
             <a:tailEnd type="triangle"/>
           </a:ln>
         </p:spPr>
@@ -4390,6 +6835,9 @@
             <a:avLst/>
           </a:prstGeom>
           <a:ln w="57150">
+            <a:solidFill>
+              <a:srgbClr val="FF0000"/>
+            </a:solidFill>
             <a:tailEnd type="triangle"/>
           </a:ln>
         </p:spPr>
@@ -4894,7 +7342,7 @@
 </p:sld>
 </file>
 
-<file path=ppt/slides/slide11.xml><?xml version="1.0" encoding="utf-8"?>
+<file path=ppt/slides/slide12.xml><?xml version="1.0" encoding="utf-8"?>
 <p:sld xmlns:a="http://schemas.openxmlformats.org/drawingml/2006/main" xmlns:r="http://schemas.openxmlformats.org/officeDocument/2006/relationships" xmlns:p="http://schemas.openxmlformats.org/presentationml/2006/main">
   <p:cSld>
     <p:spTree>
@@ -5847,6 +8295,9 @@
             <a:avLst/>
           </a:prstGeom>
           <a:ln w="57150">
+            <a:solidFill>
+              <a:srgbClr val="FF0000"/>
+            </a:solidFill>
             <a:tailEnd type="triangle"/>
           </a:ln>
         </p:spPr>
@@ -5886,6 +8337,9 @@
             <a:avLst/>
           </a:prstGeom>
           <a:ln w="57150">
+            <a:solidFill>
+              <a:srgbClr val="FF0000"/>
+            </a:solidFill>
             <a:tailEnd type="triangle"/>
           </a:ln>
         </p:spPr>
@@ -6035,7 +8489,7 @@
 </p:sld>
 </file>
 
-<file path=ppt/slides/slide12.xml><?xml version="1.0" encoding="utf-8"?>
+<file path=ppt/slides/slide13.xml><?xml version="1.0" encoding="utf-8"?>
 <p:sld xmlns:a="http://schemas.openxmlformats.org/drawingml/2006/main" xmlns:r="http://schemas.openxmlformats.org/officeDocument/2006/relationships" xmlns:p="http://schemas.openxmlformats.org/presentationml/2006/main">
   <p:cSld>
     <p:spTree>
@@ -7225,6 +9679,9 @@
             <a:avLst/>
           </a:prstGeom>
           <a:ln w="57150">
+            <a:solidFill>
+              <a:srgbClr val="FF0000"/>
+            </a:solidFill>
             <a:tailEnd type="triangle"/>
           </a:ln>
         </p:spPr>
@@ -7264,6 +9721,9 @@
             <a:avLst/>
           </a:prstGeom>
           <a:ln w="57150">
+            <a:solidFill>
+              <a:srgbClr val="FF0000"/>
+            </a:solidFill>
             <a:tailEnd type="triangle"/>
           </a:ln>
         </p:spPr>
@@ -7286,1736 +9746,6 @@
     <p:extLst>
       <p:ext uri="{BB962C8B-B14F-4D97-AF65-F5344CB8AC3E}">
         <p14:creationId xmlns:p14="http://schemas.microsoft.com/office/powerpoint/2010/main" val="253604991"/>
-      </p:ext>
-    </p:extLst>
-  </p:cSld>
-  <p:clrMapOvr>
-    <a:masterClrMapping/>
-  </p:clrMapOvr>
-</p:sld>
-</file>
-
-<file path=ppt/slides/slide13.xml><?xml version="1.0" encoding="utf-8"?>
-<p:sld xmlns:a="http://schemas.openxmlformats.org/drawingml/2006/main" xmlns:r="http://schemas.openxmlformats.org/officeDocument/2006/relationships" xmlns:p="http://schemas.openxmlformats.org/presentationml/2006/main">
-  <p:cSld>
-    <p:spTree>
-      <p:nvGrpSpPr>
-        <p:cNvPr id="1" name=""/>
-        <p:cNvGrpSpPr/>
-        <p:nvPr/>
-      </p:nvGrpSpPr>
-      <p:grpSpPr>
-        <a:xfrm>
-          <a:off x="0" y="0"/>
-          <a:ext cx="0" cy="0"/>
-          <a:chOff x="0" y="0"/>
-          <a:chExt cx="0" cy="0"/>
-        </a:xfrm>
-      </p:grpSpPr>
-      <p:sp>
-        <p:nvSpPr>
-          <p:cNvPr id="2" name="제목 1">
-            <a:extLst>
-              <a:ext uri="{FF2B5EF4-FFF2-40B4-BE49-F238E27FC236}">
-                <a16:creationId xmlns:a16="http://schemas.microsoft.com/office/drawing/2014/main" id="{0CC91C42-3178-4632-A79C-F82736819F85}"/>
-              </a:ext>
-            </a:extLst>
-          </p:cNvPr>
-          <p:cNvSpPr>
-            <a:spLocks noGrp="1"/>
-          </p:cNvSpPr>
-          <p:nvPr>
-            <p:ph type="title"/>
-          </p:nvPr>
-        </p:nvSpPr>
-        <p:spPr>
-          <a:xfrm>
-            <a:off x="0" y="-8197"/>
-            <a:ext cx="10515600" cy="1325563"/>
-          </a:xfrm>
-        </p:spPr>
-        <p:txBody>
-          <a:bodyPr/>
-          <a:lstStyle/>
-          <a:p>
-            <a:r>
-              <a:rPr lang="ko-KR" altLang="en-US" dirty="0"/>
-              <a:t>로그아웃</a:t>
-            </a:r>
-          </a:p>
-        </p:txBody>
-      </p:sp>
-      <p:grpSp>
-        <p:nvGrpSpPr>
-          <p:cNvPr id="4" name="그룹 3">
-            <a:extLst>
-              <a:ext uri="{FF2B5EF4-FFF2-40B4-BE49-F238E27FC236}">
-                <a16:creationId xmlns:a16="http://schemas.microsoft.com/office/drawing/2014/main" id="{C99D18B9-40CC-4D2E-B888-29D6BA07B889}"/>
-              </a:ext>
-            </a:extLst>
-          </p:cNvPr>
-          <p:cNvGrpSpPr/>
-          <p:nvPr/>
-        </p:nvGrpSpPr>
-        <p:grpSpPr>
-          <a:xfrm>
-            <a:off x="2770025" y="1600297"/>
-            <a:ext cx="6819900" cy="5019675"/>
-            <a:chOff x="0" y="0"/>
-            <a:chExt cx="6819900" cy="5019675"/>
-          </a:xfrm>
-        </p:grpSpPr>
-        <p:grpSp>
-          <p:nvGrpSpPr>
-            <p:cNvPr id="5" name="그룹 4">
-              <a:extLst>
-                <a:ext uri="{FF2B5EF4-FFF2-40B4-BE49-F238E27FC236}">
-                  <a16:creationId xmlns:a16="http://schemas.microsoft.com/office/drawing/2014/main" id="{B69E2C6B-39D4-40E4-AC08-2E1447A417CA}"/>
-                </a:ext>
-              </a:extLst>
-            </p:cNvPr>
-            <p:cNvGrpSpPr/>
-            <p:nvPr/>
-          </p:nvGrpSpPr>
-          <p:grpSpPr>
-            <a:xfrm>
-              <a:off x="0" y="142875"/>
-              <a:ext cx="1276350" cy="1257300"/>
-              <a:chOff x="0" y="142875"/>
-              <a:chExt cx="1276350" cy="1257300"/>
-            </a:xfrm>
-          </p:grpSpPr>
-          <p:sp>
-            <p:nvSpPr>
-              <p:cNvPr id="17" name="직사각형 16">
-                <a:extLst>
-                  <a:ext uri="{FF2B5EF4-FFF2-40B4-BE49-F238E27FC236}">
-                    <a16:creationId xmlns:a16="http://schemas.microsoft.com/office/drawing/2014/main" id="{6A9106D1-7385-45EC-9FFE-780EE5782977}"/>
-                  </a:ext>
-                </a:extLst>
-              </p:cNvPr>
-              <p:cNvSpPr/>
-              <p:nvPr/>
-            </p:nvSpPr>
-            <p:spPr>
-              <a:xfrm>
-                <a:off x="0" y="742950"/>
-                <a:ext cx="1276350" cy="657225"/>
-              </a:xfrm>
-              <a:prstGeom prst="rect">
-                <a:avLst/>
-              </a:prstGeom>
-            </p:spPr>
-            <p:style>
-              <a:lnRef idx="2">
-                <a:schemeClr val="accent1">
-                  <a:shade val="50000"/>
-                </a:schemeClr>
-              </a:lnRef>
-              <a:fillRef idx="1">
-                <a:schemeClr val="accent1"/>
-              </a:fillRef>
-              <a:effectRef idx="0">
-                <a:schemeClr val="accent1"/>
-              </a:effectRef>
-              <a:fontRef idx="minor">
-                <a:schemeClr val="lt1"/>
-              </a:fontRef>
-            </p:style>
-            <p:txBody>
-              <a:bodyPr rot="0" spcFirstLastPara="0" vert="horz" wrap="square" lIns="91440" tIns="45720" rIns="91440" bIns="45720" numCol="1" spcCol="0" rtlCol="0" fromWordArt="0" anchor="t" anchorCtr="0" forceAA="0" compatLnSpc="1">
-                <a:prstTxWarp prst="textNoShape">
-                  <a:avLst/>
-                </a:prstTxWarp>
-                <a:noAutofit/>
-              </a:bodyPr>
-              <a:lstStyle>
-                <a:lvl1pPr marL="0" indent="0">
-                  <a:defRPr sz="1100">
-                    <a:solidFill>
-                      <a:schemeClr val="lt1"/>
-                    </a:solidFill>
-                    <a:latin typeface="+mn-lt"/>
-                    <a:ea typeface="+mn-ea"/>
-                    <a:cs typeface="+mn-cs"/>
-                  </a:defRPr>
-                </a:lvl1pPr>
-                <a:lvl2pPr marL="457200" indent="0">
-                  <a:defRPr sz="1100">
-                    <a:solidFill>
-                      <a:schemeClr val="lt1"/>
-                    </a:solidFill>
-                    <a:latin typeface="+mn-lt"/>
-                    <a:ea typeface="+mn-ea"/>
-                    <a:cs typeface="+mn-cs"/>
-                  </a:defRPr>
-                </a:lvl2pPr>
-                <a:lvl3pPr marL="914400" indent="0">
-                  <a:defRPr sz="1100">
-                    <a:solidFill>
-                      <a:schemeClr val="lt1"/>
-                    </a:solidFill>
-                    <a:latin typeface="+mn-lt"/>
-                    <a:ea typeface="+mn-ea"/>
-                    <a:cs typeface="+mn-cs"/>
-                  </a:defRPr>
-                </a:lvl3pPr>
-                <a:lvl4pPr marL="1371600" indent="0">
-                  <a:defRPr sz="1100">
-                    <a:solidFill>
-                      <a:schemeClr val="lt1"/>
-                    </a:solidFill>
-                    <a:latin typeface="+mn-lt"/>
-                    <a:ea typeface="+mn-ea"/>
-                    <a:cs typeface="+mn-cs"/>
-                  </a:defRPr>
-                </a:lvl4pPr>
-                <a:lvl5pPr marL="1828800" indent="0">
-                  <a:defRPr sz="1100">
-                    <a:solidFill>
-                      <a:schemeClr val="lt1"/>
-                    </a:solidFill>
-                    <a:latin typeface="+mn-lt"/>
-                    <a:ea typeface="+mn-ea"/>
-                    <a:cs typeface="+mn-cs"/>
-                  </a:defRPr>
-                </a:lvl5pPr>
-                <a:lvl6pPr marL="2286000" indent="0">
-                  <a:defRPr sz="1100">
-                    <a:solidFill>
-                      <a:schemeClr val="lt1"/>
-                    </a:solidFill>
-                    <a:latin typeface="+mn-lt"/>
-                    <a:ea typeface="+mn-ea"/>
-                    <a:cs typeface="+mn-cs"/>
-                  </a:defRPr>
-                </a:lvl6pPr>
-                <a:lvl7pPr marL="2743200" indent="0">
-                  <a:defRPr sz="1100">
-                    <a:solidFill>
-                      <a:schemeClr val="lt1"/>
-                    </a:solidFill>
-                    <a:latin typeface="+mn-lt"/>
-                    <a:ea typeface="+mn-ea"/>
-                    <a:cs typeface="+mn-cs"/>
-                  </a:defRPr>
-                </a:lvl7pPr>
-                <a:lvl8pPr marL="3200400" indent="0">
-                  <a:defRPr sz="1100">
-                    <a:solidFill>
-                      <a:schemeClr val="lt1"/>
-                    </a:solidFill>
-                    <a:latin typeface="+mn-lt"/>
-                    <a:ea typeface="+mn-ea"/>
-                    <a:cs typeface="+mn-cs"/>
-                  </a:defRPr>
-                </a:lvl8pPr>
-                <a:lvl9pPr marL="3657600" indent="0">
-                  <a:defRPr sz="1100">
-                    <a:solidFill>
-                      <a:schemeClr val="lt1"/>
-                    </a:solidFill>
-                    <a:latin typeface="+mn-lt"/>
-                    <a:ea typeface="+mn-ea"/>
-                    <a:cs typeface="+mn-cs"/>
-                  </a:defRPr>
-                </a:lvl9pPr>
-              </a:lstStyle>
-              <a:p>
-                <a:pPr algn="ctr"/>
-                <a:r>
-                  <a:rPr lang="en-US" altLang="ko-KR" sz="2800">
-                    <a:solidFill>
-                      <a:srgbClr val="FF0000"/>
-                    </a:solidFill>
-                  </a:rPr>
-                  <a:t>Client</a:t>
-                </a:r>
-                <a:endParaRPr lang="ko-KR" altLang="en-US" sz="2800">
-                  <a:solidFill>
-                    <a:srgbClr val="FF0000"/>
-                  </a:solidFill>
-                </a:endParaRPr>
-              </a:p>
-            </p:txBody>
-          </p:sp>
-          <p:pic>
-            <p:nvPicPr>
-              <p:cNvPr id="18" name="그래픽 3" descr="컴퓨터">
-                <a:extLst>
-                  <a:ext uri="{FF2B5EF4-FFF2-40B4-BE49-F238E27FC236}">
-                    <a16:creationId xmlns:a16="http://schemas.microsoft.com/office/drawing/2014/main" id="{F99AFDD1-E1E6-4379-B652-A3483F82E6A4}"/>
-                  </a:ext>
-                </a:extLst>
-              </p:cNvPr>
-              <p:cNvPicPr>
-                <a:picLocks noChangeAspect="1"/>
-              </p:cNvPicPr>
-              <p:nvPr/>
-            </p:nvPicPr>
-            <p:blipFill>
-              <a:blip r:embed="rId2">
-                <a:extLst>
-                  <a:ext uri="{28A0092B-C50C-407E-A947-70E740481C1C}">
-                    <a14:useLocalDpi xmlns:a14="http://schemas.microsoft.com/office/drawing/2010/main" val="0"/>
-                  </a:ext>
-                  <a:ext uri="{96DAC541-7B7A-43D3-8B79-37D633B846F1}">
-                    <asvg:svgBlip xmlns:asvg="http://schemas.microsoft.com/office/drawing/2016/SVG/main" r:embed="rId3"/>
-                  </a:ext>
-                </a:extLst>
-              </a:blip>
-              <a:stretch>
-                <a:fillRect/>
-              </a:stretch>
-            </p:blipFill>
-            <p:spPr>
-              <a:xfrm>
-                <a:off x="190500" y="142875"/>
-                <a:ext cx="914400" cy="914400"/>
-              </a:xfrm>
-              <a:prstGeom prst="rect">
-                <a:avLst/>
-              </a:prstGeom>
-            </p:spPr>
-          </p:pic>
-        </p:grpSp>
-        <p:grpSp>
-          <p:nvGrpSpPr>
-            <p:cNvPr id="6" name="그룹 5">
-              <a:extLst>
-                <a:ext uri="{FF2B5EF4-FFF2-40B4-BE49-F238E27FC236}">
-                  <a16:creationId xmlns:a16="http://schemas.microsoft.com/office/drawing/2014/main" id="{9ED95ED3-B334-4819-9FCB-C09E5B08C147}"/>
-                </a:ext>
-              </a:extLst>
-            </p:cNvPr>
-            <p:cNvGrpSpPr/>
-            <p:nvPr/>
-          </p:nvGrpSpPr>
-          <p:grpSpPr>
-            <a:xfrm>
-              <a:off x="2714625" y="57150"/>
-              <a:ext cx="1276350" cy="1343025"/>
-              <a:chOff x="2714625" y="57150"/>
-              <a:chExt cx="1276350" cy="1343025"/>
-            </a:xfrm>
-          </p:grpSpPr>
-          <p:sp>
-            <p:nvSpPr>
-              <p:cNvPr id="15" name="직사각형 14">
-                <a:extLst>
-                  <a:ext uri="{FF2B5EF4-FFF2-40B4-BE49-F238E27FC236}">
-                    <a16:creationId xmlns:a16="http://schemas.microsoft.com/office/drawing/2014/main" id="{1A314912-8984-46EE-9F96-CCF4A505BE2F}"/>
-                  </a:ext>
-                </a:extLst>
-              </p:cNvPr>
-              <p:cNvSpPr/>
-              <p:nvPr/>
-            </p:nvSpPr>
-            <p:spPr>
-              <a:xfrm>
-                <a:off x="2714625" y="742950"/>
-                <a:ext cx="1276350" cy="657225"/>
-              </a:xfrm>
-              <a:prstGeom prst="rect">
-                <a:avLst/>
-              </a:prstGeom>
-            </p:spPr>
-            <p:style>
-              <a:lnRef idx="2">
-                <a:schemeClr val="accent1">
-                  <a:shade val="50000"/>
-                </a:schemeClr>
-              </a:lnRef>
-              <a:fillRef idx="1">
-                <a:schemeClr val="accent1"/>
-              </a:fillRef>
-              <a:effectRef idx="0">
-                <a:schemeClr val="accent1"/>
-              </a:effectRef>
-              <a:fontRef idx="minor">
-                <a:schemeClr val="lt1"/>
-              </a:fontRef>
-            </p:style>
-            <p:txBody>
-              <a:bodyPr rot="0" spcFirstLastPara="0" vert="horz" wrap="square" lIns="91440" tIns="45720" rIns="91440" bIns="45720" numCol="1" spcCol="0" rtlCol="0" fromWordArt="0" anchor="t" anchorCtr="0" forceAA="0" compatLnSpc="1">
-                <a:prstTxWarp prst="textNoShape">
-                  <a:avLst/>
-                </a:prstTxWarp>
-                <a:noAutofit/>
-              </a:bodyPr>
-              <a:lstStyle>
-                <a:lvl1pPr marL="0" indent="0">
-                  <a:defRPr sz="1100">
-                    <a:solidFill>
-                      <a:schemeClr val="lt1"/>
-                    </a:solidFill>
-                    <a:latin typeface="+mn-lt"/>
-                    <a:ea typeface="+mn-ea"/>
-                    <a:cs typeface="+mn-cs"/>
-                  </a:defRPr>
-                </a:lvl1pPr>
-                <a:lvl2pPr marL="457200" indent="0">
-                  <a:defRPr sz="1100">
-                    <a:solidFill>
-                      <a:schemeClr val="lt1"/>
-                    </a:solidFill>
-                    <a:latin typeface="+mn-lt"/>
-                    <a:ea typeface="+mn-ea"/>
-                    <a:cs typeface="+mn-cs"/>
-                  </a:defRPr>
-                </a:lvl2pPr>
-                <a:lvl3pPr marL="914400" indent="0">
-                  <a:defRPr sz="1100">
-                    <a:solidFill>
-                      <a:schemeClr val="lt1"/>
-                    </a:solidFill>
-                    <a:latin typeface="+mn-lt"/>
-                    <a:ea typeface="+mn-ea"/>
-                    <a:cs typeface="+mn-cs"/>
-                  </a:defRPr>
-                </a:lvl3pPr>
-                <a:lvl4pPr marL="1371600" indent="0">
-                  <a:defRPr sz="1100">
-                    <a:solidFill>
-                      <a:schemeClr val="lt1"/>
-                    </a:solidFill>
-                    <a:latin typeface="+mn-lt"/>
-                    <a:ea typeface="+mn-ea"/>
-                    <a:cs typeface="+mn-cs"/>
-                  </a:defRPr>
-                </a:lvl4pPr>
-                <a:lvl5pPr marL="1828800" indent="0">
-                  <a:defRPr sz="1100">
-                    <a:solidFill>
-                      <a:schemeClr val="lt1"/>
-                    </a:solidFill>
-                    <a:latin typeface="+mn-lt"/>
-                    <a:ea typeface="+mn-ea"/>
-                    <a:cs typeface="+mn-cs"/>
-                  </a:defRPr>
-                </a:lvl5pPr>
-                <a:lvl6pPr marL="2286000" indent="0">
-                  <a:defRPr sz="1100">
-                    <a:solidFill>
-                      <a:schemeClr val="lt1"/>
-                    </a:solidFill>
-                    <a:latin typeface="+mn-lt"/>
-                    <a:ea typeface="+mn-ea"/>
-                    <a:cs typeface="+mn-cs"/>
-                  </a:defRPr>
-                </a:lvl6pPr>
-                <a:lvl7pPr marL="2743200" indent="0">
-                  <a:defRPr sz="1100">
-                    <a:solidFill>
-                      <a:schemeClr val="lt1"/>
-                    </a:solidFill>
-                    <a:latin typeface="+mn-lt"/>
-                    <a:ea typeface="+mn-ea"/>
-                    <a:cs typeface="+mn-cs"/>
-                  </a:defRPr>
-                </a:lvl7pPr>
-                <a:lvl8pPr marL="3200400" indent="0">
-                  <a:defRPr sz="1100">
-                    <a:solidFill>
-                      <a:schemeClr val="lt1"/>
-                    </a:solidFill>
-                    <a:latin typeface="+mn-lt"/>
-                    <a:ea typeface="+mn-ea"/>
-                    <a:cs typeface="+mn-cs"/>
-                  </a:defRPr>
-                </a:lvl8pPr>
-                <a:lvl9pPr marL="3657600" indent="0">
-                  <a:defRPr sz="1100">
-                    <a:solidFill>
-                      <a:schemeClr val="lt1"/>
-                    </a:solidFill>
-                    <a:latin typeface="+mn-lt"/>
-                    <a:ea typeface="+mn-ea"/>
-                    <a:cs typeface="+mn-cs"/>
-                  </a:defRPr>
-                </a:lvl9pPr>
-              </a:lstStyle>
-              <a:p>
-                <a:pPr algn="ctr"/>
-                <a:r>
-                  <a:rPr lang="en-US" altLang="ko-KR" sz="1800">
-                    <a:solidFill>
-                      <a:srgbClr val="FF0000"/>
-                    </a:solidFill>
-                  </a:rPr>
-                  <a:t>Game</a:t>
-                </a:r>
-              </a:p>
-              <a:p>
-                <a:pPr algn="ctr"/>
-                <a:r>
-                  <a:rPr lang="en-US" altLang="ko-KR" sz="1800">
-                    <a:solidFill>
-                      <a:srgbClr val="FF0000"/>
-                    </a:solidFill>
-                  </a:rPr>
-                  <a:t>Server</a:t>
-                </a:r>
-                <a:endParaRPr lang="ko-KR" altLang="en-US" sz="1800">
-                  <a:solidFill>
-                    <a:srgbClr val="FF0000"/>
-                  </a:solidFill>
-                </a:endParaRPr>
-              </a:p>
-            </p:txBody>
-          </p:sp>
-          <p:pic>
-            <p:nvPicPr>
-              <p:cNvPr id="16" name="그래픽 6" descr="신문">
-                <a:extLst>
-                  <a:ext uri="{FF2B5EF4-FFF2-40B4-BE49-F238E27FC236}">
-                    <a16:creationId xmlns:a16="http://schemas.microsoft.com/office/drawing/2014/main" id="{B7048C4B-09C0-4F16-8DA2-FBA8506F07E6}"/>
-                  </a:ext>
-                </a:extLst>
-              </p:cNvPr>
-              <p:cNvPicPr>
-                <a:picLocks noChangeAspect="1"/>
-              </p:cNvPicPr>
-              <p:nvPr/>
-            </p:nvPicPr>
-            <p:blipFill>
-              <a:blip r:embed="rId4">
-                <a:extLst>
-                  <a:ext uri="{28A0092B-C50C-407E-A947-70E740481C1C}">
-                    <a14:useLocalDpi xmlns:a14="http://schemas.microsoft.com/office/drawing/2010/main" val="0"/>
-                  </a:ext>
-                  <a:ext uri="{96DAC541-7B7A-43D3-8B79-37D633B846F1}">
-                    <asvg:svgBlip xmlns:asvg="http://schemas.microsoft.com/office/drawing/2016/SVG/main" r:embed="rId5"/>
-                  </a:ext>
-                </a:extLst>
-              </a:blip>
-              <a:stretch>
-                <a:fillRect/>
-              </a:stretch>
-            </p:blipFill>
-            <p:spPr>
-              <a:xfrm>
-                <a:off x="2905125" y="57150"/>
-                <a:ext cx="914400" cy="914400"/>
-              </a:xfrm>
-              <a:prstGeom prst="rect">
-                <a:avLst/>
-              </a:prstGeom>
-            </p:spPr>
-          </p:pic>
-        </p:grpSp>
-        <p:sp>
-          <p:nvSpPr>
-            <p:cNvPr id="7" name="직사각형 6">
-              <a:extLst>
-                <a:ext uri="{FF2B5EF4-FFF2-40B4-BE49-F238E27FC236}">
-                  <a16:creationId xmlns:a16="http://schemas.microsoft.com/office/drawing/2014/main" id="{AE4A6623-1EEF-44B4-9DFF-E3E7B42BC12E}"/>
-                </a:ext>
-              </a:extLst>
-            </p:cNvPr>
-            <p:cNvSpPr/>
-            <p:nvPr/>
-          </p:nvSpPr>
-          <p:spPr>
-            <a:xfrm>
-              <a:off x="5476875" y="742950"/>
-              <a:ext cx="1276350" cy="657225"/>
-            </a:xfrm>
-            <a:prstGeom prst="rect">
-              <a:avLst/>
-            </a:prstGeom>
-          </p:spPr>
-          <p:style>
-            <a:lnRef idx="2">
-              <a:schemeClr val="accent1">
-                <a:shade val="50000"/>
-              </a:schemeClr>
-            </a:lnRef>
-            <a:fillRef idx="1">
-              <a:schemeClr val="accent1"/>
-            </a:fillRef>
-            <a:effectRef idx="0">
-              <a:schemeClr val="accent1"/>
-            </a:effectRef>
-            <a:fontRef idx="minor">
-              <a:schemeClr val="lt1"/>
-            </a:fontRef>
-          </p:style>
-          <p:txBody>
-            <a:bodyPr rot="0" spcFirstLastPara="0" vert="horz" wrap="square" lIns="91440" tIns="45720" rIns="91440" bIns="45720" numCol="1" spcCol="0" rtlCol="0" fromWordArt="0" anchor="t" anchorCtr="0" forceAA="0" compatLnSpc="1">
-              <a:prstTxWarp prst="textNoShape">
-                <a:avLst/>
-              </a:prstTxWarp>
-              <a:noAutofit/>
-            </a:bodyPr>
-            <a:lstStyle>
-              <a:lvl1pPr marL="0" indent="0">
-                <a:defRPr sz="1100">
-                  <a:solidFill>
-                    <a:schemeClr val="lt1"/>
-                  </a:solidFill>
-                  <a:latin typeface="+mn-lt"/>
-                  <a:ea typeface="+mn-ea"/>
-                  <a:cs typeface="+mn-cs"/>
-                </a:defRPr>
-              </a:lvl1pPr>
-              <a:lvl2pPr marL="457200" indent="0">
-                <a:defRPr sz="1100">
-                  <a:solidFill>
-                    <a:schemeClr val="lt1"/>
-                  </a:solidFill>
-                  <a:latin typeface="+mn-lt"/>
-                  <a:ea typeface="+mn-ea"/>
-                  <a:cs typeface="+mn-cs"/>
-                </a:defRPr>
-              </a:lvl2pPr>
-              <a:lvl3pPr marL="914400" indent="0">
-                <a:defRPr sz="1100">
-                  <a:solidFill>
-                    <a:schemeClr val="lt1"/>
-                  </a:solidFill>
-                  <a:latin typeface="+mn-lt"/>
-                  <a:ea typeface="+mn-ea"/>
-                  <a:cs typeface="+mn-cs"/>
-                </a:defRPr>
-              </a:lvl3pPr>
-              <a:lvl4pPr marL="1371600" indent="0">
-                <a:defRPr sz="1100">
-                  <a:solidFill>
-                    <a:schemeClr val="lt1"/>
-                  </a:solidFill>
-                  <a:latin typeface="+mn-lt"/>
-                  <a:ea typeface="+mn-ea"/>
-                  <a:cs typeface="+mn-cs"/>
-                </a:defRPr>
-              </a:lvl4pPr>
-              <a:lvl5pPr marL="1828800" indent="0">
-                <a:defRPr sz="1100">
-                  <a:solidFill>
-                    <a:schemeClr val="lt1"/>
-                  </a:solidFill>
-                  <a:latin typeface="+mn-lt"/>
-                  <a:ea typeface="+mn-ea"/>
-                  <a:cs typeface="+mn-cs"/>
-                </a:defRPr>
-              </a:lvl5pPr>
-              <a:lvl6pPr marL="2286000" indent="0">
-                <a:defRPr sz="1100">
-                  <a:solidFill>
-                    <a:schemeClr val="lt1"/>
-                  </a:solidFill>
-                  <a:latin typeface="+mn-lt"/>
-                  <a:ea typeface="+mn-ea"/>
-                  <a:cs typeface="+mn-cs"/>
-                </a:defRPr>
-              </a:lvl6pPr>
-              <a:lvl7pPr marL="2743200" indent="0">
-                <a:defRPr sz="1100">
-                  <a:solidFill>
-                    <a:schemeClr val="lt1"/>
-                  </a:solidFill>
-                  <a:latin typeface="+mn-lt"/>
-                  <a:ea typeface="+mn-ea"/>
-                  <a:cs typeface="+mn-cs"/>
-                </a:defRPr>
-              </a:lvl7pPr>
-              <a:lvl8pPr marL="3200400" indent="0">
-                <a:defRPr sz="1100">
-                  <a:solidFill>
-                    <a:schemeClr val="lt1"/>
-                  </a:solidFill>
-                  <a:latin typeface="+mn-lt"/>
-                  <a:ea typeface="+mn-ea"/>
-                  <a:cs typeface="+mn-cs"/>
-                </a:defRPr>
-              </a:lvl8pPr>
-              <a:lvl9pPr marL="3657600" indent="0">
-                <a:defRPr sz="1100">
-                  <a:solidFill>
-                    <a:schemeClr val="lt1"/>
-                  </a:solidFill>
-                  <a:latin typeface="+mn-lt"/>
-                  <a:ea typeface="+mn-ea"/>
-                  <a:cs typeface="+mn-cs"/>
-                </a:defRPr>
-              </a:lvl9pPr>
-            </a:lstStyle>
-            <a:p>
-              <a:pPr algn="ctr"/>
-              <a:r>
-                <a:rPr lang="en-US" altLang="ko-KR" sz="1800">
-                  <a:solidFill>
-                    <a:srgbClr val="FF0000"/>
-                  </a:solidFill>
-                </a:rPr>
-                <a:t>DB</a:t>
-              </a:r>
-            </a:p>
-            <a:p>
-              <a:pPr algn="ctr"/>
-              <a:r>
-                <a:rPr lang="en-US" altLang="ko-KR" sz="1800">
-                  <a:solidFill>
-                    <a:srgbClr val="FF0000"/>
-                  </a:solidFill>
-                </a:rPr>
-                <a:t>Server</a:t>
-              </a:r>
-              <a:endParaRPr lang="ko-KR" altLang="en-US" sz="1800">
-                <a:solidFill>
-                  <a:srgbClr val="FF0000"/>
-                </a:solidFill>
-              </a:endParaRPr>
-            </a:p>
-          </p:txBody>
-        </p:sp>
-        <p:grpSp>
-          <p:nvGrpSpPr>
-            <p:cNvPr id="8" name="그룹 7">
-              <a:extLst>
-                <a:ext uri="{FF2B5EF4-FFF2-40B4-BE49-F238E27FC236}">
-                  <a16:creationId xmlns:a16="http://schemas.microsoft.com/office/drawing/2014/main" id="{70234B7F-C24D-441E-8CAB-39FE00601B93}"/>
-                </a:ext>
-              </a:extLst>
-            </p:cNvPr>
-            <p:cNvGrpSpPr/>
-            <p:nvPr/>
-          </p:nvGrpSpPr>
-          <p:grpSpPr>
-            <a:xfrm>
-              <a:off x="5486400" y="0"/>
-              <a:ext cx="1333500" cy="971550"/>
-              <a:chOff x="5486400" y="0"/>
-              <a:chExt cx="1333500" cy="971550"/>
-            </a:xfrm>
-          </p:grpSpPr>
-          <p:pic>
-            <p:nvPicPr>
-              <p:cNvPr id="12" name="그래픽 9" descr="광 디스크">
-                <a:extLst>
-                  <a:ext uri="{FF2B5EF4-FFF2-40B4-BE49-F238E27FC236}">
-                    <a16:creationId xmlns:a16="http://schemas.microsoft.com/office/drawing/2014/main" id="{C3B492A7-6584-45C6-A0E0-C88E91E0EFBA}"/>
-                  </a:ext>
-                </a:extLst>
-              </p:cNvPr>
-              <p:cNvPicPr>
-                <a:picLocks noChangeAspect="1"/>
-              </p:cNvPicPr>
-              <p:nvPr/>
-            </p:nvPicPr>
-            <p:blipFill>
-              <a:blip r:embed="rId6">
-                <a:extLst>
-                  <a:ext uri="{28A0092B-C50C-407E-A947-70E740481C1C}">
-                    <a14:useLocalDpi xmlns:a14="http://schemas.microsoft.com/office/drawing/2010/main" val="0"/>
-                  </a:ext>
-                  <a:ext uri="{96DAC541-7B7A-43D3-8B79-37D633B846F1}">
-                    <asvg:svgBlip xmlns:asvg="http://schemas.microsoft.com/office/drawing/2016/SVG/main" r:embed="rId7"/>
-                  </a:ext>
-                </a:extLst>
-              </a:blip>
-              <a:stretch>
-                <a:fillRect/>
-              </a:stretch>
-            </p:blipFill>
-            <p:spPr>
-              <a:xfrm>
-                <a:off x="5695950" y="0"/>
-                <a:ext cx="914400" cy="914400"/>
-              </a:xfrm>
-              <a:prstGeom prst="rect">
-                <a:avLst/>
-              </a:prstGeom>
-            </p:spPr>
-          </p:pic>
-          <p:pic>
-            <p:nvPicPr>
-              <p:cNvPr id="13" name="그래픽 10" descr="광 디스크">
-                <a:extLst>
-                  <a:ext uri="{FF2B5EF4-FFF2-40B4-BE49-F238E27FC236}">
-                    <a16:creationId xmlns:a16="http://schemas.microsoft.com/office/drawing/2014/main" id="{65AB6DC4-026B-4948-BEB7-DEADF2FAEA0B}"/>
-                  </a:ext>
-                </a:extLst>
-              </p:cNvPr>
-              <p:cNvPicPr>
-                <a:picLocks noChangeAspect="1"/>
-              </p:cNvPicPr>
-              <p:nvPr/>
-            </p:nvPicPr>
-            <p:blipFill>
-              <a:blip r:embed="rId8">
-                <a:extLst>
-                  <a:ext uri="{28A0092B-C50C-407E-A947-70E740481C1C}">
-                    <a14:useLocalDpi xmlns:a14="http://schemas.microsoft.com/office/drawing/2010/main" val="0"/>
-                  </a:ext>
-                  <a:ext uri="{96DAC541-7B7A-43D3-8B79-37D633B846F1}">
-                    <asvg:svgBlip xmlns:asvg="http://schemas.microsoft.com/office/drawing/2016/SVG/main" r:embed="rId9"/>
-                  </a:ext>
-                </a:extLst>
-              </a:blip>
-              <a:stretch>
-                <a:fillRect/>
-              </a:stretch>
-            </p:blipFill>
-            <p:spPr>
-              <a:xfrm>
-                <a:off x="5486400" y="342900"/>
-                <a:ext cx="533400" cy="533400"/>
-              </a:xfrm>
-              <a:prstGeom prst="rect">
-                <a:avLst/>
-              </a:prstGeom>
-            </p:spPr>
-          </p:pic>
-          <p:pic>
-            <p:nvPicPr>
-              <p:cNvPr id="14" name="그래픽 11" descr="광 디스크">
-                <a:extLst>
-                  <a:ext uri="{FF2B5EF4-FFF2-40B4-BE49-F238E27FC236}">
-                    <a16:creationId xmlns:a16="http://schemas.microsoft.com/office/drawing/2014/main" id="{E660E0B9-A8BC-4676-B98D-4AFBCFEDEF2A}"/>
-                  </a:ext>
-                </a:extLst>
-              </p:cNvPr>
-              <p:cNvPicPr>
-                <a:picLocks noChangeAspect="1"/>
-              </p:cNvPicPr>
-              <p:nvPr/>
-            </p:nvPicPr>
-            <p:blipFill>
-              <a:blip r:embed="rId10">
-                <a:extLst>
-                  <a:ext uri="{28A0092B-C50C-407E-A947-70E740481C1C}">
-                    <a14:useLocalDpi xmlns:a14="http://schemas.microsoft.com/office/drawing/2010/main" val="0"/>
-                  </a:ext>
-                  <a:ext uri="{96DAC541-7B7A-43D3-8B79-37D633B846F1}">
-                    <asvg:svgBlip xmlns:asvg="http://schemas.microsoft.com/office/drawing/2016/SVG/main" r:embed="rId11"/>
-                  </a:ext>
-                </a:extLst>
-              </a:blip>
-              <a:stretch>
-                <a:fillRect/>
-              </a:stretch>
-            </p:blipFill>
-            <p:spPr>
-              <a:xfrm>
-                <a:off x="6038850" y="190500"/>
-                <a:ext cx="781050" cy="781050"/>
-              </a:xfrm>
-              <a:prstGeom prst="rect">
-                <a:avLst/>
-              </a:prstGeom>
-            </p:spPr>
-          </p:pic>
-        </p:grpSp>
-        <p:cxnSp>
-          <p:nvCxnSpPr>
-            <p:cNvPr id="9" name="직선 연결선 8">
-              <a:extLst>
-                <a:ext uri="{FF2B5EF4-FFF2-40B4-BE49-F238E27FC236}">
-                  <a16:creationId xmlns:a16="http://schemas.microsoft.com/office/drawing/2014/main" id="{0D990151-FE30-429D-8952-95EF3993B256}"/>
-                </a:ext>
-              </a:extLst>
-            </p:cNvPr>
-            <p:cNvCxnSpPr/>
-            <p:nvPr/>
-          </p:nvCxnSpPr>
-          <p:spPr>
-            <a:xfrm flipH="1">
-              <a:off x="628650" y="1409700"/>
-              <a:ext cx="9525" cy="3609975"/>
-            </a:xfrm>
-            <a:prstGeom prst="line">
-              <a:avLst/>
-            </a:prstGeom>
-            <a:ln w="57150"/>
-          </p:spPr>
-          <p:style>
-            <a:lnRef idx="1">
-              <a:schemeClr val="dk1"/>
-            </a:lnRef>
-            <a:fillRef idx="0">
-              <a:schemeClr val="dk1"/>
-            </a:fillRef>
-            <a:effectRef idx="0">
-              <a:schemeClr val="dk1"/>
-            </a:effectRef>
-            <a:fontRef idx="minor">
-              <a:schemeClr val="tx1"/>
-            </a:fontRef>
-          </p:style>
-        </p:cxnSp>
-        <p:cxnSp>
-          <p:nvCxnSpPr>
-            <p:cNvPr id="10" name="직선 연결선 9">
-              <a:extLst>
-                <a:ext uri="{FF2B5EF4-FFF2-40B4-BE49-F238E27FC236}">
-                  <a16:creationId xmlns:a16="http://schemas.microsoft.com/office/drawing/2014/main" id="{2EE3E663-DF7F-43B3-9609-23FCDC3D6C7D}"/>
-                </a:ext>
-              </a:extLst>
-            </p:cNvPr>
-            <p:cNvCxnSpPr/>
-            <p:nvPr/>
-          </p:nvCxnSpPr>
-          <p:spPr>
-            <a:xfrm flipH="1">
-              <a:off x="3362325" y="1400175"/>
-              <a:ext cx="9525" cy="3609975"/>
-            </a:xfrm>
-            <a:prstGeom prst="line">
-              <a:avLst/>
-            </a:prstGeom>
-            <a:ln w="57150"/>
-          </p:spPr>
-          <p:style>
-            <a:lnRef idx="1">
-              <a:schemeClr val="dk1"/>
-            </a:lnRef>
-            <a:fillRef idx="0">
-              <a:schemeClr val="dk1"/>
-            </a:fillRef>
-            <a:effectRef idx="0">
-              <a:schemeClr val="dk1"/>
-            </a:effectRef>
-            <a:fontRef idx="minor">
-              <a:schemeClr val="tx1"/>
-            </a:fontRef>
-          </p:style>
-        </p:cxnSp>
-        <p:cxnSp>
-          <p:nvCxnSpPr>
-            <p:cNvPr id="11" name="직선 연결선 10">
-              <a:extLst>
-                <a:ext uri="{FF2B5EF4-FFF2-40B4-BE49-F238E27FC236}">
-                  <a16:creationId xmlns:a16="http://schemas.microsoft.com/office/drawing/2014/main" id="{D817D94E-0665-4872-9CF6-66DEE9885701}"/>
-                </a:ext>
-              </a:extLst>
-            </p:cNvPr>
-            <p:cNvCxnSpPr/>
-            <p:nvPr/>
-          </p:nvCxnSpPr>
-          <p:spPr>
-            <a:xfrm flipH="1">
-              <a:off x="6086475" y="1409700"/>
-              <a:ext cx="9525" cy="3609975"/>
-            </a:xfrm>
-            <a:prstGeom prst="line">
-              <a:avLst/>
-            </a:prstGeom>
-            <a:ln w="57150"/>
-          </p:spPr>
-          <p:style>
-            <a:lnRef idx="1">
-              <a:schemeClr val="dk1"/>
-            </a:lnRef>
-            <a:fillRef idx="0">
-              <a:schemeClr val="dk1"/>
-            </a:fillRef>
-            <a:effectRef idx="0">
-              <a:schemeClr val="dk1"/>
-            </a:effectRef>
-            <a:fontRef idx="minor">
-              <a:schemeClr val="tx1"/>
-            </a:fontRef>
-          </p:style>
-        </p:cxnSp>
-      </p:grpSp>
-      <p:cxnSp>
-        <p:nvCxnSpPr>
-          <p:cNvPr id="19" name="직선 화살표 연결선 18">
-            <a:extLst>
-              <a:ext uri="{FF2B5EF4-FFF2-40B4-BE49-F238E27FC236}">
-                <a16:creationId xmlns:a16="http://schemas.microsoft.com/office/drawing/2014/main" id="{172AB9AE-8AE6-49E1-A747-8FBABF50A77C}"/>
-              </a:ext>
-            </a:extLst>
-          </p:cNvPr>
-          <p:cNvCxnSpPr/>
-          <p:nvPr/>
-        </p:nvCxnSpPr>
-        <p:spPr>
-          <a:xfrm flipH="1" flipV="1">
-            <a:off x="6178917" y="5019224"/>
-            <a:ext cx="2705100" cy="9525"/>
-          </a:xfrm>
-          <a:prstGeom prst="straightConnector1">
-            <a:avLst/>
-          </a:prstGeom>
-          <a:ln w="57150">
-            <a:tailEnd type="triangle"/>
-          </a:ln>
-        </p:spPr>
-        <p:style>
-          <a:lnRef idx="1">
-            <a:schemeClr val="accent1"/>
-          </a:lnRef>
-          <a:fillRef idx="0">
-            <a:schemeClr val="accent1"/>
-          </a:fillRef>
-          <a:effectRef idx="0">
-            <a:schemeClr val="accent1"/>
-          </a:effectRef>
-          <a:fontRef idx="minor">
-            <a:schemeClr val="tx1"/>
-          </a:fontRef>
-        </p:style>
-      </p:cxnSp>
-      <p:cxnSp>
-        <p:nvCxnSpPr>
-          <p:cNvPr id="20" name="직선 화살표 연결선 19">
-            <a:extLst>
-              <a:ext uri="{FF2B5EF4-FFF2-40B4-BE49-F238E27FC236}">
-                <a16:creationId xmlns:a16="http://schemas.microsoft.com/office/drawing/2014/main" id="{4D175E8A-B71E-4547-943B-536D48C3FB55}"/>
-              </a:ext>
-            </a:extLst>
-          </p:cNvPr>
-          <p:cNvCxnSpPr/>
-          <p:nvPr/>
-        </p:nvCxnSpPr>
-        <p:spPr>
-          <a:xfrm>
-            <a:off x="6151400" y="3764743"/>
-            <a:ext cx="2743200" cy="0"/>
-          </a:xfrm>
-          <a:prstGeom prst="straightConnector1">
-            <a:avLst/>
-          </a:prstGeom>
-          <a:ln w="57150">
-            <a:tailEnd type="triangle"/>
-          </a:ln>
-        </p:spPr>
-        <p:style>
-          <a:lnRef idx="1">
-            <a:schemeClr val="accent1"/>
-          </a:lnRef>
-          <a:fillRef idx="0">
-            <a:schemeClr val="accent1"/>
-          </a:fillRef>
-          <a:effectRef idx="0">
-            <a:schemeClr val="accent1"/>
-          </a:effectRef>
-          <a:fontRef idx="minor">
-            <a:schemeClr val="tx1"/>
-          </a:fontRef>
-        </p:style>
-      </p:cxnSp>
-      <p:cxnSp>
-        <p:nvCxnSpPr>
-          <p:cNvPr id="21" name="직선 화살표 연결선 20">
-            <a:extLst>
-              <a:ext uri="{FF2B5EF4-FFF2-40B4-BE49-F238E27FC236}">
-                <a16:creationId xmlns:a16="http://schemas.microsoft.com/office/drawing/2014/main" id="{1CA0C692-4AEF-4D2B-A670-B9BBE14BF39E}"/>
-              </a:ext>
-            </a:extLst>
-          </p:cNvPr>
-          <p:cNvCxnSpPr/>
-          <p:nvPr/>
-        </p:nvCxnSpPr>
-        <p:spPr>
-          <a:xfrm>
-            <a:off x="3408200" y="3574118"/>
-            <a:ext cx="2743200" cy="0"/>
-          </a:xfrm>
-          <a:prstGeom prst="straightConnector1">
-            <a:avLst/>
-          </a:prstGeom>
-          <a:ln w="57150">
-            <a:tailEnd type="triangle"/>
-          </a:ln>
-        </p:spPr>
-        <p:style>
-          <a:lnRef idx="1">
-            <a:schemeClr val="accent1"/>
-          </a:lnRef>
-          <a:fillRef idx="0">
-            <a:schemeClr val="accent1"/>
-          </a:fillRef>
-          <a:effectRef idx="0">
-            <a:schemeClr val="accent1"/>
-          </a:effectRef>
-          <a:fontRef idx="minor">
-            <a:schemeClr val="tx1"/>
-          </a:fontRef>
-        </p:style>
-      </p:cxnSp>
-      <p:sp>
-        <p:nvSpPr>
-          <p:cNvPr id="22" name="TextBox 18">
-            <a:extLst>
-              <a:ext uri="{FF2B5EF4-FFF2-40B4-BE49-F238E27FC236}">
-                <a16:creationId xmlns:a16="http://schemas.microsoft.com/office/drawing/2014/main" id="{77894EFC-9140-4219-860F-1989AAF6121E}"/>
-              </a:ext>
-            </a:extLst>
-          </p:cNvPr>
-          <p:cNvSpPr txBox="1"/>
-          <p:nvPr/>
-        </p:nvSpPr>
-        <p:spPr>
-          <a:xfrm>
-            <a:off x="3482283" y="3212567"/>
-            <a:ext cx="2640542" cy="261610"/>
-          </a:xfrm>
-          <a:prstGeom prst="rect">
-            <a:avLst/>
-          </a:prstGeom>
-          <a:noFill/>
-        </p:spPr>
-        <p:style>
-          <a:lnRef idx="0">
-            <a:scrgbClr r="0" g="0" b="0"/>
-          </a:lnRef>
-          <a:fillRef idx="0">
-            <a:scrgbClr r="0" g="0" b="0"/>
-          </a:fillRef>
-          <a:effectRef idx="0">
-            <a:scrgbClr r="0" g="0" b="0"/>
-          </a:effectRef>
-          <a:fontRef idx="minor">
-            <a:schemeClr val="tx1"/>
-          </a:fontRef>
-        </p:style>
-        <p:txBody>
-          <a:bodyPr wrap="square" rtlCol="0" anchor="t">
-            <a:spAutoFit/>
-          </a:bodyPr>
-          <a:lstStyle>
-            <a:lvl1pPr marL="0" indent="0">
-              <a:defRPr sz="1100">
-                <a:solidFill>
-                  <a:schemeClr val="tx1"/>
-                </a:solidFill>
-                <a:latin typeface="+mn-lt"/>
-                <a:ea typeface="+mn-ea"/>
-                <a:cs typeface="+mn-cs"/>
-              </a:defRPr>
-            </a:lvl1pPr>
-            <a:lvl2pPr marL="457200" indent="0">
-              <a:defRPr sz="1100">
-                <a:solidFill>
-                  <a:schemeClr val="tx1"/>
-                </a:solidFill>
-                <a:latin typeface="+mn-lt"/>
-                <a:ea typeface="+mn-ea"/>
-                <a:cs typeface="+mn-cs"/>
-              </a:defRPr>
-            </a:lvl2pPr>
-            <a:lvl3pPr marL="914400" indent="0">
-              <a:defRPr sz="1100">
-                <a:solidFill>
-                  <a:schemeClr val="tx1"/>
-                </a:solidFill>
-                <a:latin typeface="+mn-lt"/>
-                <a:ea typeface="+mn-ea"/>
-                <a:cs typeface="+mn-cs"/>
-              </a:defRPr>
-            </a:lvl3pPr>
-            <a:lvl4pPr marL="1371600" indent="0">
-              <a:defRPr sz="1100">
-                <a:solidFill>
-                  <a:schemeClr val="tx1"/>
-                </a:solidFill>
-                <a:latin typeface="+mn-lt"/>
-                <a:ea typeface="+mn-ea"/>
-                <a:cs typeface="+mn-cs"/>
-              </a:defRPr>
-            </a:lvl4pPr>
-            <a:lvl5pPr marL="1828800" indent="0">
-              <a:defRPr sz="1100">
-                <a:solidFill>
-                  <a:schemeClr val="tx1"/>
-                </a:solidFill>
-                <a:latin typeface="+mn-lt"/>
-                <a:ea typeface="+mn-ea"/>
-                <a:cs typeface="+mn-cs"/>
-              </a:defRPr>
-            </a:lvl5pPr>
-            <a:lvl6pPr marL="2286000" indent="0">
-              <a:defRPr sz="1100">
-                <a:solidFill>
-                  <a:schemeClr val="tx1"/>
-                </a:solidFill>
-                <a:latin typeface="+mn-lt"/>
-                <a:ea typeface="+mn-ea"/>
-                <a:cs typeface="+mn-cs"/>
-              </a:defRPr>
-            </a:lvl6pPr>
-            <a:lvl7pPr marL="2743200" indent="0">
-              <a:defRPr sz="1100">
-                <a:solidFill>
-                  <a:schemeClr val="tx1"/>
-                </a:solidFill>
-                <a:latin typeface="+mn-lt"/>
-                <a:ea typeface="+mn-ea"/>
-                <a:cs typeface="+mn-cs"/>
-              </a:defRPr>
-            </a:lvl7pPr>
-            <a:lvl8pPr marL="3200400" indent="0">
-              <a:defRPr sz="1100">
-                <a:solidFill>
-                  <a:schemeClr val="tx1"/>
-                </a:solidFill>
-                <a:latin typeface="+mn-lt"/>
-                <a:ea typeface="+mn-ea"/>
-                <a:cs typeface="+mn-cs"/>
-              </a:defRPr>
-            </a:lvl8pPr>
-            <a:lvl9pPr marL="3657600" indent="0">
-              <a:defRPr sz="1100">
-                <a:solidFill>
-                  <a:schemeClr val="tx1"/>
-                </a:solidFill>
-                <a:latin typeface="+mn-lt"/>
-                <a:ea typeface="+mn-ea"/>
-                <a:cs typeface="+mn-cs"/>
-              </a:defRPr>
-            </a:lvl9pPr>
-          </a:lstStyle>
-          <a:p>
-            <a:r>
-              <a:rPr lang="en-US" altLang="ko-KR" dirty="0"/>
-              <a:t>GAMSERVER_REQ_USER_LOGOUT</a:t>
-            </a:r>
-            <a:endParaRPr lang="ko-KR" altLang="en-US" sz="1100" dirty="0"/>
-          </a:p>
-        </p:txBody>
-      </p:sp>
-      <p:cxnSp>
-        <p:nvCxnSpPr>
-          <p:cNvPr id="23" name="직선 화살표 연결선 22">
-            <a:extLst>
-              <a:ext uri="{FF2B5EF4-FFF2-40B4-BE49-F238E27FC236}">
-                <a16:creationId xmlns:a16="http://schemas.microsoft.com/office/drawing/2014/main" id="{73CAF348-82BF-4983-B2B9-FAD0C6D47453}"/>
-              </a:ext>
-            </a:extLst>
-          </p:cNvPr>
-          <p:cNvCxnSpPr/>
-          <p:nvPr/>
-        </p:nvCxnSpPr>
-        <p:spPr>
-          <a:xfrm flipH="1" flipV="1">
-            <a:off x="3417725" y="5567259"/>
-            <a:ext cx="2705100" cy="9525"/>
-          </a:xfrm>
-          <a:prstGeom prst="straightConnector1">
-            <a:avLst/>
-          </a:prstGeom>
-          <a:ln w="57150">
-            <a:tailEnd type="triangle"/>
-          </a:ln>
-        </p:spPr>
-        <p:style>
-          <a:lnRef idx="1">
-            <a:schemeClr val="accent1"/>
-          </a:lnRef>
-          <a:fillRef idx="0">
-            <a:schemeClr val="accent1"/>
-          </a:fillRef>
-          <a:effectRef idx="0">
-            <a:schemeClr val="accent1"/>
-          </a:effectRef>
-          <a:fontRef idx="minor">
-            <a:schemeClr val="tx1"/>
-          </a:fontRef>
-        </p:style>
-      </p:cxnSp>
-      <p:sp>
-        <p:nvSpPr>
-          <p:cNvPr id="24" name="직사각형 23">
-            <a:extLst>
-              <a:ext uri="{FF2B5EF4-FFF2-40B4-BE49-F238E27FC236}">
-                <a16:creationId xmlns:a16="http://schemas.microsoft.com/office/drawing/2014/main" id="{3A946E76-EBE0-4802-BFCD-D85FB99B0934}"/>
-              </a:ext>
-            </a:extLst>
-          </p:cNvPr>
-          <p:cNvSpPr/>
-          <p:nvPr/>
-        </p:nvSpPr>
-        <p:spPr>
-          <a:xfrm>
-            <a:off x="6449520" y="3824563"/>
-            <a:ext cx="1806905" cy="261610"/>
-          </a:xfrm>
-          <a:prstGeom prst="rect">
-            <a:avLst/>
-          </a:prstGeom>
-        </p:spPr>
-        <p:txBody>
-          <a:bodyPr wrap="none">
-            <a:spAutoFit/>
-          </a:bodyPr>
-          <a:lstStyle/>
-          <a:p>
-            <a:r>
-              <a:rPr lang="en-US" altLang="ko-KR" sz="1100" dirty="0">
-                <a:solidFill>
-                  <a:srgbClr val="000000"/>
-                </a:solidFill>
-                <a:latin typeface="돋움체" panose="020B0609000101010101" pitchFamily="49" charset="-127"/>
-                <a:ea typeface="돋움체" panose="020B0609000101010101" pitchFamily="49" charset="-127"/>
-              </a:rPr>
-              <a:t>RE_REQ_REMOVE_USER_DATA</a:t>
-            </a:r>
-            <a:endParaRPr lang="ko-KR" altLang="en-US" sz="1100" dirty="0"/>
-          </a:p>
-        </p:txBody>
-      </p:sp>
-      <p:sp>
-        <p:nvSpPr>
-          <p:cNvPr id="25" name="TextBox 18">
-            <a:extLst>
-              <a:ext uri="{FF2B5EF4-FFF2-40B4-BE49-F238E27FC236}">
-                <a16:creationId xmlns:a16="http://schemas.microsoft.com/office/drawing/2014/main" id="{5724233E-ECE3-4C1C-9F0F-B928CCB29EC0}"/>
-              </a:ext>
-            </a:extLst>
-          </p:cNvPr>
-          <p:cNvSpPr txBox="1"/>
-          <p:nvPr/>
-        </p:nvSpPr>
-        <p:spPr>
-          <a:xfrm>
-            <a:off x="3538375" y="5104949"/>
-            <a:ext cx="2640542" cy="261610"/>
-          </a:xfrm>
-          <a:prstGeom prst="rect">
-            <a:avLst/>
-          </a:prstGeom>
-          <a:noFill/>
-        </p:spPr>
-        <p:style>
-          <a:lnRef idx="0">
-            <a:scrgbClr r="0" g="0" b="0"/>
-          </a:lnRef>
-          <a:fillRef idx="0">
-            <a:scrgbClr r="0" g="0" b="0"/>
-          </a:fillRef>
-          <a:effectRef idx="0">
-            <a:scrgbClr r="0" g="0" b="0"/>
-          </a:effectRef>
-          <a:fontRef idx="minor">
-            <a:schemeClr val="tx1"/>
-          </a:fontRef>
-        </p:style>
-        <p:txBody>
-          <a:bodyPr wrap="square" rtlCol="0" anchor="t">
-            <a:spAutoFit/>
-          </a:bodyPr>
-          <a:lstStyle>
-            <a:lvl1pPr marL="0" indent="0">
-              <a:defRPr sz="1100">
-                <a:solidFill>
-                  <a:schemeClr val="tx1"/>
-                </a:solidFill>
-                <a:latin typeface="+mn-lt"/>
-                <a:ea typeface="+mn-ea"/>
-                <a:cs typeface="+mn-cs"/>
-              </a:defRPr>
-            </a:lvl1pPr>
-            <a:lvl2pPr marL="457200" indent="0">
-              <a:defRPr sz="1100">
-                <a:solidFill>
-                  <a:schemeClr val="tx1"/>
-                </a:solidFill>
-                <a:latin typeface="+mn-lt"/>
-                <a:ea typeface="+mn-ea"/>
-                <a:cs typeface="+mn-cs"/>
-              </a:defRPr>
-            </a:lvl2pPr>
-            <a:lvl3pPr marL="914400" indent="0">
-              <a:defRPr sz="1100">
-                <a:solidFill>
-                  <a:schemeClr val="tx1"/>
-                </a:solidFill>
-                <a:latin typeface="+mn-lt"/>
-                <a:ea typeface="+mn-ea"/>
-                <a:cs typeface="+mn-cs"/>
-              </a:defRPr>
-            </a:lvl3pPr>
-            <a:lvl4pPr marL="1371600" indent="0">
-              <a:defRPr sz="1100">
-                <a:solidFill>
-                  <a:schemeClr val="tx1"/>
-                </a:solidFill>
-                <a:latin typeface="+mn-lt"/>
-                <a:ea typeface="+mn-ea"/>
-                <a:cs typeface="+mn-cs"/>
-              </a:defRPr>
-            </a:lvl4pPr>
-            <a:lvl5pPr marL="1828800" indent="0">
-              <a:defRPr sz="1100">
-                <a:solidFill>
-                  <a:schemeClr val="tx1"/>
-                </a:solidFill>
-                <a:latin typeface="+mn-lt"/>
-                <a:ea typeface="+mn-ea"/>
-                <a:cs typeface="+mn-cs"/>
-              </a:defRPr>
-            </a:lvl5pPr>
-            <a:lvl6pPr marL="2286000" indent="0">
-              <a:defRPr sz="1100">
-                <a:solidFill>
-                  <a:schemeClr val="tx1"/>
-                </a:solidFill>
-                <a:latin typeface="+mn-lt"/>
-                <a:ea typeface="+mn-ea"/>
-                <a:cs typeface="+mn-cs"/>
-              </a:defRPr>
-            </a:lvl6pPr>
-            <a:lvl7pPr marL="2743200" indent="0">
-              <a:defRPr sz="1100">
-                <a:solidFill>
-                  <a:schemeClr val="tx1"/>
-                </a:solidFill>
-                <a:latin typeface="+mn-lt"/>
-                <a:ea typeface="+mn-ea"/>
-                <a:cs typeface="+mn-cs"/>
-              </a:defRPr>
-            </a:lvl7pPr>
-            <a:lvl8pPr marL="3200400" indent="0">
-              <a:defRPr sz="1100">
-                <a:solidFill>
-                  <a:schemeClr val="tx1"/>
-                </a:solidFill>
-                <a:latin typeface="+mn-lt"/>
-                <a:ea typeface="+mn-ea"/>
-                <a:cs typeface="+mn-cs"/>
-              </a:defRPr>
-            </a:lvl8pPr>
-            <a:lvl9pPr marL="3657600" indent="0">
-              <a:defRPr sz="1100">
-                <a:solidFill>
-                  <a:schemeClr val="tx1"/>
-                </a:solidFill>
-                <a:latin typeface="+mn-lt"/>
-                <a:ea typeface="+mn-ea"/>
-                <a:cs typeface="+mn-cs"/>
-              </a:defRPr>
-            </a:lvl9pPr>
-          </a:lstStyle>
-          <a:p>
-            <a:r>
-              <a:rPr lang="en-US" altLang="ko-KR" dirty="0"/>
-              <a:t>GAMSERVER_RES_USER_LOGIN</a:t>
-            </a:r>
-            <a:endParaRPr lang="ko-KR" altLang="en-US" sz="1100" dirty="0"/>
-          </a:p>
-        </p:txBody>
-      </p:sp>
-      <p:sp>
-        <p:nvSpPr>
-          <p:cNvPr id="26" name="TextBox 18">
-            <a:extLst>
-              <a:ext uri="{FF2B5EF4-FFF2-40B4-BE49-F238E27FC236}">
-                <a16:creationId xmlns:a16="http://schemas.microsoft.com/office/drawing/2014/main" id="{E81F5DB5-6CAA-40F8-A45F-F5278B3A0789}"/>
-              </a:ext>
-            </a:extLst>
-          </p:cNvPr>
-          <p:cNvSpPr txBox="1"/>
-          <p:nvPr/>
-        </p:nvSpPr>
-        <p:spPr>
-          <a:xfrm>
-            <a:off x="3501432" y="5795184"/>
-            <a:ext cx="2640542" cy="261610"/>
-          </a:xfrm>
-          <a:prstGeom prst="rect">
-            <a:avLst/>
-          </a:prstGeom>
-          <a:noFill/>
-        </p:spPr>
-        <p:style>
-          <a:lnRef idx="0">
-            <a:scrgbClr r="0" g="0" b="0"/>
-          </a:lnRef>
-          <a:fillRef idx="0">
-            <a:scrgbClr r="0" g="0" b="0"/>
-          </a:fillRef>
-          <a:effectRef idx="0">
-            <a:scrgbClr r="0" g="0" b="0"/>
-          </a:effectRef>
-          <a:fontRef idx="minor">
-            <a:schemeClr val="tx1"/>
-          </a:fontRef>
-        </p:style>
-        <p:txBody>
-          <a:bodyPr wrap="square" rtlCol="0" anchor="t">
-            <a:spAutoFit/>
-          </a:bodyPr>
-          <a:lstStyle>
-            <a:lvl1pPr marL="0" indent="0">
-              <a:defRPr sz="1100">
-                <a:solidFill>
-                  <a:schemeClr val="tx1"/>
-                </a:solidFill>
-                <a:latin typeface="+mn-lt"/>
-                <a:ea typeface="+mn-ea"/>
-                <a:cs typeface="+mn-cs"/>
-              </a:defRPr>
-            </a:lvl1pPr>
-            <a:lvl2pPr marL="457200" indent="0">
-              <a:defRPr sz="1100">
-                <a:solidFill>
-                  <a:schemeClr val="tx1"/>
-                </a:solidFill>
-                <a:latin typeface="+mn-lt"/>
-                <a:ea typeface="+mn-ea"/>
-                <a:cs typeface="+mn-cs"/>
-              </a:defRPr>
-            </a:lvl2pPr>
-            <a:lvl3pPr marL="914400" indent="0">
-              <a:defRPr sz="1100">
-                <a:solidFill>
-                  <a:schemeClr val="tx1"/>
-                </a:solidFill>
-                <a:latin typeface="+mn-lt"/>
-                <a:ea typeface="+mn-ea"/>
-                <a:cs typeface="+mn-cs"/>
-              </a:defRPr>
-            </a:lvl3pPr>
-            <a:lvl4pPr marL="1371600" indent="0">
-              <a:defRPr sz="1100">
-                <a:solidFill>
-                  <a:schemeClr val="tx1"/>
-                </a:solidFill>
-                <a:latin typeface="+mn-lt"/>
-                <a:ea typeface="+mn-ea"/>
-                <a:cs typeface="+mn-cs"/>
-              </a:defRPr>
-            </a:lvl4pPr>
-            <a:lvl5pPr marL="1828800" indent="0">
-              <a:defRPr sz="1100">
-                <a:solidFill>
-                  <a:schemeClr val="tx1"/>
-                </a:solidFill>
-                <a:latin typeface="+mn-lt"/>
-                <a:ea typeface="+mn-ea"/>
-                <a:cs typeface="+mn-cs"/>
-              </a:defRPr>
-            </a:lvl5pPr>
-            <a:lvl6pPr marL="2286000" indent="0">
-              <a:defRPr sz="1100">
-                <a:solidFill>
-                  <a:schemeClr val="tx1"/>
-                </a:solidFill>
-                <a:latin typeface="+mn-lt"/>
-                <a:ea typeface="+mn-ea"/>
-                <a:cs typeface="+mn-cs"/>
-              </a:defRPr>
-            </a:lvl6pPr>
-            <a:lvl7pPr marL="2743200" indent="0">
-              <a:defRPr sz="1100">
-                <a:solidFill>
-                  <a:schemeClr val="tx1"/>
-                </a:solidFill>
-                <a:latin typeface="+mn-lt"/>
-                <a:ea typeface="+mn-ea"/>
-                <a:cs typeface="+mn-cs"/>
-              </a:defRPr>
-            </a:lvl7pPr>
-            <a:lvl8pPr marL="3200400" indent="0">
-              <a:defRPr sz="1100">
-                <a:solidFill>
-                  <a:schemeClr val="tx1"/>
-                </a:solidFill>
-                <a:latin typeface="+mn-lt"/>
-                <a:ea typeface="+mn-ea"/>
-                <a:cs typeface="+mn-cs"/>
-              </a:defRPr>
-            </a:lvl8pPr>
-            <a:lvl9pPr marL="3657600" indent="0">
-              <a:defRPr sz="1100">
-                <a:solidFill>
-                  <a:schemeClr val="tx1"/>
-                </a:solidFill>
-                <a:latin typeface="+mn-lt"/>
-                <a:ea typeface="+mn-ea"/>
-                <a:cs typeface="+mn-cs"/>
-              </a:defRPr>
-            </a:lvl9pPr>
-          </a:lstStyle>
-          <a:p>
-            <a:r>
-              <a:rPr lang="en-US" altLang="ko-KR" dirty="0"/>
-              <a:t>GAMSERVER_NTF_USER_LOGOUT</a:t>
-            </a:r>
-            <a:endParaRPr lang="ko-KR" altLang="en-US" sz="1100" dirty="0"/>
-          </a:p>
-        </p:txBody>
-      </p:sp>
-      <p:cxnSp>
-        <p:nvCxnSpPr>
-          <p:cNvPr id="27" name="직선 화살표 연결선 26">
-            <a:extLst>
-              <a:ext uri="{FF2B5EF4-FFF2-40B4-BE49-F238E27FC236}">
-                <a16:creationId xmlns:a16="http://schemas.microsoft.com/office/drawing/2014/main" id="{B55B0275-7ED6-4EF7-833F-9216EDAED66F}"/>
-              </a:ext>
-            </a:extLst>
-          </p:cNvPr>
-          <p:cNvCxnSpPr/>
-          <p:nvPr/>
-        </p:nvCxnSpPr>
-        <p:spPr>
-          <a:xfrm flipH="1" flipV="1">
-            <a:off x="3351050" y="6073250"/>
-            <a:ext cx="2705100" cy="9525"/>
-          </a:xfrm>
-          <a:prstGeom prst="straightConnector1">
-            <a:avLst/>
-          </a:prstGeom>
-          <a:ln w="57150">
-            <a:tailEnd type="triangle"/>
-          </a:ln>
-        </p:spPr>
-        <p:style>
-          <a:lnRef idx="1">
-            <a:schemeClr val="accent1"/>
-          </a:lnRef>
-          <a:fillRef idx="0">
-            <a:schemeClr val="accent1"/>
-          </a:fillRef>
-          <a:effectRef idx="0">
-            <a:schemeClr val="accent1"/>
-          </a:effectRef>
-          <a:fontRef idx="minor">
-            <a:schemeClr val="tx1"/>
-          </a:fontRef>
-        </p:style>
-      </p:cxnSp>
-      <p:sp>
-        <p:nvSpPr>
-          <p:cNvPr id="28" name="직사각형 27">
-            <a:extLst>
-              <a:ext uri="{FF2B5EF4-FFF2-40B4-BE49-F238E27FC236}">
-                <a16:creationId xmlns:a16="http://schemas.microsoft.com/office/drawing/2014/main" id="{5D320F4D-6A83-4E1D-B849-217F7962DF1A}"/>
-              </a:ext>
-            </a:extLst>
-          </p:cNvPr>
-          <p:cNvSpPr/>
-          <p:nvPr/>
-        </p:nvSpPr>
-        <p:spPr>
-          <a:xfrm>
-            <a:off x="6548761" y="5067203"/>
-            <a:ext cx="1806905" cy="261610"/>
-          </a:xfrm>
-          <a:prstGeom prst="rect">
-            <a:avLst/>
-          </a:prstGeom>
-        </p:spPr>
-        <p:txBody>
-          <a:bodyPr wrap="none">
-            <a:spAutoFit/>
-          </a:bodyPr>
-          <a:lstStyle/>
-          <a:p>
-            <a:r>
-              <a:rPr lang="en-US" altLang="ko-KR" sz="1100" dirty="0">
-                <a:solidFill>
-                  <a:srgbClr val="000000"/>
-                </a:solidFill>
-                <a:latin typeface="돋움체" panose="020B0609000101010101" pitchFamily="49" charset="-127"/>
-                <a:ea typeface="돋움체" panose="020B0609000101010101" pitchFamily="49" charset="-127"/>
-              </a:rPr>
-              <a:t>RE_RES_REMOVE_USER_DATA</a:t>
-            </a:r>
-            <a:endParaRPr lang="ko-KR" altLang="en-US" sz="1100" dirty="0"/>
-          </a:p>
-        </p:txBody>
-      </p:sp>
-      <p:sp>
-        <p:nvSpPr>
-          <p:cNvPr id="3" name="TextBox 2">
-            <a:extLst>
-              <a:ext uri="{FF2B5EF4-FFF2-40B4-BE49-F238E27FC236}">
-                <a16:creationId xmlns:a16="http://schemas.microsoft.com/office/drawing/2014/main" id="{A5EAD5C1-29F1-4775-AF7B-8AEBE4003C26}"/>
-              </a:ext>
-            </a:extLst>
-          </p:cNvPr>
-          <p:cNvSpPr txBox="1"/>
-          <p:nvPr/>
-        </p:nvSpPr>
-        <p:spPr>
-          <a:xfrm>
-            <a:off x="9323100" y="3469028"/>
-            <a:ext cx="2343911" cy="2308324"/>
-          </a:xfrm>
-          <a:prstGeom prst="rect">
-            <a:avLst/>
-          </a:prstGeom>
-          <a:noFill/>
-        </p:spPr>
-        <p:txBody>
-          <a:bodyPr wrap="none" rtlCol="0">
-            <a:spAutoFit/>
-          </a:bodyPr>
-          <a:lstStyle/>
-          <a:p>
-            <a:r>
-              <a:rPr lang="ko-KR" altLang="en-US" dirty="0"/>
-              <a:t>로그 아웃을</a:t>
-            </a:r>
-            <a:endParaRPr lang="en-US" altLang="ko-KR" dirty="0"/>
-          </a:p>
-          <a:p>
-            <a:r>
-              <a:rPr lang="ko-KR" altLang="en-US" dirty="0"/>
-              <a:t>요청하면 </a:t>
-            </a:r>
-            <a:r>
-              <a:rPr lang="ko-KR" altLang="en-US" dirty="0" err="1"/>
-              <a:t>레디스에서</a:t>
-            </a:r>
-            <a:endParaRPr lang="en-US" altLang="ko-KR" dirty="0"/>
-          </a:p>
-          <a:p>
-            <a:r>
-              <a:rPr lang="ko-KR" altLang="en-US" dirty="0"/>
-              <a:t>유저 정보를 지우</a:t>
-            </a:r>
-            <a:endParaRPr lang="en-US" altLang="ko-KR" dirty="0"/>
-          </a:p>
-          <a:p>
-            <a:r>
-              <a:rPr lang="ko-KR" altLang="en-US" dirty="0"/>
-              <a:t>도록 하고</a:t>
-            </a:r>
-            <a:endParaRPr lang="en-US" altLang="ko-KR" dirty="0"/>
-          </a:p>
-          <a:p>
-            <a:r>
-              <a:rPr lang="ko-KR" altLang="en-US" dirty="0"/>
-              <a:t>답변을 보내고</a:t>
-            </a:r>
-            <a:endParaRPr lang="en-US" altLang="ko-KR" dirty="0"/>
-          </a:p>
-          <a:p>
-            <a:r>
-              <a:rPr lang="ko-KR" altLang="en-US" dirty="0"/>
-              <a:t>나머지 사람들에게 </a:t>
-            </a:r>
-            <a:endParaRPr lang="en-US" altLang="ko-KR" dirty="0"/>
-          </a:p>
-          <a:p>
-            <a:r>
-              <a:rPr lang="ko-KR" altLang="en-US" dirty="0"/>
-              <a:t>알린다</a:t>
-            </a:r>
-            <a:r>
-              <a:rPr lang="en-US" altLang="ko-KR" dirty="0"/>
-              <a:t>.</a:t>
-            </a:r>
-            <a:r>
-              <a:rPr lang="ko-KR" altLang="en-US" dirty="0"/>
-              <a:t> </a:t>
-            </a:r>
-            <a:endParaRPr lang="en-US" altLang="ko-KR" dirty="0"/>
-          </a:p>
-          <a:p>
-            <a:endParaRPr lang="ko-KR" altLang="en-US" dirty="0"/>
-          </a:p>
-        </p:txBody>
-      </p:sp>
-    </p:spTree>
-    <p:extLst>
-      <p:ext uri="{BB962C8B-B14F-4D97-AF65-F5344CB8AC3E}">
-        <p14:creationId xmlns:p14="http://schemas.microsoft.com/office/powerpoint/2010/main" val="3075621"/>
       </p:ext>
     </p:extLst>
   </p:cSld>
@@ -16117,6 +16847,9 @@
             <a:avLst/>
           </a:prstGeom>
           <a:ln w="57150">
+            <a:solidFill>
+              <a:srgbClr val="FF0000"/>
+            </a:solidFill>
             <a:tailEnd type="triangle"/>
           </a:ln>
         </p:spPr>
@@ -16156,6 +16889,9 @@
             <a:avLst/>
           </a:prstGeom>
           <a:ln w="57150">
+            <a:solidFill>
+              <a:srgbClr val="FF0000"/>
+            </a:solidFill>
             <a:tailEnd type="triangle"/>
           </a:ln>
         </p:spPr>
@@ -25121,7 +25857,7 @@
           <p:cNvPr id="2" name="제목 1">
             <a:extLst>
               <a:ext uri="{FF2B5EF4-FFF2-40B4-BE49-F238E27FC236}">
-                <a16:creationId xmlns:a16="http://schemas.microsoft.com/office/drawing/2014/main" id="{30FEC8F1-9E03-4DBB-B89F-12367D8F054C}"/>
+                <a16:creationId xmlns:a16="http://schemas.microsoft.com/office/drawing/2014/main" id="{0CC91C42-3178-4632-A79C-F82736819F85}"/>
               </a:ext>
             </a:extLst>
           </p:cNvPr>
@@ -25134,7 +25870,7 @@
         </p:nvSpPr>
         <p:spPr>
           <a:xfrm>
-            <a:off x="0" y="12506"/>
+            <a:off x="0" y="-8197"/>
             <a:ext cx="10515600" cy="1325563"/>
           </a:xfrm>
         </p:spPr>
@@ -25144,17 +25880,17 @@
           <a:p>
             <a:r>
               <a:rPr lang="ko-KR" altLang="en-US" dirty="0"/>
-              <a:t>유저 하트비트</a:t>
+              <a:t>로그아웃</a:t>
             </a:r>
           </a:p>
         </p:txBody>
       </p:sp>
       <p:grpSp>
         <p:nvGrpSpPr>
-          <p:cNvPr id="3" name="그룹 2">
+          <p:cNvPr id="4" name="그룹 3">
             <a:extLst>
               <a:ext uri="{FF2B5EF4-FFF2-40B4-BE49-F238E27FC236}">
-                <a16:creationId xmlns:a16="http://schemas.microsoft.com/office/drawing/2014/main" id="{A62670BC-4CED-4AF4-A6A9-E96E7418E50A}"/>
+                <a16:creationId xmlns:a16="http://schemas.microsoft.com/office/drawing/2014/main" id="{C99D18B9-40CC-4D2E-B888-29D6BA07B889}"/>
               </a:ext>
             </a:extLst>
           </p:cNvPr>
@@ -25163,7 +25899,7 @@
         </p:nvGrpSpPr>
         <p:grpSpPr>
           <a:xfrm>
-            <a:off x="2686050" y="1338069"/>
+            <a:off x="2770025" y="1600297"/>
             <a:ext cx="6819900" cy="5019675"/>
             <a:chOff x="0" y="0"/>
             <a:chExt cx="6819900" cy="5019675"/>
@@ -25174,7 +25910,7 @@
             <p:cNvPr id="5" name="그룹 4">
               <a:extLst>
                 <a:ext uri="{FF2B5EF4-FFF2-40B4-BE49-F238E27FC236}">
-                  <a16:creationId xmlns:a16="http://schemas.microsoft.com/office/drawing/2014/main" id="{D5B32FA4-D39A-44B8-8B6A-4A06D5C06ECC}"/>
+                  <a16:creationId xmlns:a16="http://schemas.microsoft.com/office/drawing/2014/main" id="{B69E2C6B-39D4-40E4-AC08-2E1447A417CA}"/>
                 </a:ext>
               </a:extLst>
             </p:cNvPr>
@@ -25194,7 +25930,7 @@
               <p:cNvPr id="17" name="직사각형 16">
                 <a:extLst>
                   <a:ext uri="{FF2B5EF4-FFF2-40B4-BE49-F238E27FC236}">
-                    <a16:creationId xmlns:a16="http://schemas.microsoft.com/office/drawing/2014/main" id="{529FF828-EB79-4FEB-89B3-ACD2AEFDF0C4}"/>
+                    <a16:creationId xmlns:a16="http://schemas.microsoft.com/office/drawing/2014/main" id="{6A9106D1-7385-45EC-9FFE-780EE5782977}"/>
                   </a:ext>
                 </a:extLst>
               </p:cNvPr>
@@ -25345,10 +26081,10 @@
           </p:sp>
           <p:pic>
             <p:nvPicPr>
-              <p:cNvPr id="18" name="그래픽 15" descr="컴퓨터">
+              <p:cNvPr id="18" name="그래픽 3" descr="컴퓨터">
                 <a:extLst>
                   <a:ext uri="{FF2B5EF4-FFF2-40B4-BE49-F238E27FC236}">
-                    <a16:creationId xmlns:a16="http://schemas.microsoft.com/office/drawing/2014/main" id="{FE25DA95-7371-4CDE-B090-6B3080103E17}"/>
+                    <a16:creationId xmlns:a16="http://schemas.microsoft.com/office/drawing/2014/main" id="{F99AFDD1-E1E6-4379-B652-A3483F82E6A4}"/>
                   </a:ext>
                 </a:extLst>
               </p:cNvPr>
@@ -25388,7 +26124,7 @@
             <p:cNvPr id="6" name="그룹 5">
               <a:extLst>
                 <a:ext uri="{FF2B5EF4-FFF2-40B4-BE49-F238E27FC236}">
-                  <a16:creationId xmlns:a16="http://schemas.microsoft.com/office/drawing/2014/main" id="{23FF0D1C-38D5-40AF-BB82-CED22E03A307}"/>
+                  <a16:creationId xmlns:a16="http://schemas.microsoft.com/office/drawing/2014/main" id="{9ED95ED3-B334-4819-9FCB-C09E5B08C147}"/>
                 </a:ext>
               </a:extLst>
             </p:cNvPr>
@@ -25408,7 +26144,7 @@
               <p:cNvPr id="15" name="직사각형 14">
                 <a:extLst>
                   <a:ext uri="{FF2B5EF4-FFF2-40B4-BE49-F238E27FC236}">
-                    <a16:creationId xmlns:a16="http://schemas.microsoft.com/office/drawing/2014/main" id="{72C6A8FE-5E53-4D27-A60E-60A316A9A786}"/>
+                    <a16:creationId xmlns:a16="http://schemas.microsoft.com/office/drawing/2014/main" id="{1A314912-8984-46EE-9F96-CCF4A505BE2F}"/>
                   </a:ext>
                 </a:extLst>
               </p:cNvPr>
@@ -25570,10 +26306,10 @@
           </p:sp>
           <p:pic>
             <p:nvPicPr>
-              <p:cNvPr id="16" name="그래픽 13" descr="신문">
+              <p:cNvPr id="16" name="그래픽 6" descr="신문">
                 <a:extLst>
                   <a:ext uri="{FF2B5EF4-FFF2-40B4-BE49-F238E27FC236}">
-                    <a16:creationId xmlns:a16="http://schemas.microsoft.com/office/drawing/2014/main" id="{2FA6F70E-BD50-4000-8B6B-D524D150F2D4}"/>
+                    <a16:creationId xmlns:a16="http://schemas.microsoft.com/office/drawing/2014/main" id="{B7048C4B-09C0-4F16-8DA2-FBA8506F07E6}"/>
                   </a:ext>
                 </a:extLst>
               </p:cNvPr>
@@ -25613,7 +26349,7 @@
             <p:cNvPr id="7" name="직사각형 6">
               <a:extLst>
                 <a:ext uri="{FF2B5EF4-FFF2-40B4-BE49-F238E27FC236}">
-                  <a16:creationId xmlns:a16="http://schemas.microsoft.com/office/drawing/2014/main" id="{CCFC05C8-9BCB-4687-94B1-507B084F7FFE}"/>
+                  <a16:creationId xmlns:a16="http://schemas.microsoft.com/office/drawing/2014/main" id="{AE4A6623-1EEF-44B4-9DFF-E3E7B42BC12E}"/>
                 </a:ext>
               </a:extLst>
             </p:cNvPr>
@@ -25778,7 +26514,7 @@
             <p:cNvPr id="8" name="그룹 7">
               <a:extLst>
                 <a:ext uri="{FF2B5EF4-FFF2-40B4-BE49-F238E27FC236}">
-                  <a16:creationId xmlns:a16="http://schemas.microsoft.com/office/drawing/2014/main" id="{C0FB4DF9-A027-46B0-800C-24C4B535D280}"/>
+                  <a16:creationId xmlns:a16="http://schemas.microsoft.com/office/drawing/2014/main" id="{70234B7F-C24D-441E-8CAB-39FE00601B93}"/>
                 </a:ext>
               </a:extLst>
             </p:cNvPr>
@@ -25798,7 +26534,7 @@
               <p:cNvPr id="12" name="그래픽 9" descr="광 디스크">
                 <a:extLst>
                   <a:ext uri="{FF2B5EF4-FFF2-40B4-BE49-F238E27FC236}">
-                    <a16:creationId xmlns:a16="http://schemas.microsoft.com/office/drawing/2014/main" id="{74E5C2FD-110F-48FF-AE3E-D3F0EF20EFD9}"/>
+                    <a16:creationId xmlns:a16="http://schemas.microsoft.com/office/drawing/2014/main" id="{C3B492A7-6584-45C6-A0E0-C88E91E0EFBA}"/>
                   </a:ext>
                 </a:extLst>
               </p:cNvPr>
@@ -25837,7 +26573,7 @@
               <p:cNvPr id="13" name="그래픽 10" descr="광 디스크">
                 <a:extLst>
                   <a:ext uri="{FF2B5EF4-FFF2-40B4-BE49-F238E27FC236}">
-                    <a16:creationId xmlns:a16="http://schemas.microsoft.com/office/drawing/2014/main" id="{1A89A3B0-059A-47CC-96C6-28AEE207F976}"/>
+                    <a16:creationId xmlns:a16="http://schemas.microsoft.com/office/drawing/2014/main" id="{65AB6DC4-026B-4948-BEB7-DEADF2FAEA0B}"/>
                   </a:ext>
                 </a:extLst>
               </p:cNvPr>
@@ -25876,7 +26612,7 @@
               <p:cNvPr id="14" name="그래픽 11" descr="광 디스크">
                 <a:extLst>
                   <a:ext uri="{FF2B5EF4-FFF2-40B4-BE49-F238E27FC236}">
-                    <a16:creationId xmlns:a16="http://schemas.microsoft.com/office/drawing/2014/main" id="{F889EC4F-9DAA-4708-9736-38A91D50C83B}"/>
+                    <a16:creationId xmlns:a16="http://schemas.microsoft.com/office/drawing/2014/main" id="{E660E0B9-A8BC-4676-B98D-4AFBCFEDEF2A}"/>
                   </a:ext>
                 </a:extLst>
               </p:cNvPr>
@@ -25916,7 +26652,7 @@
             <p:cNvPr id="9" name="직선 연결선 8">
               <a:extLst>
                 <a:ext uri="{FF2B5EF4-FFF2-40B4-BE49-F238E27FC236}">
-                  <a16:creationId xmlns:a16="http://schemas.microsoft.com/office/drawing/2014/main" id="{96CDBCCC-AEAB-41A4-A864-1C372F384ACB}"/>
+                  <a16:creationId xmlns:a16="http://schemas.microsoft.com/office/drawing/2014/main" id="{0D990151-FE30-429D-8952-95EF3993B256}"/>
                 </a:ext>
               </a:extLst>
             </p:cNvPr>
@@ -25953,7 +26689,7 @@
             <p:cNvPr id="10" name="직선 연결선 9">
               <a:extLst>
                 <a:ext uri="{FF2B5EF4-FFF2-40B4-BE49-F238E27FC236}">
-                  <a16:creationId xmlns:a16="http://schemas.microsoft.com/office/drawing/2014/main" id="{DD11354D-21CA-4544-B31D-FFDDAED6A462}"/>
+                  <a16:creationId xmlns:a16="http://schemas.microsoft.com/office/drawing/2014/main" id="{2EE3E663-DF7F-43B3-9609-23FCDC3D6C7D}"/>
                 </a:ext>
               </a:extLst>
             </p:cNvPr>
@@ -25990,7 +26726,7 @@
             <p:cNvPr id="11" name="직선 연결선 10">
               <a:extLst>
                 <a:ext uri="{FF2B5EF4-FFF2-40B4-BE49-F238E27FC236}">
-                  <a16:creationId xmlns:a16="http://schemas.microsoft.com/office/drawing/2014/main" id="{B1BFE08C-A1EA-4149-A771-9AE2B0AC3C27}"/>
+                  <a16:creationId xmlns:a16="http://schemas.microsoft.com/office/drawing/2014/main" id="{D817D94E-0665-4872-9CF6-66DEE9885701}"/>
                 </a:ext>
               </a:extLst>
             </p:cNvPr>
@@ -26025,45 +26761,6 @@
       </p:grpSp>
       <p:cxnSp>
         <p:nvCxnSpPr>
-          <p:cNvPr id="4" name="직선 화살표 연결선 3">
-            <a:extLst>
-              <a:ext uri="{FF2B5EF4-FFF2-40B4-BE49-F238E27FC236}">
-                <a16:creationId xmlns:a16="http://schemas.microsoft.com/office/drawing/2014/main" id="{A50D7E0E-6BBF-4995-80E3-D3822E8E4DFA}"/>
-              </a:ext>
-            </a:extLst>
-          </p:cNvPr>
-          <p:cNvCxnSpPr/>
-          <p:nvPr/>
-        </p:nvCxnSpPr>
-        <p:spPr>
-          <a:xfrm>
-            <a:off x="3314700" y="3452619"/>
-            <a:ext cx="2743200" cy="0"/>
-          </a:xfrm>
-          <a:prstGeom prst="straightConnector1">
-            <a:avLst/>
-          </a:prstGeom>
-          <a:ln w="57150">
-            <a:tailEnd type="triangle"/>
-          </a:ln>
-        </p:spPr>
-        <p:style>
-          <a:lnRef idx="1">
-            <a:schemeClr val="accent1"/>
-          </a:lnRef>
-          <a:fillRef idx="0">
-            <a:schemeClr val="accent1"/>
-          </a:fillRef>
-          <a:effectRef idx="0">
-            <a:schemeClr val="accent1"/>
-          </a:effectRef>
-          <a:fontRef idx="minor">
-            <a:schemeClr val="tx1"/>
-          </a:fontRef>
-        </p:style>
-      </p:cxnSp>
-      <p:cxnSp>
-        <p:nvCxnSpPr>
           <p:cNvPr id="19" name="직선 화살표 연결선 18">
             <a:extLst>
               <a:ext uri="{FF2B5EF4-FFF2-40B4-BE49-F238E27FC236}">
@@ -26076,7 +26773,7 @@
         </p:nvCxnSpPr>
         <p:spPr>
           <a:xfrm flipH="1" flipV="1">
-            <a:off x="8382000" y="359304"/>
+            <a:off x="6178917" y="5019224"/>
             <a:ext cx="2705100" cy="9525"/>
           </a:xfrm>
           <a:prstGeom prst="straightConnector1">
@@ -26115,7 +26812,7 @@
         </p:nvCxnSpPr>
         <p:spPr>
           <a:xfrm>
-            <a:off x="8420100" y="826029"/>
+            <a:off x="6151400" y="3764743"/>
             <a:ext cx="2743200" cy="0"/>
           </a:xfrm>
           <a:prstGeom prst="straightConnector1">
@@ -26145,7 +26842,7 @@
           <p:cNvPr id="21" name="직선 화살표 연결선 20">
             <a:extLst>
               <a:ext uri="{FF2B5EF4-FFF2-40B4-BE49-F238E27FC236}">
-                <a16:creationId xmlns:a16="http://schemas.microsoft.com/office/drawing/2014/main" id="{28D46297-86C8-42F7-A8ED-186A13F6A58D}"/>
+                <a16:creationId xmlns:a16="http://schemas.microsoft.com/office/drawing/2014/main" id="{1CA0C692-4AEF-4D2B-A670-B9BBE14BF39E}"/>
               </a:ext>
             </a:extLst>
           </p:cNvPr>
@@ -26153,9 +26850,9 @@
           <p:nvPr/>
         </p:nvCxnSpPr>
         <p:spPr>
-          <a:xfrm flipH="1" flipV="1">
-            <a:off x="3314700" y="5092170"/>
-            <a:ext cx="2705100" cy="9525"/>
+          <a:xfrm>
+            <a:off x="3408200" y="3574118"/>
+            <a:ext cx="2743200" cy="0"/>
           </a:xfrm>
           <a:prstGeom prst="straightConnector1">
             <a:avLst/>
@@ -26179,393 +26876,12 @@
           </a:fontRef>
         </p:style>
       </p:cxnSp>
-      <p:grpSp>
-        <p:nvGrpSpPr>
-          <p:cNvPr id="22" name="그룹 21">
+      <p:sp>
+        <p:nvSpPr>
+          <p:cNvPr id="22" name="TextBox 18">
             <a:extLst>
               <a:ext uri="{FF2B5EF4-FFF2-40B4-BE49-F238E27FC236}">
-                <a16:creationId xmlns:a16="http://schemas.microsoft.com/office/drawing/2014/main" id="{D4F9892D-3CE4-4876-983B-B44AB8FD8A52}"/>
-              </a:ext>
-            </a:extLst>
-          </p:cNvPr>
-          <p:cNvGrpSpPr/>
-          <p:nvPr/>
-        </p:nvGrpSpPr>
-        <p:grpSpPr>
-          <a:xfrm>
-            <a:off x="6057900" y="3371046"/>
-            <a:ext cx="2752606" cy="686410"/>
-            <a:chOff x="5865291" y="3332761"/>
-            <a:chExt cx="2752606" cy="686410"/>
-          </a:xfrm>
-        </p:grpSpPr>
-        <p:cxnSp>
-          <p:nvCxnSpPr>
-            <p:cNvPr id="23" name="직선 화살표 연결선 22">
-              <a:extLst>
-                <a:ext uri="{FF2B5EF4-FFF2-40B4-BE49-F238E27FC236}">
-                  <a16:creationId xmlns:a16="http://schemas.microsoft.com/office/drawing/2014/main" id="{3476F708-4756-473A-8AAC-A36066BBFE03}"/>
-                </a:ext>
-              </a:extLst>
-            </p:cNvPr>
-            <p:cNvCxnSpPr/>
-            <p:nvPr/>
-          </p:nvCxnSpPr>
-          <p:spPr>
-            <a:xfrm>
-              <a:off x="5874697" y="3610850"/>
-              <a:ext cx="2743200" cy="0"/>
-            </a:xfrm>
-            <a:prstGeom prst="straightConnector1">
-              <a:avLst/>
-            </a:prstGeom>
-            <a:ln w="57150">
-              <a:tailEnd type="triangle"/>
-            </a:ln>
-          </p:spPr>
-          <p:style>
-            <a:lnRef idx="1">
-              <a:schemeClr val="accent1"/>
-            </a:lnRef>
-            <a:fillRef idx="0">
-              <a:schemeClr val="accent1"/>
-            </a:fillRef>
-            <a:effectRef idx="0">
-              <a:schemeClr val="accent1"/>
-            </a:effectRef>
-            <a:fontRef idx="minor">
-              <a:schemeClr val="tx1"/>
-            </a:fontRef>
-          </p:style>
-        </p:cxnSp>
-        <p:cxnSp>
-          <p:nvCxnSpPr>
-            <p:cNvPr id="24" name="직선 화살표 연결선 23">
-              <a:extLst>
-                <a:ext uri="{FF2B5EF4-FFF2-40B4-BE49-F238E27FC236}">
-                  <a16:creationId xmlns:a16="http://schemas.microsoft.com/office/drawing/2014/main" id="{765E8AA5-0797-486D-B46D-3C4447513EEC}"/>
-                </a:ext>
-              </a:extLst>
-            </p:cNvPr>
-            <p:cNvCxnSpPr/>
-            <p:nvPr/>
-          </p:nvCxnSpPr>
-          <p:spPr>
-            <a:xfrm flipH="1" flipV="1">
-              <a:off x="5865291" y="4009646"/>
-              <a:ext cx="2705100" cy="9525"/>
-            </a:xfrm>
-            <a:prstGeom prst="straightConnector1">
-              <a:avLst/>
-            </a:prstGeom>
-            <a:ln w="57150">
-              <a:tailEnd type="triangle"/>
-            </a:ln>
-          </p:spPr>
-          <p:style>
-            <a:lnRef idx="1">
-              <a:schemeClr val="accent1"/>
-            </a:lnRef>
-            <a:fillRef idx="0">
-              <a:schemeClr val="accent1"/>
-            </a:fillRef>
-            <a:effectRef idx="0">
-              <a:schemeClr val="accent1"/>
-            </a:effectRef>
-            <a:fontRef idx="minor">
-              <a:schemeClr val="tx1"/>
-            </a:fontRef>
-          </p:style>
-        </p:cxnSp>
-        <p:sp>
-          <p:nvSpPr>
-            <p:cNvPr id="25" name="TextBox 18">
-              <a:extLst>
-                <a:ext uri="{FF2B5EF4-FFF2-40B4-BE49-F238E27FC236}">
-                  <a16:creationId xmlns:a16="http://schemas.microsoft.com/office/drawing/2014/main" id="{8E4D0F62-8051-4F7F-817C-D22BBE1F6924}"/>
-                </a:ext>
-              </a:extLst>
-            </p:cNvPr>
-            <p:cNvSpPr txBox="1"/>
-            <p:nvPr/>
-          </p:nvSpPr>
-          <p:spPr>
-            <a:xfrm>
-              <a:off x="6179497" y="3332761"/>
-              <a:ext cx="2086364" cy="261610"/>
-            </a:xfrm>
-            <a:prstGeom prst="rect">
-              <a:avLst/>
-            </a:prstGeom>
-            <a:noFill/>
-          </p:spPr>
-          <p:style>
-            <a:lnRef idx="0">
-              <a:scrgbClr r="0" g="0" b="0"/>
-            </a:lnRef>
-            <a:fillRef idx="0">
-              <a:scrgbClr r="0" g="0" b="0"/>
-            </a:fillRef>
-            <a:effectRef idx="0">
-              <a:scrgbClr r="0" g="0" b="0"/>
-            </a:effectRef>
-            <a:fontRef idx="minor">
-              <a:schemeClr val="tx1"/>
-            </a:fontRef>
-          </p:style>
-          <p:txBody>
-            <a:bodyPr wrap="square" rtlCol="0" anchor="t">
-              <a:spAutoFit/>
-            </a:bodyPr>
-            <a:lstStyle>
-              <a:lvl1pPr marL="0" indent="0">
-                <a:defRPr sz="1100">
-                  <a:solidFill>
-                    <a:schemeClr val="tx1"/>
-                  </a:solidFill>
-                  <a:latin typeface="+mn-lt"/>
-                  <a:ea typeface="+mn-ea"/>
-                  <a:cs typeface="+mn-cs"/>
-                </a:defRPr>
-              </a:lvl1pPr>
-              <a:lvl2pPr marL="457200" indent="0">
-                <a:defRPr sz="1100">
-                  <a:solidFill>
-                    <a:schemeClr val="tx1"/>
-                  </a:solidFill>
-                  <a:latin typeface="+mn-lt"/>
-                  <a:ea typeface="+mn-ea"/>
-                  <a:cs typeface="+mn-cs"/>
-                </a:defRPr>
-              </a:lvl2pPr>
-              <a:lvl3pPr marL="914400" indent="0">
-                <a:defRPr sz="1100">
-                  <a:solidFill>
-                    <a:schemeClr val="tx1"/>
-                  </a:solidFill>
-                  <a:latin typeface="+mn-lt"/>
-                  <a:ea typeface="+mn-ea"/>
-                  <a:cs typeface="+mn-cs"/>
-                </a:defRPr>
-              </a:lvl3pPr>
-              <a:lvl4pPr marL="1371600" indent="0">
-                <a:defRPr sz="1100">
-                  <a:solidFill>
-                    <a:schemeClr val="tx1"/>
-                  </a:solidFill>
-                  <a:latin typeface="+mn-lt"/>
-                  <a:ea typeface="+mn-ea"/>
-                  <a:cs typeface="+mn-cs"/>
-                </a:defRPr>
-              </a:lvl4pPr>
-              <a:lvl5pPr marL="1828800" indent="0">
-                <a:defRPr sz="1100">
-                  <a:solidFill>
-                    <a:schemeClr val="tx1"/>
-                  </a:solidFill>
-                  <a:latin typeface="+mn-lt"/>
-                  <a:ea typeface="+mn-ea"/>
-                  <a:cs typeface="+mn-cs"/>
-                </a:defRPr>
-              </a:lvl5pPr>
-              <a:lvl6pPr marL="2286000" indent="0">
-                <a:defRPr sz="1100">
-                  <a:solidFill>
-                    <a:schemeClr val="tx1"/>
-                  </a:solidFill>
-                  <a:latin typeface="+mn-lt"/>
-                  <a:ea typeface="+mn-ea"/>
-                  <a:cs typeface="+mn-cs"/>
-                </a:defRPr>
-              </a:lvl6pPr>
-              <a:lvl7pPr marL="2743200" indent="0">
-                <a:defRPr sz="1100">
-                  <a:solidFill>
-                    <a:schemeClr val="tx1"/>
-                  </a:solidFill>
-                  <a:latin typeface="+mn-lt"/>
-                  <a:ea typeface="+mn-ea"/>
-                  <a:cs typeface="+mn-cs"/>
-                </a:defRPr>
-              </a:lvl7pPr>
-              <a:lvl8pPr marL="3200400" indent="0">
-                <a:defRPr sz="1100">
-                  <a:solidFill>
-                    <a:schemeClr val="tx1"/>
-                  </a:solidFill>
-                  <a:latin typeface="+mn-lt"/>
-                  <a:ea typeface="+mn-ea"/>
-                  <a:cs typeface="+mn-cs"/>
-                </a:defRPr>
-              </a:lvl8pPr>
-              <a:lvl9pPr marL="3657600" indent="0">
-                <a:defRPr sz="1100">
-                  <a:solidFill>
-                    <a:schemeClr val="tx1"/>
-                  </a:solidFill>
-                  <a:latin typeface="+mn-lt"/>
-                  <a:ea typeface="+mn-ea"/>
-                  <a:cs typeface="+mn-cs"/>
-                </a:defRPr>
-              </a:lvl9pPr>
-            </a:lstStyle>
-            <a:p>
-              <a:r>
-                <a:rPr lang="en-US" altLang="ko-KR" dirty="0"/>
-                <a:t>RE_REQ_GET_USER_ AUTH</a:t>
-              </a:r>
-              <a:endParaRPr lang="ko-KR" altLang="en-US" sz="1100" dirty="0"/>
-            </a:p>
-          </p:txBody>
-        </p:sp>
-        <p:sp>
-          <p:nvSpPr>
-            <p:cNvPr id="26" name="TextBox 18">
-              <a:extLst>
-                <a:ext uri="{FF2B5EF4-FFF2-40B4-BE49-F238E27FC236}">
-                  <a16:creationId xmlns:a16="http://schemas.microsoft.com/office/drawing/2014/main" id="{039B4C18-4A09-4FCC-9B03-7E4C9F1CF6D9}"/>
-                </a:ext>
-              </a:extLst>
-            </p:cNvPr>
-            <p:cNvSpPr txBox="1"/>
-            <p:nvPr/>
-          </p:nvSpPr>
-          <p:spPr>
-            <a:xfrm>
-              <a:off x="6202347" y="3695523"/>
-              <a:ext cx="1824538" cy="261610"/>
-            </a:xfrm>
-            <a:prstGeom prst="rect">
-              <a:avLst/>
-            </a:prstGeom>
-            <a:noFill/>
-          </p:spPr>
-          <p:style>
-            <a:lnRef idx="0">
-              <a:scrgbClr r="0" g="0" b="0"/>
-            </a:lnRef>
-            <a:fillRef idx="0">
-              <a:scrgbClr r="0" g="0" b="0"/>
-            </a:fillRef>
-            <a:effectRef idx="0">
-              <a:scrgbClr r="0" g="0" b="0"/>
-            </a:effectRef>
-            <a:fontRef idx="minor">
-              <a:schemeClr val="tx1"/>
-            </a:fontRef>
-          </p:style>
-          <p:txBody>
-            <a:bodyPr wrap="none" rtlCol="0" anchor="t">
-              <a:spAutoFit/>
-            </a:bodyPr>
-            <a:lstStyle>
-              <a:lvl1pPr marL="0" indent="0">
-                <a:defRPr sz="1100">
-                  <a:solidFill>
-                    <a:schemeClr val="tx1"/>
-                  </a:solidFill>
-                  <a:latin typeface="+mn-lt"/>
-                  <a:ea typeface="+mn-ea"/>
-                  <a:cs typeface="+mn-cs"/>
-                </a:defRPr>
-              </a:lvl1pPr>
-              <a:lvl2pPr marL="457200" indent="0">
-                <a:defRPr sz="1100">
-                  <a:solidFill>
-                    <a:schemeClr val="tx1"/>
-                  </a:solidFill>
-                  <a:latin typeface="+mn-lt"/>
-                  <a:ea typeface="+mn-ea"/>
-                  <a:cs typeface="+mn-cs"/>
-                </a:defRPr>
-              </a:lvl2pPr>
-              <a:lvl3pPr marL="914400" indent="0">
-                <a:defRPr sz="1100">
-                  <a:solidFill>
-                    <a:schemeClr val="tx1"/>
-                  </a:solidFill>
-                  <a:latin typeface="+mn-lt"/>
-                  <a:ea typeface="+mn-ea"/>
-                  <a:cs typeface="+mn-cs"/>
-                </a:defRPr>
-              </a:lvl3pPr>
-              <a:lvl4pPr marL="1371600" indent="0">
-                <a:defRPr sz="1100">
-                  <a:solidFill>
-                    <a:schemeClr val="tx1"/>
-                  </a:solidFill>
-                  <a:latin typeface="+mn-lt"/>
-                  <a:ea typeface="+mn-ea"/>
-                  <a:cs typeface="+mn-cs"/>
-                </a:defRPr>
-              </a:lvl4pPr>
-              <a:lvl5pPr marL="1828800" indent="0">
-                <a:defRPr sz="1100">
-                  <a:solidFill>
-                    <a:schemeClr val="tx1"/>
-                  </a:solidFill>
-                  <a:latin typeface="+mn-lt"/>
-                  <a:ea typeface="+mn-ea"/>
-                  <a:cs typeface="+mn-cs"/>
-                </a:defRPr>
-              </a:lvl5pPr>
-              <a:lvl6pPr marL="2286000" indent="0">
-                <a:defRPr sz="1100">
-                  <a:solidFill>
-                    <a:schemeClr val="tx1"/>
-                  </a:solidFill>
-                  <a:latin typeface="+mn-lt"/>
-                  <a:ea typeface="+mn-ea"/>
-                  <a:cs typeface="+mn-cs"/>
-                </a:defRPr>
-              </a:lvl6pPr>
-              <a:lvl7pPr marL="2743200" indent="0">
-                <a:defRPr sz="1100">
-                  <a:solidFill>
-                    <a:schemeClr val="tx1"/>
-                  </a:solidFill>
-                  <a:latin typeface="+mn-lt"/>
-                  <a:ea typeface="+mn-ea"/>
-                  <a:cs typeface="+mn-cs"/>
-                </a:defRPr>
-              </a:lvl7pPr>
-              <a:lvl8pPr marL="3200400" indent="0">
-                <a:defRPr sz="1100">
-                  <a:solidFill>
-                    <a:schemeClr val="tx1"/>
-                  </a:solidFill>
-                  <a:latin typeface="+mn-lt"/>
-                  <a:ea typeface="+mn-ea"/>
-                  <a:cs typeface="+mn-cs"/>
-                </a:defRPr>
-              </a:lvl8pPr>
-              <a:lvl9pPr marL="3657600" indent="0">
-                <a:defRPr sz="1100">
-                  <a:solidFill>
-                    <a:schemeClr val="tx1"/>
-                  </a:solidFill>
-                  <a:latin typeface="+mn-lt"/>
-                  <a:ea typeface="+mn-ea"/>
-                  <a:cs typeface="+mn-cs"/>
-                </a:defRPr>
-              </a:lvl9pPr>
-            </a:lstStyle>
-            <a:p>
-              <a:r>
-                <a:rPr lang="en-US" altLang="ko-KR" dirty="0"/>
-                <a:t>RE_RES_GET_USER_ AUTH</a:t>
-              </a:r>
-              <a:endParaRPr lang="ko-KR" altLang="en-US" sz="1100" dirty="0"/>
-            </a:p>
-          </p:txBody>
-        </p:sp>
-      </p:grpSp>
-      <p:sp>
-        <p:nvSpPr>
-          <p:cNvPr id="27" name="TextBox 18">
-            <a:extLst>
-              <a:ext uri="{FF2B5EF4-FFF2-40B4-BE49-F238E27FC236}">
-                <a16:creationId xmlns:a16="http://schemas.microsoft.com/office/drawing/2014/main" id="{BB7C30F6-BFC6-4FF5-B8E3-9569FF180A8C}"/>
+                <a16:creationId xmlns:a16="http://schemas.microsoft.com/office/drawing/2014/main" id="{77894EFC-9140-4219-860F-1989AAF6121E}"/>
               </a:ext>
             </a:extLst>
           </p:cNvPr>
@@ -26574,7 +26890,7 @@
         </p:nvSpPr>
         <p:spPr>
           <a:xfrm>
-            <a:off x="3379258" y="3029731"/>
+            <a:off x="3482283" y="3212567"/>
             <a:ext cx="2640542" cy="261610"/>
           </a:xfrm>
           <a:prstGeom prst="rect">
@@ -26695,7 +27011,87 @@
           <a:p>
             <a:r>
               <a:rPr lang="en-US" altLang="ko-KR" dirty="0"/>
-              <a:t>GAMSERVER_REQ_USER_HEARTBEAT</a:t>
+              <a:t>GAMSERVER_REQ_USER_LOGOUT</a:t>
+            </a:r>
+            <a:endParaRPr lang="ko-KR" altLang="en-US" sz="1100" dirty="0"/>
+          </a:p>
+        </p:txBody>
+      </p:sp>
+      <p:cxnSp>
+        <p:nvCxnSpPr>
+          <p:cNvPr id="23" name="직선 화살표 연결선 22">
+            <a:extLst>
+              <a:ext uri="{FF2B5EF4-FFF2-40B4-BE49-F238E27FC236}">
+                <a16:creationId xmlns:a16="http://schemas.microsoft.com/office/drawing/2014/main" id="{73CAF348-82BF-4983-B2B9-FAD0C6D47453}"/>
+              </a:ext>
+            </a:extLst>
+          </p:cNvPr>
+          <p:cNvCxnSpPr/>
+          <p:nvPr/>
+        </p:nvCxnSpPr>
+        <p:spPr>
+          <a:xfrm flipH="1" flipV="1">
+            <a:off x="3417725" y="5567259"/>
+            <a:ext cx="2705100" cy="9525"/>
+          </a:xfrm>
+          <a:prstGeom prst="straightConnector1">
+            <a:avLst/>
+          </a:prstGeom>
+          <a:ln w="57150">
+            <a:tailEnd type="triangle"/>
+          </a:ln>
+        </p:spPr>
+        <p:style>
+          <a:lnRef idx="1">
+            <a:schemeClr val="accent1"/>
+          </a:lnRef>
+          <a:fillRef idx="0">
+            <a:schemeClr val="accent1"/>
+          </a:fillRef>
+          <a:effectRef idx="0">
+            <a:schemeClr val="accent1"/>
+          </a:effectRef>
+          <a:fontRef idx="minor">
+            <a:schemeClr val="tx1"/>
+          </a:fontRef>
+        </p:style>
+      </p:cxnSp>
+      <p:sp>
+        <p:nvSpPr>
+          <p:cNvPr id="24" name="직사각형 23">
+            <a:extLst>
+              <a:ext uri="{FF2B5EF4-FFF2-40B4-BE49-F238E27FC236}">
+                <a16:creationId xmlns:a16="http://schemas.microsoft.com/office/drawing/2014/main" id="{3A946E76-EBE0-4802-BFCD-D85FB99B0934}"/>
+              </a:ext>
+            </a:extLst>
+          </p:cNvPr>
+          <p:cNvSpPr/>
+          <p:nvPr/>
+        </p:nvSpPr>
+        <p:spPr>
+          <a:xfrm>
+            <a:off x="6449520" y="3824563"/>
+            <a:ext cx="1806905" cy="261610"/>
+          </a:xfrm>
+          <a:prstGeom prst="rect">
+            <a:avLst/>
+          </a:prstGeom>
+        </p:spPr>
+        <p:txBody>
+          <a:bodyPr wrap="none">
+            <a:spAutoFit/>
+          </a:bodyPr>
+          <a:lstStyle/>
+          <a:p>
+            <a:r>
+              <a:rPr lang="en-US" altLang="ko-KR" sz="1100" dirty="0">
+                <a:solidFill>
+                  <a:srgbClr val="000000"/>
+                </a:solidFill>
+                <a:latin typeface="돋움체" panose="020B0609000101010101" pitchFamily="49" charset="-127"/>
+                <a:ea typeface="돋움체" panose="020B0609000101010101" pitchFamily="49" charset="-127"/>
+              </a:rPr>
+              <a:t>RE_REQ_REMOVE_USER_DATA</a:t>
             </a:r>
             <a:endParaRPr lang="ko-KR" altLang="en-US" sz="1100" dirty="0"/>
           </a:p>
@@ -26703,10 +27099,10 @@
       </p:sp>
       <p:sp>
         <p:nvSpPr>
-          <p:cNvPr id="28" name="TextBox 18">
+          <p:cNvPr id="25" name="TextBox 18">
             <a:extLst>
               <a:ext uri="{FF2B5EF4-FFF2-40B4-BE49-F238E27FC236}">
-                <a16:creationId xmlns:a16="http://schemas.microsoft.com/office/drawing/2014/main" id="{D28168B8-933E-4F77-B129-1F087BA2EDC6}"/>
+                <a16:creationId xmlns:a16="http://schemas.microsoft.com/office/drawing/2014/main" id="{5724233E-ECE3-4C1C-9F0F-B928CCB29EC0}"/>
               </a:ext>
             </a:extLst>
           </p:cNvPr>
@@ -26715,8 +27111,8 @@
         </p:nvSpPr>
         <p:spPr>
           <a:xfrm>
-            <a:off x="3419761" y="4721393"/>
-            <a:ext cx="2559536" cy="261610"/>
+            <a:off x="3538375" y="5104949"/>
+            <a:ext cx="2640542" cy="261610"/>
           </a:xfrm>
           <a:prstGeom prst="rect">
             <a:avLst/>
@@ -26836,7 +27232,7 @@
           <a:p>
             <a:r>
               <a:rPr lang="en-US" altLang="ko-KR" dirty="0"/>
-              <a:t>GAMSERVER_RES_ USER_HEARTBEAT</a:t>
+              <a:t>GAMSERVER_RES_USER_LOGIN</a:t>
             </a:r>
             <a:endParaRPr lang="ko-KR" altLang="en-US" sz="1100" dirty="0"/>
           </a:p>
@@ -26844,10 +27240,10 @@
       </p:sp>
       <p:sp>
         <p:nvSpPr>
-          <p:cNvPr id="29" name="TextBox 18">
+          <p:cNvPr id="26" name="TextBox 18">
             <a:extLst>
               <a:ext uri="{FF2B5EF4-FFF2-40B4-BE49-F238E27FC236}">
-                <a16:creationId xmlns:a16="http://schemas.microsoft.com/office/drawing/2014/main" id="{07389A90-4854-4683-AFA5-779114490A93}"/>
+                <a16:creationId xmlns:a16="http://schemas.microsoft.com/office/drawing/2014/main" id="{E81F5DB5-6CAA-40F8-A45F-F5278B3A0789}"/>
               </a:ext>
             </a:extLst>
           </p:cNvPr>
@@ -26856,8 +27252,8 @@
         </p:nvSpPr>
         <p:spPr>
           <a:xfrm>
-            <a:off x="8915766" y="3481194"/>
-            <a:ext cx="2640542" cy="769441"/>
+            <a:off x="3501432" y="5795184"/>
+            <a:ext cx="2640542" cy="261610"/>
           </a:xfrm>
           <a:prstGeom prst="rect">
             <a:avLst/>
@@ -26976,426 +27372,19 @@
           </a:lstStyle>
           <a:p>
             <a:r>
-              <a:rPr lang="ko-KR" altLang="en-US" dirty="0"/>
-              <a:t>만약 하트 비트가 오지 않는다면</a:t>
+              <a:rPr lang="en-US" altLang="ko-KR" dirty="0"/>
+              <a:t>GAMSERVER_NTF_USER_LOGOUT</a:t>
             </a:r>
-            <a:endParaRPr lang="en-US" altLang="ko-KR" dirty="0"/>
-          </a:p>
-          <a:p>
-            <a:r>
-              <a:rPr lang="ko-KR" altLang="en-US" sz="1100" dirty="0"/>
-              <a:t>게임 서버에서 유저의 데이터를 삭제한후 </a:t>
-            </a:r>
-            <a:r>
-              <a:rPr lang="en-US" altLang="ko-KR" sz="1100" dirty="0"/>
-              <a:t>DB</a:t>
-            </a:r>
-            <a:r>
-              <a:rPr lang="ko-KR" altLang="en-US" sz="1100" dirty="0"/>
-              <a:t>서버에 유저 데이터를 </a:t>
-            </a:r>
-            <a:r>
-              <a:rPr lang="ko-KR" altLang="en-US" sz="1100" dirty="0" err="1"/>
-              <a:t>레디스에서</a:t>
-            </a:r>
-            <a:r>
-              <a:rPr lang="ko-KR" altLang="en-US" sz="1100" dirty="0"/>
-              <a:t> 삭제 하도록 해야 한다</a:t>
-            </a:r>
-            <a:r>
-              <a:rPr lang="en-US" altLang="ko-KR" sz="1100" dirty="0"/>
-              <a:t>.</a:t>
-            </a:r>
+            <a:endParaRPr lang="ko-KR" altLang="en-US" sz="1100" dirty="0"/>
           </a:p>
         </p:txBody>
       </p:sp>
-      <p:grpSp>
-        <p:nvGrpSpPr>
-          <p:cNvPr id="30" name="그룹 29">
+      <p:cxnSp>
+        <p:nvCxnSpPr>
+          <p:cNvPr id="27" name="직선 화살표 연결선 26">
             <a:extLst>
               <a:ext uri="{FF2B5EF4-FFF2-40B4-BE49-F238E27FC236}">
-                <a16:creationId xmlns:a16="http://schemas.microsoft.com/office/drawing/2014/main" id="{59FFFCBB-7AE5-4C0D-AEB2-90EBDE1ACEE1}"/>
-              </a:ext>
-            </a:extLst>
-          </p:cNvPr>
-          <p:cNvGrpSpPr/>
-          <p:nvPr/>
-        </p:nvGrpSpPr>
-        <p:grpSpPr>
-          <a:xfrm>
-            <a:off x="6038850" y="5474727"/>
-            <a:ext cx="2882208" cy="696187"/>
-            <a:chOff x="5865291" y="3322984"/>
-            <a:chExt cx="2882208" cy="696187"/>
-          </a:xfrm>
-        </p:grpSpPr>
-        <p:cxnSp>
-          <p:nvCxnSpPr>
-            <p:cNvPr id="31" name="직선 화살표 연결선 30">
-              <a:extLst>
-                <a:ext uri="{FF2B5EF4-FFF2-40B4-BE49-F238E27FC236}">
-                  <a16:creationId xmlns:a16="http://schemas.microsoft.com/office/drawing/2014/main" id="{E39D7E99-AD4F-4486-BD2E-D8C898CC33B5}"/>
-                </a:ext>
-              </a:extLst>
-            </p:cNvPr>
-            <p:cNvCxnSpPr/>
-            <p:nvPr/>
-          </p:nvCxnSpPr>
-          <p:spPr>
-            <a:xfrm>
-              <a:off x="5874697" y="3610850"/>
-              <a:ext cx="2743200" cy="0"/>
-            </a:xfrm>
-            <a:prstGeom prst="straightConnector1">
-              <a:avLst/>
-            </a:prstGeom>
-            <a:ln w="57150">
-              <a:tailEnd type="triangle"/>
-            </a:ln>
-          </p:spPr>
-          <p:style>
-            <a:lnRef idx="1">
-              <a:schemeClr val="accent1"/>
-            </a:lnRef>
-            <a:fillRef idx="0">
-              <a:schemeClr val="accent1"/>
-            </a:fillRef>
-            <a:effectRef idx="0">
-              <a:schemeClr val="accent1"/>
-            </a:effectRef>
-            <a:fontRef idx="minor">
-              <a:schemeClr val="tx1"/>
-            </a:fontRef>
-          </p:style>
-        </p:cxnSp>
-        <p:cxnSp>
-          <p:nvCxnSpPr>
-            <p:cNvPr id="32" name="직선 화살표 연결선 31">
-              <a:extLst>
-                <a:ext uri="{FF2B5EF4-FFF2-40B4-BE49-F238E27FC236}">
-                  <a16:creationId xmlns:a16="http://schemas.microsoft.com/office/drawing/2014/main" id="{B4960512-9746-4BB0-8FF1-B4544946A496}"/>
-                </a:ext>
-              </a:extLst>
-            </p:cNvPr>
-            <p:cNvCxnSpPr/>
-            <p:nvPr/>
-          </p:nvCxnSpPr>
-          <p:spPr>
-            <a:xfrm flipH="1" flipV="1">
-              <a:off x="5865291" y="4009646"/>
-              <a:ext cx="2705100" cy="9525"/>
-            </a:xfrm>
-            <a:prstGeom prst="straightConnector1">
-              <a:avLst/>
-            </a:prstGeom>
-            <a:ln w="57150">
-              <a:tailEnd type="triangle"/>
-            </a:ln>
-          </p:spPr>
-          <p:style>
-            <a:lnRef idx="1">
-              <a:schemeClr val="accent1"/>
-            </a:lnRef>
-            <a:fillRef idx="0">
-              <a:schemeClr val="accent1"/>
-            </a:fillRef>
-            <a:effectRef idx="0">
-              <a:schemeClr val="accent1"/>
-            </a:effectRef>
-            <a:fontRef idx="minor">
-              <a:schemeClr val="tx1"/>
-            </a:fontRef>
-          </p:style>
-        </p:cxnSp>
-        <p:sp>
-          <p:nvSpPr>
-            <p:cNvPr id="33" name="TextBox 18">
-              <a:extLst>
-                <a:ext uri="{FF2B5EF4-FFF2-40B4-BE49-F238E27FC236}">
-                  <a16:creationId xmlns:a16="http://schemas.microsoft.com/office/drawing/2014/main" id="{94A853B8-EC14-4CB4-9AD1-82AE1EFF435D}"/>
-                </a:ext>
-              </a:extLst>
-            </p:cNvPr>
-            <p:cNvSpPr txBox="1"/>
-            <p:nvPr/>
-          </p:nvSpPr>
-          <p:spPr>
-            <a:xfrm>
-              <a:off x="5997679" y="3322984"/>
-              <a:ext cx="2749820" cy="261610"/>
-            </a:xfrm>
-            <a:prstGeom prst="rect">
-              <a:avLst/>
-            </a:prstGeom>
-            <a:noFill/>
-          </p:spPr>
-          <p:style>
-            <a:lnRef idx="0">
-              <a:scrgbClr r="0" g="0" b="0"/>
-            </a:lnRef>
-            <a:fillRef idx="0">
-              <a:scrgbClr r="0" g="0" b="0"/>
-            </a:fillRef>
-            <a:effectRef idx="0">
-              <a:scrgbClr r="0" g="0" b="0"/>
-            </a:effectRef>
-            <a:fontRef idx="minor">
-              <a:schemeClr val="tx1"/>
-            </a:fontRef>
-          </p:style>
-          <p:txBody>
-            <a:bodyPr wrap="square" rtlCol="0" anchor="t">
-              <a:spAutoFit/>
-            </a:bodyPr>
-            <a:lstStyle>
-              <a:lvl1pPr marL="0" indent="0">
-                <a:defRPr sz="1100">
-                  <a:solidFill>
-                    <a:schemeClr val="tx1"/>
-                  </a:solidFill>
-                  <a:latin typeface="+mn-lt"/>
-                  <a:ea typeface="+mn-ea"/>
-                  <a:cs typeface="+mn-cs"/>
-                </a:defRPr>
-              </a:lvl1pPr>
-              <a:lvl2pPr marL="457200" indent="0">
-                <a:defRPr sz="1100">
-                  <a:solidFill>
-                    <a:schemeClr val="tx1"/>
-                  </a:solidFill>
-                  <a:latin typeface="+mn-lt"/>
-                  <a:ea typeface="+mn-ea"/>
-                  <a:cs typeface="+mn-cs"/>
-                </a:defRPr>
-              </a:lvl2pPr>
-              <a:lvl3pPr marL="914400" indent="0">
-                <a:defRPr sz="1100">
-                  <a:solidFill>
-                    <a:schemeClr val="tx1"/>
-                  </a:solidFill>
-                  <a:latin typeface="+mn-lt"/>
-                  <a:ea typeface="+mn-ea"/>
-                  <a:cs typeface="+mn-cs"/>
-                </a:defRPr>
-              </a:lvl3pPr>
-              <a:lvl4pPr marL="1371600" indent="0">
-                <a:defRPr sz="1100">
-                  <a:solidFill>
-                    <a:schemeClr val="tx1"/>
-                  </a:solidFill>
-                  <a:latin typeface="+mn-lt"/>
-                  <a:ea typeface="+mn-ea"/>
-                  <a:cs typeface="+mn-cs"/>
-                </a:defRPr>
-              </a:lvl4pPr>
-              <a:lvl5pPr marL="1828800" indent="0">
-                <a:defRPr sz="1100">
-                  <a:solidFill>
-                    <a:schemeClr val="tx1"/>
-                  </a:solidFill>
-                  <a:latin typeface="+mn-lt"/>
-                  <a:ea typeface="+mn-ea"/>
-                  <a:cs typeface="+mn-cs"/>
-                </a:defRPr>
-              </a:lvl5pPr>
-              <a:lvl6pPr marL="2286000" indent="0">
-                <a:defRPr sz="1100">
-                  <a:solidFill>
-                    <a:schemeClr val="tx1"/>
-                  </a:solidFill>
-                  <a:latin typeface="+mn-lt"/>
-                  <a:ea typeface="+mn-ea"/>
-                  <a:cs typeface="+mn-cs"/>
-                </a:defRPr>
-              </a:lvl6pPr>
-              <a:lvl7pPr marL="2743200" indent="0">
-                <a:defRPr sz="1100">
-                  <a:solidFill>
-                    <a:schemeClr val="tx1"/>
-                  </a:solidFill>
-                  <a:latin typeface="+mn-lt"/>
-                  <a:ea typeface="+mn-ea"/>
-                  <a:cs typeface="+mn-cs"/>
-                </a:defRPr>
-              </a:lvl7pPr>
-              <a:lvl8pPr marL="3200400" indent="0">
-                <a:defRPr sz="1100">
-                  <a:solidFill>
-                    <a:schemeClr val="tx1"/>
-                  </a:solidFill>
-                  <a:latin typeface="+mn-lt"/>
-                  <a:ea typeface="+mn-ea"/>
-                  <a:cs typeface="+mn-cs"/>
-                </a:defRPr>
-              </a:lvl8pPr>
-              <a:lvl9pPr marL="3657600" indent="0">
-                <a:defRPr sz="1100">
-                  <a:solidFill>
-                    <a:schemeClr val="tx1"/>
-                  </a:solidFill>
-                  <a:latin typeface="+mn-lt"/>
-                  <a:ea typeface="+mn-ea"/>
-                  <a:cs typeface="+mn-cs"/>
-                </a:defRPr>
-              </a:lvl9pPr>
-            </a:lstStyle>
-            <a:p>
-              <a:r>
-                <a:rPr lang="en-US" altLang="ko-KR" dirty="0"/>
-                <a:t>RE_REQ_REMOVE_USER_ AUTH</a:t>
-              </a:r>
-              <a:endParaRPr lang="ko-KR" altLang="en-US" sz="1100" dirty="0"/>
-            </a:p>
-          </p:txBody>
-        </p:sp>
-        <p:sp>
-          <p:nvSpPr>
-            <p:cNvPr id="34" name="TextBox 18">
-              <a:extLst>
-                <a:ext uri="{FF2B5EF4-FFF2-40B4-BE49-F238E27FC236}">
-                  <a16:creationId xmlns:a16="http://schemas.microsoft.com/office/drawing/2014/main" id="{96D8C996-6A31-402E-8D40-0260CE9CEE21}"/>
-                </a:ext>
-              </a:extLst>
-            </p:cNvPr>
-            <p:cNvSpPr txBox="1"/>
-            <p:nvPr/>
-          </p:nvSpPr>
-          <p:spPr>
-            <a:xfrm>
-              <a:off x="5940925" y="3715409"/>
-              <a:ext cx="2544703" cy="261610"/>
-            </a:xfrm>
-            <a:prstGeom prst="rect">
-              <a:avLst/>
-            </a:prstGeom>
-            <a:noFill/>
-          </p:spPr>
-          <p:style>
-            <a:lnRef idx="0">
-              <a:scrgbClr r="0" g="0" b="0"/>
-            </a:lnRef>
-            <a:fillRef idx="0">
-              <a:scrgbClr r="0" g="0" b="0"/>
-            </a:fillRef>
-            <a:effectRef idx="0">
-              <a:scrgbClr r="0" g="0" b="0"/>
-            </a:effectRef>
-            <a:fontRef idx="minor">
-              <a:schemeClr val="tx1"/>
-            </a:fontRef>
-          </p:style>
-          <p:txBody>
-            <a:bodyPr wrap="square" rtlCol="0" anchor="t">
-              <a:spAutoFit/>
-            </a:bodyPr>
-            <a:lstStyle>
-              <a:lvl1pPr marL="0" indent="0">
-                <a:defRPr sz="1100">
-                  <a:solidFill>
-                    <a:schemeClr val="tx1"/>
-                  </a:solidFill>
-                  <a:latin typeface="+mn-lt"/>
-                  <a:ea typeface="+mn-ea"/>
-                  <a:cs typeface="+mn-cs"/>
-                </a:defRPr>
-              </a:lvl1pPr>
-              <a:lvl2pPr marL="457200" indent="0">
-                <a:defRPr sz="1100">
-                  <a:solidFill>
-                    <a:schemeClr val="tx1"/>
-                  </a:solidFill>
-                  <a:latin typeface="+mn-lt"/>
-                  <a:ea typeface="+mn-ea"/>
-                  <a:cs typeface="+mn-cs"/>
-                </a:defRPr>
-              </a:lvl2pPr>
-              <a:lvl3pPr marL="914400" indent="0">
-                <a:defRPr sz="1100">
-                  <a:solidFill>
-                    <a:schemeClr val="tx1"/>
-                  </a:solidFill>
-                  <a:latin typeface="+mn-lt"/>
-                  <a:ea typeface="+mn-ea"/>
-                  <a:cs typeface="+mn-cs"/>
-                </a:defRPr>
-              </a:lvl3pPr>
-              <a:lvl4pPr marL="1371600" indent="0">
-                <a:defRPr sz="1100">
-                  <a:solidFill>
-                    <a:schemeClr val="tx1"/>
-                  </a:solidFill>
-                  <a:latin typeface="+mn-lt"/>
-                  <a:ea typeface="+mn-ea"/>
-                  <a:cs typeface="+mn-cs"/>
-                </a:defRPr>
-              </a:lvl4pPr>
-              <a:lvl5pPr marL="1828800" indent="0">
-                <a:defRPr sz="1100">
-                  <a:solidFill>
-                    <a:schemeClr val="tx1"/>
-                  </a:solidFill>
-                  <a:latin typeface="+mn-lt"/>
-                  <a:ea typeface="+mn-ea"/>
-                  <a:cs typeface="+mn-cs"/>
-                </a:defRPr>
-              </a:lvl5pPr>
-              <a:lvl6pPr marL="2286000" indent="0">
-                <a:defRPr sz="1100">
-                  <a:solidFill>
-                    <a:schemeClr val="tx1"/>
-                  </a:solidFill>
-                  <a:latin typeface="+mn-lt"/>
-                  <a:ea typeface="+mn-ea"/>
-                  <a:cs typeface="+mn-cs"/>
-                </a:defRPr>
-              </a:lvl6pPr>
-              <a:lvl7pPr marL="2743200" indent="0">
-                <a:defRPr sz="1100">
-                  <a:solidFill>
-                    <a:schemeClr val="tx1"/>
-                  </a:solidFill>
-                  <a:latin typeface="+mn-lt"/>
-                  <a:ea typeface="+mn-ea"/>
-                  <a:cs typeface="+mn-cs"/>
-                </a:defRPr>
-              </a:lvl7pPr>
-              <a:lvl8pPr marL="3200400" indent="0">
-                <a:defRPr sz="1100">
-                  <a:solidFill>
-                    <a:schemeClr val="tx1"/>
-                  </a:solidFill>
-                  <a:latin typeface="+mn-lt"/>
-                  <a:ea typeface="+mn-ea"/>
-                  <a:cs typeface="+mn-cs"/>
-                </a:defRPr>
-              </a:lvl8pPr>
-              <a:lvl9pPr marL="3657600" indent="0">
-                <a:defRPr sz="1100">
-                  <a:solidFill>
-                    <a:schemeClr val="tx1"/>
-                  </a:solidFill>
-                  <a:latin typeface="+mn-lt"/>
-                  <a:ea typeface="+mn-ea"/>
-                  <a:cs typeface="+mn-cs"/>
-                </a:defRPr>
-              </a:lvl9pPr>
-            </a:lstStyle>
-            <a:p>
-              <a:r>
-                <a:rPr lang="en-US" altLang="ko-KR" dirty="0"/>
-                <a:t>RE_RES_ REMOVE _USER_ AUTH</a:t>
-              </a:r>
-              <a:endParaRPr lang="ko-KR" altLang="en-US" sz="1100" dirty="0"/>
-            </a:p>
-          </p:txBody>
-        </p:sp>
-      </p:grpSp>
-      <p:cxnSp>
-        <p:nvCxnSpPr>
-          <p:cNvPr id="36" name="직선 연결선 35">
-            <a:extLst>
-              <a:ext uri="{FF2B5EF4-FFF2-40B4-BE49-F238E27FC236}">
-                <a16:creationId xmlns:a16="http://schemas.microsoft.com/office/drawing/2014/main" id="{65FD395B-8E5E-4535-9B44-98D7EC827E52}"/>
+                <a16:creationId xmlns:a16="http://schemas.microsoft.com/office/drawing/2014/main" id="{B55B0275-7ED6-4EF7-833F-9216EDAED66F}"/>
               </a:ext>
             </a:extLst>
           </p:cNvPr>
@@ -27403,32 +27392,26 @@
           <p:nvPr/>
         </p:nvCxnSpPr>
         <p:spPr>
-          <a:xfrm>
-            <a:off x="2616200" y="5240867"/>
-            <a:ext cx="7281333" cy="0"/>
+          <a:xfrm flipH="1" flipV="1">
+            <a:off x="3351050" y="6073250"/>
+            <a:ext cx="2705100" cy="9525"/>
           </a:xfrm>
-          <a:prstGeom prst="line">
+          <a:prstGeom prst="straightConnector1">
             <a:avLst/>
           </a:prstGeom>
-          <a:ln w="9525" cap="flat" cmpd="sng" algn="ctr">
-            <a:solidFill>
-              <a:schemeClr val="accent2"/>
-            </a:solidFill>
-            <a:prstDash val="dash"/>
-            <a:round/>
-            <a:headEnd type="none" w="med" len="med"/>
-            <a:tailEnd type="none" w="med" len="med"/>
+          <a:ln w="57150">
+            <a:tailEnd type="triangle"/>
           </a:ln>
         </p:spPr>
         <p:style>
-          <a:lnRef idx="0">
-            <a:scrgbClr r="0" g="0" b="0"/>
+          <a:lnRef idx="1">
+            <a:schemeClr val="accent1"/>
           </a:lnRef>
           <a:fillRef idx="0">
-            <a:scrgbClr r="0" g="0" b="0"/>
+            <a:schemeClr val="accent1"/>
           </a:fillRef>
           <a:effectRef idx="0">
-            <a:scrgbClr r="0" g="0" b="0"/>
+            <a:schemeClr val="accent1"/>
           </a:effectRef>
           <a:fontRef idx="minor">
             <a:schemeClr val="tx1"/>
@@ -27437,10 +27420,10 @@
       </p:cxnSp>
       <p:sp>
         <p:nvSpPr>
-          <p:cNvPr id="37" name="직사각형 36">
+          <p:cNvPr id="28" name="직사각형 27">
             <a:extLst>
               <a:ext uri="{FF2B5EF4-FFF2-40B4-BE49-F238E27FC236}">
-                <a16:creationId xmlns:a16="http://schemas.microsoft.com/office/drawing/2014/main" id="{9075AB99-EA86-46E3-83C1-C395B02CC647}"/>
+                <a16:creationId xmlns:a16="http://schemas.microsoft.com/office/drawing/2014/main" id="{5D320F4D-6A83-4E1D-B849-217F7962DF1A}"/>
               </a:ext>
             </a:extLst>
           </p:cNvPr>
@@ -27449,8 +27432,8 @@
         </p:nvSpPr>
         <p:spPr>
           <a:xfrm>
-            <a:off x="8782050" y="5250393"/>
-            <a:ext cx="3512500" cy="646331"/>
+            <a:off x="6548761" y="5067203"/>
+            <a:ext cx="1806905" cy="261610"/>
           </a:xfrm>
           <a:prstGeom prst="rect">
             <a:avLst/>
@@ -27463,29 +27446,25 @@
           <a:lstStyle/>
           <a:p>
             <a:r>
-              <a:rPr lang="ko-KR" altLang="en-US" dirty="0"/>
-              <a:t>일정 기간 동안 하트비트가 오지</a:t>
+              <a:rPr lang="en-US" altLang="ko-KR" sz="1100" dirty="0">
+                <a:solidFill>
+                  <a:srgbClr val="000000"/>
+                </a:solidFill>
+                <a:latin typeface="돋움체" panose="020B0609000101010101" pitchFamily="49" charset="-127"/>
+                <a:ea typeface="돋움체" panose="020B0609000101010101" pitchFamily="49" charset="-127"/>
+              </a:rPr>
+              <a:t>RE_RES_REMOVE_USER_DATA</a:t>
             </a:r>
-            <a:endParaRPr lang="en-US" altLang="ko-KR" dirty="0"/>
-          </a:p>
-          <a:p>
-            <a:r>
-              <a:rPr lang="ko-KR" altLang="en-US" dirty="0" err="1"/>
-              <a:t>않은경우</a:t>
-            </a:r>
-            <a:r>
-              <a:rPr lang="ko-KR" altLang="en-US" dirty="0"/>
-              <a:t> 다음을 수행</a:t>
-            </a:r>
+            <a:endParaRPr lang="ko-KR" altLang="en-US" sz="1100" dirty="0"/>
           </a:p>
         </p:txBody>
       </p:sp>
       <p:sp>
         <p:nvSpPr>
-          <p:cNvPr id="39" name="TextBox 38">
+          <p:cNvPr id="3" name="TextBox 2">
             <a:extLst>
               <a:ext uri="{FF2B5EF4-FFF2-40B4-BE49-F238E27FC236}">
-                <a16:creationId xmlns:a16="http://schemas.microsoft.com/office/drawing/2014/main" id="{E3978906-3F56-451A-AA57-90783F1A90E4}"/>
+                <a16:creationId xmlns:a16="http://schemas.microsoft.com/office/drawing/2014/main" id="{A5EAD5C1-29F1-4775-AF7B-8AEBE4003C26}"/>
               </a:ext>
             </a:extLst>
           </p:cNvPr>
@@ -27494,8 +27473,8 @@
         </p:nvSpPr>
         <p:spPr>
           <a:xfrm>
-            <a:off x="9804400" y="4813300"/>
-            <a:ext cx="854401" cy="369332"/>
+            <a:off x="9323100" y="3469028"/>
+            <a:ext cx="2343911" cy="2308324"/>
           </a:xfrm>
           <a:prstGeom prst="rect">
             <a:avLst/>
@@ -27509,9 +27488,66 @@
           <a:lstStyle/>
           <a:p>
             <a:r>
+              <a:rPr lang="ko-KR" altLang="en-US" dirty="0"/>
+              <a:t>로그 아웃을</a:t>
+            </a:r>
+            <a:endParaRPr lang="en-US" altLang="ko-KR" dirty="0"/>
+          </a:p>
+          <a:p>
+            <a:r>
+              <a:rPr lang="ko-KR" altLang="en-US" dirty="0"/>
+              <a:t>요청하면 </a:t>
+            </a:r>
+            <a:r>
+              <a:rPr lang="ko-KR" altLang="en-US" dirty="0" err="1"/>
+              <a:t>레디스에서</a:t>
+            </a:r>
+            <a:endParaRPr lang="en-US" altLang="ko-KR" dirty="0"/>
+          </a:p>
+          <a:p>
+            <a:r>
+              <a:rPr lang="ko-KR" altLang="en-US" dirty="0"/>
+              <a:t>유저 정보를 지우</a:t>
+            </a:r>
+            <a:endParaRPr lang="en-US" altLang="ko-KR" dirty="0"/>
+          </a:p>
+          <a:p>
+            <a:r>
+              <a:rPr lang="ko-KR" altLang="en-US" dirty="0"/>
+              <a:t>도록 하고</a:t>
+            </a:r>
+            <a:endParaRPr lang="en-US" altLang="ko-KR" dirty="0"/>
+          </a:p>
+          <a:p>
+            <a:r>
+              <a:rPr lang="ko-KR" altLang="en-US" dirty="0"/>
+              <a:t>답변을 보내고</a:t>
+            </a:r>
+            <a:endParaRPr lang="en-US" altLang="ko-KR" dirty="0"/>
+          </a:p>
+          <a:p>
+            <a:r>
+              <a:rPr lang="ko-KR" altLang="en-US" dirty="0"/>
+              <a:t>나머지 사람들에게 </a:t>
+            </a:r>
+            <a:endParaRPr lang="en-US" altLang="ko-KR" dirty="0"/>
+          </a:p>
+          <a:p>
+            <a:r>
+              <a:rPr lang="ko-KR" altLang="en-US" dirty="0"/>
+              <a:t>알린다</a:t>
+            </a:r>
+            <a:r>
               <a:rPr lang="en-US" altLang="ko-KR" dirty="0"/>
-              <a:t>Delete</a:t>
+              <a:t>.</a:t>
             </a:r>
+            <a:r>
+              <a:rPr lang="ko-KR" altLang="en-US" dirty="0"/>
+              <a:t> </a:t>
+            </a:r>
+            <a:endParaRPr lang="en-US" altLang="ko-KR" dirty="0"/>
+          </a:p>
+          <a:p>
             <a:endParaRPr lang="ko-KR" altLang="en-US" dirty="0"/>
           </a:p>
         </p:txBody>
@@ -27519,7 +27555,7 @@
     </p:spTree>
     <p:extLst>
       <p:ext uri="{BB962C8B-B14F-4D97-AF65-F5344CB8AC3E}">
-        <p14:creationId xmlns:p14="http://schemas.microsoft.com/office/powerpoint/2010/main" val="2563522629"/>
+        <p14:creationId xmlns:p14="http://schemas.microsoft.com/office/powerpoint/2010/main" val="3075621"/>
       </p:ext>
     </p:extLst>
   </p:cSld>
